--- a/doc/video-07-validity.pptx
+++ b/doc/video-07-validity.pptx
@@ -4,6 +4,9 @@
   <p:sldMasterIdLst>
     <p:sldMasterId id="2147483648" r:id="rId1"/>
   </p:sldMasterIdLst>
+  <p:notesMasterIdLst>
+    <p:NotesMasterId r:id="rId41"/>
+  </p:notesMasterIdLst>
   <p:sldIdLst>
     <p:sldId id="256" r:id="rId2"/>
     <p:sldId id="257" r:id="rId3"/>
@@ -159,6 +162,8019 @@
     </p:ext>
   </p:extLst>
 </p:presentation>
+</file>
+
+<file path=ppt/notesMasters/notesMaster1.xml><?xml version="1.0" encoding="utf-8"?>
+<p:notesMaster xmlns:a="http://schemas.openxmlformats.org/drawingml/2006/main" xmlns:r="http://schemas.openxmlformats.org/officeDocument/2006/relationships" xmlns:p="http://schemas.openxmlformats.org/presentationml/2006/main">
+  <p:cSld>
+    <p:bg>
+      <p:bgRef idx="1001">
+        <a:schemeClr val="bg1"/>
+      </p:bgRef>
+    </p:bg>
+    <p:spTree>
+      <p:nvGrpSpPr>
+        <p:cNvPr id="1" name=""/>
+        <p:cNvGrpSpPr/>
+        <p:nvPr/>
+      </p:nvGrpSpPr>
+      <p:grpSpPr>
+        <a:xfrm>
+          <a:off x="0" y="0"/>
+          <a:ext cx="0" cy="0"/>
+          <a:chOff x="0" y="0"/>
+          <a:chExt cx="0" cy="0"/>
+        </a:xfrm>
+      </p:grpSpPr>
+      <p:sp>
+        <p:nvSpPr>
+          <p:cNvPr id="2" name="Header Placeholder 1"/>
+          <p:cNvSpPr>
+            <a:spLocks noGrp="1"/>
+          </p:cNvSpPr>
+          <p:nvPr>
+            <p:ph type="hdr" sz="quarter"/>
+          </p:nvPr>
+        </p:nvSpPr>
+        <p:spPr>
+          <a:xfrm>
+            <a:off x="0" y="0"/>
+            <a:ext cx="2971800" cy="458788"/>
+          </a:xfrm>
+          <a:prstGeom prst="rect">
+            <a:avLst/>
+          </a:prstGeom>
+        </p:spPr>
+        <p:txBody>
+          <a:bodyPr vert="horz" lIns="91440" tIns="45720" rIns="91440" bIns="45720" rtlCol="0"/>
+          <a:lstStyle>
+            <a:lvl1pPr algn="l">
+              <a:defRPr sz="1200"/>
+            </a:lvl1pPr>
+          </a:lstStyle>
+          <a:p>
+            <a:endParaRPr lang="en-US"/>
+          </a:p>
+        </p:txBody>
+      </p:sp>
+      <p:sp>
+        <p:nvSpPr>
+          <p:cNvPr id="3" name="Date Placeholder 2"/>
+          <p:cNvSpPr>
+            <a:spLocks noGrp="1"/>
+          </p:cNvSpPr>
+          <p:nvPr>
+            <p:ph type="dt" idx="1"/>
+          </p:nvPr>
+        </p:nvSpPr>
+        <p:spPr>
+          <a:xfrm>
+            <a:off x="3884613" y="0"/>
+            <a:ext cx="2971800" cy="458788"/>
+          </a:xfrm>
+          <a:prstGeom prst="rect">
+            <a:avLst/>
+          </a:prstGeom>
+        </p:spPr>
+        <p:txBody>
+          <a:bodyPr vert="horz" lIns="91440" tIns="45720" rIns="91440" bIns="45720" rtlCol="0"/>
+          <a:lstStyle>
+            <a:lvl1pPr algn="r">
+              <a:defRPr sz="1200"/>
+            </a:lvl1pPr>
+          </a:lstStyle>
+          <a:p>
+            <a:fld id="{0F9C1CCF-B725-44A7-AA57-5E433BD85C9F}" type="datetimeFigureOut">
+              <a:rPr lang="en-US" smtClean="0"/>
+              <a:t>12/30/2018</a:t>
+            </a:fld>
+            <a:endParaRPr lang="en-US"/>
+          </a:p>
+        </p:txBody>
+      </p:sp>
+      <p:sp>
+        <p:nvSpPr>
+          <p:cNvPr id="4" name="Slide Image Placeholder 3"/>
+          <p:cNvSpPr>
+            <a:spLocks noGrp="1" noRot="1" noChangeAspect="1"/>
+          </p:cNvSpPr>
+          <p:nvPr>
+            <p:ph type="sldImg" idx="2"/>
+          </p:nvPr>
+        </p:nvSpPr>
+        <p:spPr>
+          <a:xfrm>
+            <a:off x="1371600" y="1143000"/>
+            <a:ext cx="4114800" cy="3086100"/>
+          </a:xfrm>
+          <a:prstGeom prst="rect">
+            <a:avLst/>
+          </a:prstGeom>
+          <a:noFill/>
+          <a:ln w="12700">
+            <a:solidFill>
+              <a:prstClr val="black"/>
+            </a:solidFill>
+          </a:ln>
+        </p:spPr>
+        <p:txBody>
+          <a:bodyPr vert="horz" lIns="91440" tIns="45720" rIns="91440" bIns="45720" rtlCol="0" anchor="ctr"/>
+          <a:lstStyle/>
+          <a:p>
+            <a:endParaRPr lang="en-US"/>
+          </a:p>
+        </p:txBody>
+      </p:sp>
+      <p:sp>
+        <p:nvSpPr>
+          <p:cNvPr id="5" name="Notes Placeholder 4"/>
+          <p:cNvSpPr>
+            <a:spLocks noGrp="1"/>
+          </p:cNvSpPr>
+          <p:nvPr>
+            <p:ph type="body" sz="quarter" idx="3"/>
+          </p:nvPr>
+        </p:nvSpPr>
+        <p:spPr>
+          <a:xfrm>
+            <a:off x="685800" y="4400550"/>
+            <a:ext cx="5486400" cy="3600450"/>
+          </a:xfrm>
+          <a:prstGeom prst="rect">
+            <a:avLst/>
+          </a:prstGeom>
+        </p:spPr>
+        <p:txBody>
+          <a:bodyPr vert="horz" lIns="91440" tIns="45720" rIns="91440" bIns="45720" rtlCol="0"/>
+          <a:lstStyle/>
+          <a:p>
+            <a:pPr lvl="0"/>
+            <a:r>
+              <a:rPr lang="en-US"/>
+              <a:t>Click to edit Master text styles</a:t>
+            </a:r>
+          </a:p>
+          <a:p>
+            <a:pPr lvl="1"/>
+            <a:r>
+              <a:rPr lang="en-US"/>
+              <a:t>Second level</a:t>
+            </a:r>
+          </a:p>
+          <a:p>
+            <a:pPr lvl="2"/>
+            <a:r>
+              <a:rPr lang="en-US"/>
+              <a:t>Third level</a:t>
+            </a:r>
+          </a:p>
+          <a:p>
+            <a:pPr lvl="3"/>
+            <a:r>
+              <a:rPr lang="en-US"/>
+              <a:t>Fourth level</a:t>
+            </a:r>
+          </a:p>
+          <a:p>
+            <a:pPr lvl="4"/>
+            <a:r>
+              <a:rPr lang="en-US"/>
+              <a:t>Fifth level</a:t>
+            </a:r>
+          </a:p>
+        </p:txBody>
+      </p:sp>
+      <p:sp>
+        <p:nvSpPr>
+          <p:cNvPr id="6" name="Footer Placeholder 5"/>
+          <p:cNvSpPr>
+            <a:spLocks noGrp="1"/>
+          </p:cNvSpPr>
+          <p:nvPr>
+            <p:ph type="ftr" sz="quarter" idx="4"/>
+          </p:nvPr>
+        </p:nvSpPr>
+        <p:spPr>
+          <a:xfrm>
+            <a:off x="0" y="8685213"/>
+            <a:ext cx="2971800" cy="458787"/>
+          </a:xfrm>
+          <a:prstGeom prst="rect">
+            <a:avLst/>
+          </a:prstGeom>
+        </p:spPr>
+        <p:txBody>
+          <a:bodyPr vert="horz" lIns="91440" tIns="45720" rIns="91440" bIns="45720" rtlCol="0" anchor="b"/>
+          <a:lstStyle>
+            <a:lvl1pPr algn="l">
+              <a:defRPr sz="1200"/>
+            </a:lvl1pPr>
+          </a:lstStyle>
+          <a:p>
+            <a:endParaRPr lang="en-US"/>
+          </a:p>
+        </p:txBody>
+      </p:sp>
+      <p:sp>
+        <p:nvSpPr>
+          <p:cNvPr id="7" name="Slide Number Placeholder 6"/>
+          <p:cNvSpPr>
+            <a:spLocks noGrp="1"/>
+          </p:cNvSpPr>
+          <p:nvPr>
+            <p:ph type="sldNum" sz="quarter" idx="5"/>
+          </p:nvPr>
+        </p:nvSpPr>
+        <p:spPr>
+          <a:xfrm>
+            <a:off x="3884613" y="8685213"/>
+            <a:ext cx="2971800" cy="458787"/>
+          </a:xfrm>
+          <a:prstGeom prst="rect">
+            <a:avLst/>
+          </a:prstGeom>
+        </p:spPr>
+        <p:txBody>
+          <a:bodyPr vert="horz" lIns="91440" tIns="45720" rIns="91440" bIns="45720" rtlCol="0" anchor="b"/>
+          <a:lstStyle>
+            <a:lvl1pPr algn="r">
+              <a:defRPr sz="1200"/>
+            </a:lvl1pPr>
+          </a:lstStyle>
+          <a:p>
+            <a:fld id="{18BDFEC3-8487-43E8-A154-7C12CBC1FFF2}" type="slidenum">
+              <a:rPr lang="en-US" smtClean="0"/>
+              <a:t>‹#›</a:t>
+            </a:fld>
+            <a:endParaRPr lang="en-US"/>
+          </a:p>
+        </p:txBody>
+      </p:sp>
+    </p:spTree>
+    <p:extLst>
+      <p:ext uri="{BB962C8B-B14F-4D97-AF65-F5344CB8AC3E}">
+        <p14:creationId xmlns:p14="http://schemas.microsoft.com/office/powerpoint/2010/main" val="3782709779"/>
+      </p:ext>
+    </p:extLst>
+  </p:cSld>
+  <p:clrMap bg1="lt1" tx1="dk1" bg2="lt2" tx2="dk2" accent1="accent1" accent2="accent2" accent3="accent3" accent4="accent4" accent5="accent5" accent6="accent6" hlink="hlink" folHlink="folHlink"/>
+  <p:notesStyle>
+    <a:lvl1pPr marL="0" algn="l" defTabSz="914400" rtl="0" eaLnBrk="1" latinLnBrk="0" hangingPunct="1">
+      <a:defRPr sz="1200" kern="1200">
+        <a:solidFill>
+          <a:schemeClr val="tx1"/>
+        </a:solidFill>
+        <a:latin typeface="+mn-lt"/>
+        <a:ea typeface="+mn-ea"/>
+        <a:cs typeface="+mn-cs"/>
+      </a:defRPr>
+    </a:lvl1pPr>
+    <a:lvl2pPr marL="457200" algn="l" defTabSz="914400" rtl="0" eaLnBrk="1" latinLnBrk="0" hangingPunct="1">
+      <a:defRPr sz="1200" kern="1200">
+        <a:solidFill>
+          <a:schemeClr val="tx1"/>
+        </a:solidFill>
+        <a:latin typeface="+mn-lt"/>
+        <a:ea typeface="+mn-ea"/>
+        <a:cs typeface="+mn-cs"/>
+      </a:defRPr>
+    </a:lvl2pPr>
+    <a:lvl3pPr marL="914400" algn="l" defTabSz="914400" rtl="0" eaLnBrk="1" latinLnBrk="0" hangingPunct="1">
+      <a:defRPr sz="1200" kern="1200">
+        <a:solidFill>
+          <a:schemeClr val="tx1"/>
+        </a:solidFill>
+        <a:latin typeface="+mn-lt"/>
+        <a:ea typeface="+mn-ea"/>
+        <a:cs typeface="+mn-cs"/>
+      </a:defRPr>
+    </a:lvl3pPr>
+    <a:lvl4pPr marL="1371600" algn="l" defTabSz="914400" rtl="0" eaLnBrk="1" latinLnBrk="0" hangingPunct="1">
+      <a:defRPr sz="1200" kern="1200">
+        <a:solidFill>
+          <a:schemeClr val="tx1"/>
+        </a:solidFill>
+        <a:latin typeface="+mn-lt"/>
+        <a:ea typeface="+mn-ea"/>
+        <a:cs typeface="+mn-cs"/>
+      </a:defRPr>
+    </a:lvl4pPr>
+    <a:lvl5pPr marL="1828800" algn="l" defTabSz="914400" rtl="0" eaLnBrk="1" latinLnBrk="0" hangingPunct="1">
+      <a:defRPr sz="1200" kern="1200">
+        <a:solidFill>
+          <a:schemeClr val="tx1"/>
+        </a:solidFill>
+        <a:latin typeface="+mn-lt"/>
+        <a:ea typeface="+mn-ea"/>
+        <a:cs typeface="+mn-cs"/>
+      </a:defRPr>
+    </a:lvl5pPr>
+    <a:lvl6pPr marL="2286000" algn="l" defTabSz="914400" rtl="0" eaLnBrk="1" latinLnBrk="0" hangingPunct="1">
+      <a:defRPr sz="1200" kern="1200">
+        <a:solidFill>
+          <a:schemeClr val="tx1"/>
+        </a:solidFill>
+        <a:latin typeface="+mn-lt"/>
+        <a:ea typeface="+mn-ea"/>
+        <a:cs typeface="+mn-cs"/>
+      </a:defRPr>
+    </a:lvl6pPr>
+    <a:lvl7pPr marL="2743200" algn="l" defTabSz="914400" rtl="0" eaLnBrk="1" latinLnBrk="0" hangingPunct="1">
+      <a:defRPr sz="1200" kern="1200">
+        <a:solidFill>
+          <a:schemeClr val="tx1"/>
+        </a:solidFill>
+        <a:latin typeface="+mn-lt"/>
+        <a:ea typeface="+mn-ea"/>
+        <a:cs typeface="+mn-cs"/>
+      </a:defRPr>
+    </a:lvl7pPr>
+    <a:lvl8pPr marL="3200400" algn="l" defTabSz="914400" rtl="0" eaLnBrk="1" latinLnBrk="0" hangingPunct="1">
+      <a:defRPr sz="1200" kern="1200">
+        <a:solidFill>
+          <a:schemeClr val="tx1"/>
+        </a:solidFill>
+        <a:latin typeface="+mn-lt"/>
+        <a:ea typeface="+mn-ea"/>
+        <a:cs typeface="+mn-cs"/>
+      </a:defRPr>
+    </a:lvl8pPr>
+    <a:lvl9pPr marL="3657600" algn="l" defTabSz="914400" rtl="0" eaLnBrk="1" latinLnBrk="0" hangingPunct="1">
+      <a:defRPr sz="1200" kern="1200">
+        <a:solidFill>
+          <a:schemeClr val="tx1"/>
+        </a:solidFill>
+        <a:latin typeface="+mn-lt"/>
+        <a:ea typeface="+mn-ea"/>
+        <a:cs typeface="+mn-cs"/>
+      </a:defRPr>
+    </a:lvl9pPr>
+  </p:notesStyle>
+</p:notesMaster>
+</file>
+
+<file path=ppt/notesSlides/notesSlide1.xml><?xml version="1.0" encoding="utf-8"?>
+<p:notes xmlns:a="http://schemas.openxmlformats.org/drawingml/2006/main" xmlns:r="http://schemas.openxmlformats.org/officeDocument/2006/relationships" xmlns:p="http://schemas.openxmlformats.org/presentationml/2006/main">
+  <p:cSld>
+    <p:spTree>
+      <p:nvGrpSpPr>
+        <p:cNvPr id="1" name=""/>
+        <p:cNvGrpSpPr/>
+        <p:nvPr/>
+      </p:nvGrpSpPr>
+      <p:grpSpPr>
+        <a:xfrm>
+          <a:off x="0" y="0"/>
+          <a:ext cx="0" cy="0"/>
+          <a:chOff x="0" y="0"/>
+          <a:chExt cx="0" cy="0"/>
+        </a:xfrm>
+      </p:grpSpPr>
+      <p:sp>
+        <p:nvSpPr>
+          <p:cNvPr id="2" name="Slide Image Placeholder 1"/>
+          <p:cNvSpPr>
+            <a:spLocks noGrp="1" noRot="1" noChangeAspect="1"/>
+          </p:cNvSpPr>
+          <p:nvPr>
+            <p:ph type="sldImg"/>
+          </p:nvPr>
+        </p:nvSpPr>
+        <p:spPr/>
+      </p:sp>
+      <p:sp>
+        <p:nvSpPr>
+          <p:cNvPr id="3" name="Notes Placeholder 2"/>
+          <p:cNvSpPr>
+            <a:spLocks noGrp="1"/>
+          </p:cNvSpPr>
+          <p:nvPr>
+            <p:ph type="body" idx="1"/>
+          </p:nvPr>
+        </p:nvSpPr>
+        <p:spPr/>
+        <p:txBody>
+          <a:bodyPr/>
+          <a:lstStyle/>
+          <a:p>
+            <a:pPr lvl="0" marL="0" indent="0">
+              <a:buNone/>
+            </a:pPr>
+            <a:r>
+              <a:rPr/>
+              <a:t>Here</a:t>
+            </a:r>
+            <a:r>
+              <a:rPr/>
+              <a:t> </a:t>
+            </a:r>
+            <a:r>
+              <a:rPr/>
+              <a:t>are</a:t>
+            </a:r>
+            <a:r>
+              <a:rPr/>
+              <a:t> </a:t>
+            </a:r>
+            <a:r>
+              <a:rPr/>
+              <a:t>the</a:t>
+            </a:r>
+            <a:r>
+              <a:rPr/>
+              <a:t> </a:t>
+            </a:r>
+            <a:r>
+              <a:rPr/>
+              <a:t>objectives</a:t>
+            </a:r>
+            <a:r>
+              <a:rPr/>
+              <a:t> </a:t>
+            </a:r>
+            <a:r>
+              <a:rPr/>
+              <a:t>for</a:t>
+            </a:r>
+            <a:r>
+              <a:rPr/>
+              <a:t> </a:t>
+            </a:r>
+            <a:r>
+              <a:rPr/>
+              <a:t>this</a:t>
+            </a:r>
+            <a:r>
+              <a:rPr/>
+              <a:t> </a:t>
+            </a:r>
+            <a:r>
+              <a:rPr/>
+              <a:t>week’s</a:t>
+            </a:r>
+            <a:r>
+              <a:rPr/>
+              <a:t> </a:t>
+            </a:r>
+            <a:r>
+              <a:rPr/>
+              <a:t>class.</a:t>
+            </a:r>
+          </a:p>
+        </p:txBody>
+      </p:sp>
+      <p:sp>
+        <p:nvSpPr>
+          <p:cNvPr id="4" name="Slide Number Placeholder 3"/>
+          <p:cNvSpPr>
+            <a:spLocks noGrp="1"/>
+          </p:cNvSpPr>
+          <p:nvPr>
+            <p:ph type="sldNum" sz="quarter" idx="10"/>
+          </p:nvPr>
+        </p:nvSpPr>
+        <p:spPr/>
+        <p:txBody>
+          <a:bodyPr/>
+          <a:lstStyle/>
+          <a:p>
+            <a:fld id="{18BDFEC3-8487-43E8-A154-7C12CBC1FFF2}" type="slidenum">
+              <a:rPr lang="en-US"/>
+              <a:t>2</a:t>
+            </a:fld>
+            <a:endParaRPr lang="en-US"/>
+          </a:p>
+        </p:txBody>
+      </p:sp>
+    </p:spTree>
+  </p:cSld>
+</p:notes>
+</file>
+
+<file path=ppt/notesSlides/notesSlide10.xml><?xml version="1.0" encoding="utf-8"?>
+<p:notes xmlns:a="http://schemas.openxmlformats.org/drawingml/2006/main" xmlns:r="http://schemas.openxmlformats.org/officeDocument/2006/relationships" xmlns:p="http://schemas.openxmlformats.org/presentationml/2006/main">
+  <p:cSld>
+    <p:spTree>
+      <p:nvGrpSpPr>
+        <p:cNvPr id="1" name=""/>
+        <p:cNvGrpSpPr/>
+        <p:nvPr/>
+      </p:nvGrpSpPr>
+      <p:grpSpPr>
+        <a:xfrm>
+          <a:off x="0" y="0"/>
+          <a:ext cx="0" cy="0"/>
+          <a:chOff x="0" y="0"/>
+          <a:chExt cx="0" cy="0"/>
+        </a:xfrm>
+      </p:grpSpPr>
+      <p:sp>
+        <p:nvSpPr>
+          <p:cNvPr id="2" name="Slide Image Placeholder 1"/>
+          <p:cNvSpPr>
+            <a:spLocks noGrp="1" noRot="1" noChangeAspect="1"/>
+          </p:cNvSpPr>
+          <p:nvPr>
+            <p:ph type="sldImg"/>
+          </p:nvPr>
+        </p:nvSpPr>
+        <p:spPr/>
+      </p:sp>
+      <p:sp>
+        <p:nvSpPr>
+          <p:cNvPr id="3" name="Notes Placeholder 2"/>
+          <p:cNvSpPr>
+            <a:spLocks noGrp="1"/>
+          </p:cNvSpPr>
+          <p:nvPr>
+            <p:ph type="body" idx="1"/>
+          </p:nvPr>
+        </p:nvSpPr>
+        <p:spPr/>
+        <p:txBody>
+          <a:bodyPr/>
+          <a:lstStyle/>
+          <a:p>
+            <a:pPr lvl="0" marL="0" indent="0">
+              <a:buNone/>
+            </a:pPr>
+            <a:r>
+              <a:rPr/>
+              <a:t>Equivalence</a:t>
+            </a:r>
+            <a:r>
+              <a:rPr/>
+              <a:t> </a:t>
+            </a:r>
+            <a:r>
+              <a:rPr/>
+              <a:t>when</a:t>
+            </a:r>
+            <a:r>
+              <a:rPr/>
+              <a:t> </a:t>
+            </a:r>
+            <a:r>
+              <a:rPr/>
+              <a:t>you</a:t>
+            </a:r>
+            <a:r>
+              <a:rPr/>
+              <a:t> </a:t>
+            </a:r>
+            <a:r>
+              <a:rPr/>
+              <a:t>have</a:t>
+            </a:r>
+            <a:r>
+              <a:rPr/>
+              <a:t> </a:t>
+            </a:r>
+            <a:r>
+              <a:rPr/>
+              <a:t>a</a:t>
+            </a:r>
+            <a:r>
+              <a:rPr/>
+              <a:t> </a:t>
+            </a:r>
+            <a:r>
+              <a:rPr/>
+              <a:t>continuous</a:t>
+            </a:r>
+            <a:r>
+              <a:rPr/>
+              <a:t> </a:t>
+            </a:r>
+            <a:r>
+              <a:rPr/>
+              <a:t>independent</a:t>
+            </a:r>
+            <a:r>
+              <a:rPr/>
+              <a:t> </a:t>
+            </a:r>
+            <a:r>
+              <a:rPr/>
+              <a:t>variable</a:t>
+            </a:r>
+            <a:r>
+              <a:rPr/>
+              <a:t> </a:t>
+            </a:r>
+            <a:r>
+              <a:rPr/>
+              <a:t>means</a:t>
+            </a:r>
+            <a:r>
+              <a:rPr/>
+              <a:t> </a:t>
+            </a:r>
+            <a:r>
+              <a:rPr/>
+              <a:t>that</a:t>
+            </a:r>
+            <a:r>
+              <a:rPr/>
+              <a:t> </a:t>
+            </a:r>
+            <a:r>
+              <a:rPr/>
+              <a:t>those</a:t>
+            </a:r>
+            <a:r>
+              <a:rPr/>
+              <a:t> </a:t>
+            </a:r>
+            <a:r>
+              <a:rPr/>
+              <a:t>who</a:t>
+            </a:r>
+            <a:r>
+              <a:rPr/>
+              <a:t> </a:t>
+            </a:r>
+            <a:r>
+              <a:rPr/>
+              <a:t>score</a:t>
+            </a:r>
+            <a:r>
+              <a:rPr/>
+              <a:t> </a:t>
+            </a:r>
+            <a:r>
+              <a:rPr/>
+              <a:t>high</a:t>
+            </a:r>
+            <a:r>
+              <a:rPr/>
+              <a:t> </a:t>
+            </a:r>
+            <a:r>
+              <a:rPr/>
+              <a:t>on</a:t>
+            </a:r>
+            <a:r>
+              <a:rPr/>
+              <a:t> </a:t>
+            </a:r>
+            <a:r>
+              <a:rPr/>
+              <a:t>the</a:t>
+            </a:r>
+            <a:r>
+              <a:rPr/>
+              <a:t> </a:t>
+            </a:r>
+            <a:r>
+              <a:rPr/>
+              <a:t>variable</a:t>
+            </a:r>
+            <a:r>
+              <a:rPr/>
+              <a:t> </a:t>
+            </a:r>
+            <a:r>
+              <a:rPr/>
+              <a:t>are</a:t>
+            </a:r>
+            <a:r>
+              <a:rPr/>
+              <a:t> </a:t>
+            </a:r>
+            <a:r>
+              <a:rPr/>
+              <a:t>similar</a:t>
+            </a:r>
+            <a:r>
+              <a:rPr/>
+              <a:t> </a:t>
+            </a:r>
+            <a:r>
+              <a:rPr/>
+              <a:t>to</a:t>
+            </a:r>
+            <a:r>
+              <a:rPr/>
+              <a:t> </a:t>
+            </a:r>
+            <a:r>
+              <a:rPr/>
+              <a:t>those</a:t>
+            </a:r>
+            <a:r>
+              <a:rPr/>
+              <a:t> </a:t>
+            </a:r>
+            <a:r>
+              <a:rPr/>
+              <a:t>who</a:t>
+            </a:r>
+            <a:r>
+              <a:rPr/>
+              <a:t> </a:t>
+            </a:r>
+            <a:r>
+              <a:rPr/>
+              <a:t>score</a:t>
+            </a:r>
+            <a:r>
+              <a:rPr/>
+              <a:t> </a:t>
+            </a:r>
+            <a:r>
+              <a:rPr/>
+              <a:t>low.</a:t>
+            </a:r>
+          </a:p>
+        </p:txBody>
+      </p:sp>
+      <p:sp>
+        <p:nvSpPr>
+          <p:cNvPr id="4" name="Slide Number Placeholder 3"/>
+          <p:cNvSpPr>
+            <a:spLocks noGrp="1"/>
+          </p:cNvSpPr>
+          <p:nvPr>
+            <p:ph type="sldNum" sz="quarter" idx="10"/>
+          </p:nvPr>
+        </p:nvSpPr>
+        <p:spPr/>
+        <p:txBody>
+          <a:bodyPr/>
+          <a:lstStyle/>
+          <a:p>
+            <a:fld id="{18BDFEC3-8487-43E8-A154-7C12CBC1FFF2}" type="slidenum">
+              <a:rPr lang="en-US"/>
+              <a:t>14</a:t>
+            </a:fld>
+            <a:endParaRPr lang="en-US"/>
+          </a:p>
+        </p:txBody>
+      </p:sp>
+    </p:spTree>
+  </p:cSld>
+</p:notes>
+</file>
+
+<file path=ppt/notesSlides/notesSlide11.xml><?xml version="1.0" encoding="utf-8"?>
+<p:notes xmlns:a="http://schemas.openxmlformats.org/drawingml/2006/main" xmlns:r="http://schemas.openxmlformats.org/officeDocument/2006/relationships" xmlns:p="http://schemas.openxmlformats.org/presentationml/2006/main">
+  <p:cSld>
+    <p:spTree>
+      <p:nvGrpSpPr>
+        <p:cNvPr id="1" name=""/>
+        <p:cNvGrpSpPr/>
+        <p:nvPr/>
+      </p:nvGrpSpPr>
+      <p:grpSpPr>
+        <a:xfrm>
+          <a:off x="0" y="0"/>
+          <a:ext cx="0" cy="0"/>
+          <a:chOff x="0" y="0"/>
+          <a:chExt cx="0" cy="0"/>
+        </a:xfrm>
+      </p:grpSpPr>
+      <p:sp>
+        <p:nvSpPr>
+          <p:cNvPr id="2" name="Slide Image Placeholder 1"/>
+          <p:cNvSpPr>
+            <a:spLocks noGrp="1" noRot="1" noChangeAspect="1"/>
+          </p:cNvSpPr>
+          <p:nvPr>
+            <p:ph type="sldImg"/>
+          </p:nvPr>
+        </p:nvSpPr>
+        <p:spPr/>
+      </p:sp>
+      <p:sp>
+        <p:nvSpPr>
+          <p:cNvPr id="3" name="Notes Placeholder 2"/>
+          <p:cNvSpPr>
+            <a:spLocks noGrp="1"/>
+          </p:cNvSpPr>
+          <p:nvPr>
+            <p:ph type="body" idx="1"/>
+          </p:nvPr>
+        </p:nvSpPr>
+        <p:spPr/>
+        <p:txBody>
+          <a:bodyPr/>
+          <a:lstStyle/>
+          <a:p>
+            <a:pPr lvl="0" marL="0" indent="0">
+              <a:buNone/>
+            </a:pPr>
+            <a:r>
+              <a:rPr/>
+              <a:t>Your</a:t>
+            </a:r>
+            <a:r>
+              <a:rPr/>
+              <a:t> </a:t>
+            </a:r>
+            <a:r>
+              <a:rPr/>
+              <a:t>study</a:t>
+            </a:r>
+            <a:r>
+              <a:rPr/>
+              <a:t> </a:t>
+            </a:r>
+            <a:r>
+              <a:rPr/>
+              <a:t>could</a:t>
+            </a:r>
+            <a:r>
+              <a:rPr/>
+              <a:t> </a:t>
+            </a:r>
+            <a:r>
+              <a:rPr/>
+              <a:t>be</a:t>
+            </a:r>
+            <a:r>
+              <a:rPr/>
+              <a:t> </a:t>
+            </a:r>
+            <a:r>
+              <a:rPr/>
+              <a:t>contaminated</a:t>
+            </a:r>
+            <a:r>
+              <a:rPr/>
+              <a:t> </a:t>
+            </a:r>
+            <a:r>
+              <a:rPr/>
+              <a:t>by</a:t>
+            </a:r>
+            <a:r>
+              <a:rPr/>
+              <a:t> </a:t>
+            </a:r>
+            <a:r>
+              <a:rPr/>
+              <a:t>other</a:t>
+            </a:r>
+            <a:r>
+              <a:rPr/>
+              <a:t> </a:t>
+            </a:r>
+            <a:r>
+              <a:rPr/>
+              <a:t>variables.</a:t>
+            </a:r>
+            <a:r>
+              <a:rPr/>
+              <a:t> </a:t>
+            </a:r>
+            <a:r>
+              <a:rPr/>
+              <a:t>These</a:t>
+            </a:r>
+            <a:r>
+              <a:rPr/>
+              <a:t> </a:t>
+            </a:r>
+            <a:r>
+              <a:rPr/>
+              <a:t>variables</a:t>
+            </a:r>
+            <a:r>
+              <a:rPr/>
+              <a:t> </a:t>
+            </a:r>
+            <a:r>
+              <a:rPr/>
+              <a:t>might</a:t>
+            </a:r>
+            <a:r>
+              <a:rPr/>
+              <a:t> </a:t>
+            </a:r>
+            <a:r>
+              <a:rPr/>
+              <a:t>be</a:t>
+            </a:r>
+            <a:r>
+              <a:rPr/>
+              <a:t> </a:t>
+            </a:r>
+            <a:r>
+              <a:rPr/>
+              <a:t>out</a:t>
+            </a:r>
+            <a:r>
+              <a:rPr/>
+              <a:t> </a:t>
+            </a:r>
+            <a:r>
+              <a:rPr/>
+              <a:t>of</a:t>
+            </a:r>
+            <a:r>
+              <a:rPr/>
+              <a:t> </a:t>
+            </a:r>
+            <a:r>
+              <a:rPr/>
+              <a:t>your</a:t>
+            </a:r>
+            <a:r>
+              <a:rPr/>
+              <a:t> </a:t>
+            </a:r>
+            <a:r>
+              <a:rPr/>
+              <a:t>control</a:t>
+            </a:r>
+            <a:r>
+              <a:rPr/>
+              <a:t> </a:t>
+            </a:r>
+            <a:r>
+              <a:rPr/>
+              <a:t>but</a:t>
+            </a:r>
+            <a:r>
+              <a:rPr/>
+              <a:t> </a:t>
+            </a:r>
+            <a:r>
+              <a:rPr/>
+              <a:t>which</a:t>
+            </a:r>
+            <a:r>
+              <a:rPr/>
+              <a:t> </a:t>
+            </a:r>
+            <a:r>
+              <a:rPr/>
+              <a:t>can</a:t>
+            </a:r>
+            <a:r>
+              <a:rPr/>
+              <a:t> </a:t>
+            </a:r>
+            <a:r>
+              <a:rPr/>
+              <a:t>influence</a:t>
+            </a:r>
+            <a:r>
+              <a:rPr/>
+              <a:t> </a:t>
+            </a:r>
+            <a:r>
+              <a:rPr/>
+              <a:t>the</a:t>
+            </a:r>
+            <a:r>
+              <a:rPr/>
+              <a:t> </a:t>
+            </a:r>
+            <a:r>
+              <a:rPr/>
+              <a:t>outcome.</a:t>
+            </a:r>
+          </a:p>
+          <a:p>
+            <a:pPr lvl="0" marL="0" indent="0">
+              <a:buNone/>
+            </a:pPr>
+          </a:p>
+          <a:p>
+            <a:pPr lvl="0" marL="0" indent="0">
+              <a:buNone/>
+            </a:pPr>
+            <a:r>
+              <a:rPr/>
+              <a:t>Contamination:</a:t>
+            </a:r>
+            <a:r>
+              <a:rPr/>
+              <a:t> </a:t>
+            </a:r>
+            <a:r>
+              <a:rPr/>
+              <a:t>people</a:t>
+            </a:r>
+            <a:r>
+              <a:rPr/>
+              <a:t> </a:t>
+            </a:r>
+            <a:r>
+              <a:rPr/>
+              <a:t>in</a:t>
+            </a:r>
+            <a:r>
+              <a:rPr/>
+              <a:t> </a:t>
+            </a:r>
+            <a:r>
+              <a:rPr/>
+              <a:t>the</a:t>
+            </a:r>
+            <a:r>
+              <a:rPr/>
+              <a:t> </a:t>
+            </a:r>
+            <a:r>
+              <a:rPr/>
+              <a:t>intervention</a:t>
+            </a:r>
+            <a:r>
+              <a:rPr/>
+              <a:t> </a:t>
+            </a:r>
+            <a:r>
+              <a:rPr/>
+              <a:t>group</a:t>
+            </a:r>
+            <a:r>
+              <a:rPr/>
+              <a:t> </a:t>
+            </a:r>
+            <a:r>
+              <a:rPr/>
+              <a:t>are</a:t>
+            </a:r>
+            <a:r>
+              <a:rPr/>
+              <a:t> </a:t>
+            </a:r>
+            <a:r>
+              <a:rPr/>
+              <a:t>friends</a:t>
+            </a:r>
+            <a:r>
+              <a:rPr/>
+              <a:t> </a:t>
+            </a:r>
+            <a:r>
+              <a:rPr/>
+              <a:t>with</a:t>
+            </a:r>
+            <a:r>
+              <a:rPr/>
+              <a:t> </a:t>
+            </a:r>
+            <a:r>
+              <a:rPr/>
+              <a:t>the</a:t>
+            </a:r>
+            <a:r>
+              <a:rPr/>
+              <a:t> </a:t>
+            </a:r>
+            <a:r>
+              <a:rPr/>
+              <a:t>control</a:t>
+            </a:r>
+            <a:r>
+              <a:rPr/>
+              <a:t> </a:t>
+            </a:r>
+            <a:r>
+              <a:rPr/>
+              <a:t>group</a:t>
+            </a:r>
+            <a:r>
+              <a:rPr/>
+              <a:t> </a:t>
+            </a:r>
+            <a:r>
+              <a:rPr/>
+              <a:t>and</a:t>
+            </a:r>
+            <a:r>
+              <a:rPr/>
+              <a:t> </a:t>
+            </a:r>
+            <a:r>
+              <a:rPr/>
+              <a:t>share</a:t>
+            </a:r>
+            <a:r>
+              <a:rPr/>
+              <a:t> </a:t>
+            </a:r>
+            <a:r>
+              <a:rPr/>
+              <a:t>information.</a:t>
+            </a:r>
+          </a:p>
+          <a:p>
+            <a:pPr lvl="0" marL="0" indent="0">
+              <a:buNone/>
+            </a:pPr>
+          </a:p>
+          <a:p>
+            <a:pPr lvl="0" marL="0" indent="0">
+              <a:buNone/>
+            </a:pPr>
+            <a:r>
+              <a:rPr/>
+              <a:t>The</a:t>
+            </a:r>
+            <a:r>
+              <a:rPr/>
+              <a:t> </a:t>
+            </a:r>
+            <a:r>
+              <a:rPr/>
+              <a:t>key</a:t>
+            </a:r>
+            <a:r>
+              <a:rPr/>
+              <a:t> </a:t>
+            </a:r>
+            <a:r>
+              <a:rPr/>
+              <a:t>issue</a:t>
+            </a:r>
+            <a:r>
+              <a:rPr/>
+              <a:t> </a:t>
+            </a:r>
+            <a:r>
+              <a:rPr/>
+              <a:t>is</a:t>
+            </a:r>
+            <a:r>
+              <a:rPr/>
+              <a:t> </a:t>
+            </a:r>
+            <a:r>
+              <a:rPr/>
+              <a:t>whether</a:t>
+            </a:r>
+            <a:r>
+              <a:rPr/>
+              <a:t> </a:t>
+            </a:r>
+            <a:r>
+              <a:rPr/>
+              <a:t>one</a:t>
+            </a:r>
+            <a:r>
+              <a:rPr/>
+              <a:t> </a:t>
+            </a:r>
+            <a:r>
+              <a:rPr/>
+              <a:t>group</a:t>
+            </a:r>
+            <a:r>
+              <a:rPr/>
+              <a:t> </a:t>
+            </a:r>
+            <a:r>
+              <a:rPr/>
+              <a:t>is</a:t>
+            </a:r>
+            <a:r>
+              <a:rPr/>
+              <a:t> </a:t>
+            </a:r>
+            <a:r>
+              <a:rPr/>
+              <a:t>more</a:t>
+            </a:r>
+            <a:r>
+              <a:rPr/>
+              <a:t> </a:t>
+            </a:r>
+            <a:r>
+              <a:rPr/>
+              <a:t>affected</a:t>
+            </a:r>
+            <a:r>
+              <a:rPr/>
+              <a:t> </a:t>
+            </a:r>
+            <a:r>
+              <a:rPr/>
+              <a:t>by</a:t>
+            </a:r>
+            <a:r>
+              <a:rPr/>
+              <a:t> </a:t>
+            </a:r>
+            <a:r>
+              <a:rPr/>
+              <a:t>extraneous</a:t>
+            </a:r>
+            <a:r>
+              <a:rPr/>
+              <a:t> </a:t>
+            </a:r>
+            <a:r>
+              <a:rPr/>
+              <a:t>variables.</a:t>
+            </a:r>
+          </a:p>
+          <a:p>
+            <a:pPr lvl="0" marL="0" indent="0">
+              <a:buNone/>
+            </a:pPr>
+          </a:p>
+          <a:p>
+            <a:pPr lvl="0" marL="0" indent="0">
+              <a:buNone/>
+            </a:pPr>
+            <a:r>
+              <a:rPr/>
+              <a:t>In</a:t>
+            </a:r>
+            <a:r>
+              <a:rPr/>
+              <a:t> </a:t>
+            </a:r>
+            <a:r>
+              <a:rPr/>
+              <a:t>a</a:t>
+            </a:r>
+            <a:r>
+              <a:rPr/>
+              <a:t> </a:t>
+            </a:r>
+            <a:r>
+              <a:rPr/>
+              <a:t>controlled</a:t>
+            </a:r>
+            <a:r>
+              <a:rPr/>
+              <a:t> </a:t>
+            </a:r>
+            <a:r>
+              <a:rPr/>
+              <a:t>setting,</a:t>
+            </a:r>
+            <a:r>
+              <a:rPr/>
+              <a:t> </a:t>
+            </a:r>
+            <a:r>
+              <a:rPr/>
+              <a:t>there</a:t>
+            </a:r>
+            <a:r>
+              <a:rPr/>
+              <a:t> </a:t>
+            </a:r>
+            <a:r>
+              <a:rPr/>
+              <a:t>are</a:t>
+            </a:r>
+            <a:r>
+              <a:rPr/>
+              <a:t> </a:t>
+            </a:r>
+            <a:r>
+              <a:rPr/>
+              <a:t>fewer</a:t>
+            </a:r>
+            <a:r>
+              <a:rPr/>
+              <a:t> </a:t>
+            </a:r>
+            <a:r>
+              <a:rPr/>
+              <a:t>extraneous</a:t>
+            </a:r>
+            <a:r>
+              <a:rPr/>
+              <a:t> </a:t>
+            </a:r>
+            <a:r>
+              <a:rPr/>
+              <a:t>variables,</a:t>
+            </a:r>
+            <a:r>
+              <a:rPr/>
+              <a:t> </a:t>
+            </a:r>
+            <a:r>
+              <a:rPr/>
+              <a:t>but</a:t>
+            </a:r>
+            <a:r>
+              <a:rPr/>
+              <a:t> </a:t>
+            </a:r>
+            <a:r>
+              <a:rPr/>
+              <a:t>this</a:t>
+            </a:r>
+            <a:r>
+              <a:rPr/>
+              <a:t> </a:t>
+            </a:r>
+            <a:r>
+              <a:rPr/>
+              <a:t>changes</a:t>
+            </a:r>
+            <a:r>
+              <a:rPr/>
+              <a:t> </a:t>
+            </a:r>
+            <a:r>
+              <a:rPr/>
+              <a:t>in</a:t>
+            </a:r>
+            <a:r>
+              <a:rPr/>
+              <a:t> </a:t>
+            </a:r>
+            <a:r>
+              <a:rPr/>
+              <a:t>a</a:t>
+            </a:r>
+            <a:r>
+              <a:rPr/>
+              <a:t> </a:t>
+            </a:r>
+            <a:r>
+              <a:rPr/>
+              <a:t>field</a:t>
+            </a:r>
+            <a:r>
+              <a:rPr/>
+              <a:t> </a:t>
+            </a:r>
+            <a:r>
+              <a:rPr/>
+              <a:t>setting.</a:t>
+            </a:r>
+          </a:p>
+        </p:txBody>
+      </p:sp>
+      <p:sp>
+        <p:nvSpPr>
+          <p:cNvPr id="4" name="Slide Number Placeholder 3"/>
+          <p:cNvSpPr>
+            <a:spLocks noGrp="1"/>
+          </p:cNvSpPr>
+          <p:nvPr>
+            <p:ph type="sldNum" sz="quarter" idx="10"/>
+          </p:nvPr>
+        </p:nvSpPr>
+        <p:spPr/>
+        <p:txBody>
+          <a:bodyPr/>
+          <a:lstStyle/>
+          <a:p>
+            <a:fld id="{18BDFEC3-8487-43E8-A154-7C12CBC1FFF2}" type="slidenum">
+              <a:rPr lang="en-US"/>
+              <a:t>15</a:t>
+            </a:fld>
+            <a:endParaRPr lang="en-US"/>
+          </a:p>
+        </p:txBody>
+      </p:sp>
+    </p:spTree>
+  </p:cSld>
+</p:notes>
+</file>
+
+<file path=ppt/notesSlides/notesSlide12.xml><?xml version="1.0" encoding="utf-8"?>
+<p:notes xmlns:a="http://schemas.openxmlformats.org/drawingml/2006/main" xmlns:r="http://schemas.openxmlformats.org/officeDocument/2006/relationships" xmlns:p="http://schemas.openxmlformats.org/presentationml/2006/main">
+  <p:cSld>
+    <p:spTree>
+      <p:nvGrpSpPr>
+        <p:cNvPr id="1" name=""/>
+        <p:cNvGrpSpPr/>
+        <p:nvPr/>
+      </p:nvGrpSpPr>
+      <p:grpSpPr>
+        <a:xfrm>
+          <a:off x="0" y="0"/>
+          <a:ext cx="0" cy="0"/>
+          <a:chOff x="0" y="0"/>
+          <a:chExt cx="0" cy="0"/>
+        </a:xfrm>
+      </p:grpSpPr>
+      <p:sp>
+        <p:nvSpPr>
+          <p:cNvPr id="2" name="Slide Image Placeholder 1"/>
+          <p:cNvSpPr>
+            <a:spLocks noGrp="1" noRot="1" noChangeAspect="1"/>
+          </p:cNvSpPr>
+          <p:nvPr>
+            <p:ph type="sldImg"/>
+          </p:nvPr>
+        </p:nvSpPr>
+        <p:spPr/>
+      </p:sp>
+      <p:sp>
+        <p:nvSpPr>
+          <p:cNvPr id="3" name="Notes Placeholder 2"/>
+          <p:cNvSpPr>
+            <a:spLocks noGrp="1"/>
+          </p:cNvSpPr>
+          <p:nvPr>
+            <p:ph type="body" idx="1"/>
+          </p:nvPr>
+        </p:nvSpPr>
+        <p:spPr/>
+        <p:txBody>
+          <a:bodyPr/>
+          <a:lstStyle/>
+          <a:p>
+            <a:pPr lvl="0" marL="0" indent="0">
+              <a:buNone/>
+            </a:pPr>
+            <a:r>
+              <a:rPr/>
+              <a:t>Internal</a:t>
+            </a:r>
+            <a:r>
+              <a:rPr/>
+              <a:t> </a:t>
+            </a:r>
+            <a:r>
+              <a:rPr/>
+              <a:t>validity</a:t>
+            </a:r>
+            <a:r>
+              <a:rPr/>
+              <a:t> </a:t>
+            </a:r>
+            <a:r>
+              <a:rPr/>
+              <a:t>is</a:t>
+            </a:r>
+            <a:r>
+              <a:rPr/>
+              <a:t> </a:t>
+            </a:r>
+            <a:r>
+              <a:rPr/>
+              <a:t>measured</a:t>
+            </a:r>
+            <a:r>
+              <a:rPr/>
+              <a:t> </a:t>
+            </a:r>
+            <a:r>
+              <a:rPr/>
+              <a:t>by</a:t>
+            </a:r>
+            <a:r>
+              <a:rPr/>
+              <a:t> </a:t>
+            </a:r>
+            <a:r>
+              <a:rPr/>
+              <a:t>whether</a:t>
+            </a:r>
+            <a:r>
+              <a:rPr/>
+              <a:t> </a:t>
+            </a:r>
+            <a:r>
+              <a:rPr/>
+              <a:t>the</a:t>
+            </a:r>
+            <a:r>
+              <a:rPr/>
+              <a:t> </a:t>
+            </a:r>
+            <a:r>
+              <a:rPr/>
+              <a:t>two</a:t>
+            </a:r>
+            <a:r>
+              <a:rPr/>
+              <a:t> </a:t>
+            </a:r>
+            <a:r>
+              <a:rPr/>
+              <a:t>dimensions</a:t>
+            </a:r>
+            <a:r>
+              <a:rPr/>
+              <a:t> </a:t>
+            </a:r>
+            <a:r>
+              <a:rPr/>
+              <a:t>are</a:t>
+            </a:r>
+            <a:r>
+              <a:rPr/>
+              <a:t> </a:t>
+            </a:r>
+            <a:r>
+              <a:rPr/>
+              <a:t>addressed.</a:t>
+            </a:r>
+          </a:p>
+        </p:txBody>
+      </p:sp>
+      <p:sp>
+        <p:nvSpPr>
+          <p:cNvPr id="4" name="Slide Number Placeholder 3"/>
+          <p:cNvSpPr>
+            <a:spLocks noGrp="1"/>
+          </p:cNvSpPr>
+          <p:nvPr>
+            <p:ph type="sldNum" sz="quarter" idx="10"/>
+          </p:nvPr>
+        </p:nvSpPr>
+        <p:spPr/>
+        <p:txBody>
+          <a:bodyPr/>
+          <a:lstStyle/>
+          <a:p>
+            <a:fld id="{18BDFEC3-8487-43E8-A154-7C12CBC1FFF2}" type="slidenum">
+              <a:rPr lang="en-US"/>
+              <a:t>16</a:t>
+            </a:fld>
+            <a:endParaRPr lang="en-US"/>
+          </a:p>
+        </p:txBody>
+      </p:sp>
+    </p:spTree>
+  </p:cSld>
+</p:notes>
+</file>
+
+<file path=ppt/notesSlides/notesSlide13.xml><?xml version="1.0" encoding="utf-8"?>
+<p:notes xmlns:a="http://schemas.openxmlformats.org/drawingml/2006/main" xmlns:r="http://schemas.openxmlformats.org/officeDocument/2006/relationships" xmlns:p="http://schemas.openxmlformats.org/presentationml/2006/main">
+  <p:cSld>
+    <p:spTree>
+      <p:nvGrpSpPr>
+        <p:cNvPr id="1" name=""/>
+        <p:cNvGrpSpPr/>
+        <p:nvPr/>
+      </p:nvGrpSpPr>
+      <p:grpSpPr>
+        <a:xfrm>
+          <a:off x="0" y="0"/>
+          <a:ext cx="0" cy="0"/>
+          <a:chOff x="0" y="0"/>
+          <a:chExt cx="0" cy="0"/>
+        </a:xfrm>
+      </p:grpSpPr>
+      <p:sp>
+        <p:nvSpPr>
+          <p:cNvPr id="2" name="Slide Image Placeholder 1"/>
+          <p:cNvSpPr>
+            <a:spLocks noGrp="1" noRot="1" noChangeAspect="1"/>
+          </p:cNvSpPr>
+          <p:nvPr>
+            <p:ph type="sldImg"/>
+          </p:nvPr>
+        </p:nvSpPr>
+        <p:spPr/>
+      </p:sp>
+      <p:sp>
+        <p:nvSpPr>
+          <p:cNvPr id="3" name="Notes Placeholder 2"/>
+          <p:cNvSpPr>
+            <a:spLocks noGrp="1"/>
+          </p:cNvSpPr>
+          <p:nvPr>
+            <p:ph type="body" idx="1"/>
+          </p:nvPr>
+        </p:nvSpPr>
+        <p:spPr/>
+        <p:txBody>
+          <a:bodyPr/>
+          <a:lstStyle/>
+          <a:p>
+            <a:pPr lvl="0" marL="0" indent="0">
+              <a:buNone/>
+            </a:pPr>
+            <a:r>
+              <a:rPr/>
+              <a:t>Figure</a:t>
+            </a:r>
+            <a:r>
+              <a:rPr/>
+              <a:t> </a:t>
+            </a:r>
+            <a:r>
+              <a:rPr/>
+              <a:t>8.2.</a:t>
+            </a:r>
+          </a:p>
+        </p:txBody>
+      </p:sp>
+      <p:sp>
+        <p:nvSpPr>
+          <p:cNvPr id="4" name="Slide Number Placeholder 3"/>
+          <p:cNvSpPr>
+            <a:spLocks noGrp="1"/>
+          </p:cNvSpPr>
+          <p:nvPr>
+            <p:ph type="sldNum" sz="quarter" idx="10"/>
+          </p:nvPr>
+        </p:nvSpPr>
+        <p:spPr/>
+        <p:txBody>
+          <a:bodyPr/>
+          <a:lstStyle/>
+          <a:p>
+            <a:fld id="{18BDFEC3-8487-43E8-A154-7C12CBC1FFF2}" type="slidenum">
+              <a:rPr lang="en-US"/>
+              <a:t>17</a:t>
+            </a:fld>
+            <a:endParaRPr lang="en-US"/>
+          </a:p>
+        </p:txBody>
+      </p:sp>
+    </p:spTree>
+  </p:cSld>
+</p:notes>
+</file>
+
+<file path=ppt/notesSlides/notesSlide14.xml><?xml version="1.0" encoding="utf-8"?>
+<p:notes xmlns:a="http://schemas.openxmlformats.org/drawingml/2006/main" xmlns:r="http://schemas.openxmlformats.org/officeDocument/2006/relationships" xmlns:p="http://schemas.openxmlformats.org/presentationml/2006/main">
+  <p:cSld>
+    <p:spTree>
+      <p:nvGrpSpPr>
+        <p:cNvPr id="1" name=""/>
+        <p:cNvGrpSpPr/>
+        <p:nvPr/>
+      </p:nvGrpSpPr>
+      <p:grpSpPr>
+        <a:xfrm>
+          <a:off x="0" y="0"/>
+          <a:ext cx="0" cy="0"/>
+          <a:chOff x="0" y="0"/>
+          <a:chExt cx="0" cy="0"/>
+        </a:xfrm>
+      </p:grpSpPr>
+      <p:sp>
+        <p:nvSpPr>
+          <p:cNvPr id="2" name="Slide Image Placeholder 1"/>
+          <p:cNvSpPr>
+            <a:spLocks noGrp="1" noRot="1" noChangeAspect="1"/>
+          </p:cNvSpPr>
+          <p:nvPr>
+            <p:ph type="sldImg"/>
+          </p:nvPr>
+        </p:nvSpPr>
+        <p:spPr/>
+      </p:sp>
+      <p:sp>
+        <p:nvSpPr>
+          <p:cNvPr id="3" name="Notes Placeholder 2"/>
+          <p:cNvSpPr>
+            <a:spLocks noGrp="1"/>
+          </p:cNvSpPr>
+          <p:nvPr>
+            <p:ph type="body" idx="1"/>
+          </p:nvPr>
+        </p:nvSpPr>
+        <p:spPr/>
+        <p:txBody>
+          <a:bodyPr/>
+          <a:lstStyle/>
+          <a:p>
+            <a:pPr lvl="0" marL="0" indent="0">
+              <a:buNone/>
+            </a:pPr>
+            <a:r>
+              <a:rPr/>
+              <a:t>Table</a:t>
+            </a:r>
+            <a:r>
+              <a:rPr/>
+              <a:t> </a:t>
+            </a:r>
+            <a:r>
+              <a:rPr/>
+              <a:t>8.1</a:t>
+            </a:r>
+            <a:r>
+              <a:rPr/>
+              <a:t> </a:t>
+            </a:r>
+            <a:r>
+              <a:rPr/>
+              <a:t>relates</a:t>
+            </a:r>
+            <a:r>
+              <a:rPr/>
+              <a:t> </a:t>
+            </a:r>
+            <a:r>
+              <a:rPr/>
+              <a:t>statistical</a:t>
+            </a:r>
+            <a:r>
+              <a:rPr/>
+              <a:t> </a:t>
+            </a:r>
+            <a:r>
+              <a:rPr/>
+              <a:t>terminology</a:t>
+            </a:r>
+            <a:r>
+              <a:rPr/>
+              <a:t> </a:t>
+            </a:r>
+            <a:r>
+              <a:rPr/>
+              <a:t>to</a:t>
+            </a:r>
+            <a:r>
+              <a:rPr/>
+              <a:t> </a:t>
+            </a:r>
+            <a:r>
+              <a:rPr/>
+              <a:t>identify</a:t>
+            </a:r>
+            <a:r>
+              <a:rPr/>
+              <a:t> </a:t>
+            </a:r>
+            <a:r>
+              <a:rPr/>
+              <a:t>threats</a:t>
+            </a:r>
+            <a:r>
+              <a:rPr/>
+              <a:t> </a:t>
+            </a:r>
+            <a:r>
+              <a:rPr/>
+              <a:t>to</a:t>
+            </a:r>
+            <a:r>
+              <a:rPr/>
+              <a:t> </a:t>
+            </a:r>
+            <a:r>
+              <a:rPr/>
+              <a:t>internal</a:t>
+            </a:r>
+            <a:r>
+              <a:rPr/>
+              <a:t> </a:t>
+            </a:r>
+            <a:r>
+              <a:rPr/>
+              <a:t>validity.</a:t>
+            </a:r>
+            <a:r>
+              <a:rPr/>
+              <a:t> </a:t>
+            </a:r>
+            <a:r>
+              <a:rPr/>
+              <a:t>This</a:t>
+            </a:r>
+            <a:r>
+              <a:rPr/>
+              <a:t> </a:t>
+            </a:r>
+            <a:r>
+              <a:rPr/>
+              <a:t>table</a:t>
+            </a:r>
+            <a:r>
+              <a:rPr/>
+              <a:t> </a:t>
+            </a:r>
+            <a:r>
+              <a:rPr/>
+              <a:t>tries</a:t>
+            </a:r>
+            <a:r>
+              <a:rPr/>
+              <a:t> </a:t>
+            </a:r>
+            <a:r>
+              <a:rPr/>
+              <a:t>to</a:t>
+            </a:r>
+            <a:r>
+              <a:rPr/>
+              <a:t> </a:t>
+            </a:r>
+            <a:r>
+              <a:rPr/>
+              <a:t>take</a:t>
+            </a:r>
+            <a:r>
+              <a:rPr/>
+              <a:t> </a:t>
+            </a:r>
+            <a:r>
+              <a:rPr/>
+              <a:t>those</a:t>
+            </a:r>
+            <a:r>
+              <a:rPr/>
+              <a:t> </a:t>
+            </a:r>
+            <a:r>
+              <a:rPr/>
+              <a:t>technical</a:t>
+            </a:r>
+            <a:r>
+              <a:rPr/>
+              <a:t> </a:t>
+            </a:r>
+            <a:r>
+              <a:rPr/>
+              <a:t>terms</a:t>
+            </a:r>
+            <a:r>
+              <a:rPr/>
+              <a:t> </a:t>
+            </a:r>
+            <a:r>
+              <a:rPr/>
+              <a:t>and</a:t>
+            </a:r>
+            <a:r>
+              <a:rPr/>
+              <a:t> </a:t>
+            </a:r>
+            <a:r>
+              <a:rPr/>
+              <a:t>express</a:t>
+            </a:r>
+            <a:r>
+              <a:rPr/>
+              <a:t> </a:t>
+            </a:r>
+            <a:r>
+              <a:rPr/>
+              <a:t>them</a:t>
+            </a:r>
+          </a:p>
+          <a:p>
+            <a:pPr lvl="0" marL="0" indent="0">
+              <a:buNone/>
+            </a:pPr>
+          </a:p>
+          <a:p>
+            <a:pPr lvl="0" marL="0" indent="0">
+              <a:buNone/>
+            </a:pPr>
+            <a:r>
+              <a:rPr/>
+              <a:t>Extreme</a:t>
+            </a:r>
+            <a:r>
+              <a:rPr/>
+              <a:t> </a:t>
+            </a:r>
+            <a:r>
+              <a:rPr/>
+              <a:t>groups</a:t>
+            </a:r>
+            <a:r>
+              <a:rPr/>
+              <a:t> </a:t>
+            </a:r>
+            <a:r>
+              <a:rPr/>
+              <a:t>have</a:t>
+            </a:r>
+            <a:r>
+              <a:rPr/>
+              <a:t> </a:t>
+            </a:r>
+            <a:r>
+              <a:rPr/>
+              <a:t>issues</a:t>
+            </a:r>
+            <a:r>
+              <a:rPr/>
+              <a:t> </a:t>
+            </a:r>
+            <a:r>
+              <a:rPr/>
+              <a:t>with</a:t>
+            </a:r>
+            <a:r>
+              <a:rPr/>
+              <a:t> </a:t>
+            </a:r>
+            <a:r>
+              <a:rPr/>
+              <a:t>regression</a:t>
+            </a:r>
+            <a:r>
+              <a:rPr/>
+              <a:t> </a:t>
+            </a:r>
+            <a:r>
+              <a:rPr/>
+              <a:t>to</a:t>
+            </a:r>
+            <a:r>
+              <a:rPr/>
+              <a:t> </a:t>
+            </a:r>
+            <a:r>
+              <a:rPr/>
+              <a:t>the</a:t>
+            </a:r>
+            <a:r>
+              <a:rPr/>
+              <a:t> </a:t>
+            </a:r>
+            <a:r>
+              <a:rPr/>
+              <a:t>mean.</a:t>
+            </a:r>
+            <a:r>
+              <a:rPr/>
+              <a:t> </a:t>
+            </a:r>
+            <a:r>
+              <a:rPr/>
+              <a:t>Even</a:t>
+            </a:r>
+            <a:r>
+              <a:rPr/>
+              <a:t> </a:t>
+            </a:r>
+            <a:r>
+              <a:rPr/>
+              <a:t>without</a:t>
+            </a:r>
+            <a:r>
+              <a:rPr/>
+              <a:t> </a:t>
+            </a:r>
+            <a:r>
+              <a:rPr/>
+              <a:t>any</a:t>
+            </a:r>
+            <a:r>
+              <a:rPr/>
+              <a:t> </a:t>
+            </a:r>
+            <a:r>
+              <a:rPr/>
+              <a:t>intervention,</a:t>
+            </a:r>
+            <a:r>
+              <a:rPr/>
+              <a:t> </a:t>
+            </a:r>
+            <a:r>
+              <a:rPr/>
+              <a:t>the</a:t>
+            </a:r>
+            <a:r>
+              <a:rPr/>
+              <a:t> </a:t>
+            </a:r>
+            <a:r>
+              <a:rPr/>
+              <a:t>extremities</a:t>
+            </a:r>
+            <a:r>
+              <a:rPr/>
+              <a:t> </a:t>
+            </a:r>
+            <a:r>
+              <a:rPr/>
+              <a:t>will</a:t>
+            </a:r>
+            <a:r>
+              <a:rPr/>
+              <a:t> </a:t>
+            </a:r>
+            <a:r>
+              <a:rPr/>
+              <a:t>tend</a:t>
+            </a:r>
+            <a:r>
+              <a:rPr/>
+              <a:t> </a:t>
+            </a:r>
+            <a:r>
+              <a:rPr/>
+              <a:t>to</a:t>
+            </a:r>
+            <a:r>
+              <a:rPr/>
+              <a:t> </a:t>
+            </a:r>
+            <a:r>
+              <a:rPr/>
+              <a:t>lessen.</a:t>
+            </a:r>
+          </a:p>
+          <a:p>
+            <a:pPr lvl="0" marL="0" indent="0">
+              <a:buNone/>
+            </a:pPr>
+          </a:p>
+          <a:p>
+            <a:pPr lvl="0" marL="0" indent="0">
+              <a:buNone/>
+            </a:pPr>
+            <a:r>
+              <a:rPr/>
+              <a:t>Dropouts</a:t>
+            </a:r>
+            <a:r>
+              <a:rPr/>
+              <a:t> </a:t>
+            </a:r>
+            <a:r>
+              <a:rPr/>
+              <a:t>or</a:t>
+            </a:r>
+            <a:r>
+              <a:rPr/>
+              <a:t> </a:t>
+            </a:r>
+            <a:r>
+              <a:rPr/>
+              <a:t>attrition</a:t>
+            </a:r>
+            <a:r>
+              <a:rPr/>
+              <a:t> </a:t>
+            </a:r>
+            <a:r>
+              <a:rPr/>
+              <a:t>means</a:t>
+            </a:r>
+            <a:r>
+              <a:rPr/>
+              <a:t> </a:t>
+            </a:r>
+            <a:r>
+              <a:rPr/>
+              <a:t>that</a:t>
+            </a:r>
+            <a:r>
+              <a:rPr/>
+              <a:t> </a:t>
+            </a:r>
+            <a:r>
+              <a:rPr/>
+              <a:t>you’ve</a:t>
+            </a:r>
+            <a:r>
+              <a:rPr/>
+              <a:t> </a:t>
+            </a:r>
+            <a:r>
+              <a:rPr/>
+              <a:t>designed</a:t>
+            </a:r>
+            <a:r>
+              <a:rPr/>
+              <a:t> </a:t>
+            </a:r>
+            <a:r>
+              <a:rPr/>
+              <a:t>a</a:t>
+            </a:r>
+            <a:r>
+              <a:rPr/>
+              <a:t> </a:t>
+            </a:r>
+            <a:r>
+              <a:rPr/>
+              <a:t>setting</a:t>
+            </a:r>
+            <a:r>
+              <a:rPr/>
+              <a:t> </a:t>
+            </a:r>
+            <a:r>
+              <a:rPr/>
+              <a:t>that</a:t>
+            </a:r>
+            <a:r>
+              <a:rPr/>
+              <a:t> </a:t>
+            </a:r>
+            <a:r>
+              <a:rPr/>
+              <a:t>is</a:t>
+            </a:r>
+            <a:r>
+              <a:rPr/>
+              <a:t> </a:t>
+            </a:r>
+            <a:r>
+              <a:rPr/>
+              <a:t>so</a:t>
+            </a:r>
+            <a:r>
+              <a:rPr/>
+              <a:t> </a:t>
+            </a:r>
+            <a:r>
+              <a:rPr/>
+              <a:t>difficult</a:t>
+            </a:r>
+            <a:r>
+              <a:rPr/>
+              <a:t> </a:t>
+            </a:r>
+            <a:r>
+              <a:rPr/>
+              <a:t>that</a:t>
+            </a:r>
+            <a:r>
+              <a:rPr/>
+              <a:t> </a:t>
+            </a:r>
+            <a:r>
+              <a:rPr/>
+              <a:t>no</a:t>
+            </a:r>
+            <a:r>
+              <a:rPr/>
+              <a:t> </a:t>
+            </a:r>
+            <a:r>
+              <a:rPr/>
+              <a:t>one</a:t>
+            </a:r>
+            <a:r>
+              <a:rPr/>
+              <a:t> </a:t>
+            </a:r>
+            <a:r>
+              <a:rPr/>
+              <a:t>can</a:t>
+            </a:r>
+            <a:r>
+              <a:rPr/>
+              <a:t> </a:t>
+            </a:r>
+            <a:r>
+              <a:rPr/>
+              <a:t>stay</a:t>
+            </a:r>
+            <a:r>
+              <a:rPr/>
+              <a:t> </a:t>
+            </a:r>
+            <a:r>
+              <a:rPr/>
+              <a:t>in.</a:t>
+            </a:r>
+            <a:r>
+              <a:rPr/>
+              <a:t> </a:t>
+            </a:r>
+            <a:r>
+              <a:rPr/>
+              <a:t>Differential</a:t>
+            </a:r>
+            <a:r>
+              <a:rPr/>
+              <a:t> </a:t>
+            </a:r>
+            <a:r>
+              <a:rPr/>
+              <a:t>attrition</a:t>
+            </a:r>
+            <a:r>
+              <a:rPr/>
+              <a:t> </a:t>
+            </a:r>
+            <a:r>
+              <a:rPr/>
+              <a:t>is</a:t>
+            </a:r>
+            <a:r>
+              <a:rPr/>
+              <a:t> </a:t>
+            </a:r>
+            <a:r>
+              <a:rPr/>
+              <a:t>especially</a:t>
+            </a:r>
+            <a:r>
+              <a:rPr/>
+              <a:t> </a:t>
+            </a:r>
+            <a:r>
+              <a:rPr/>
+              <a:t>troublesome.</a:t>
+            </a:r>
+          </a:p>
+          <a:p>
+            <a:pPr lvl="0" marL="0" indent="0">
+              <a:buNone/>
+            </a:pPr>
+          </a:p>
+          <a:p>
+            <a:pPr lvl="0" marL="0" indent="0">
+              <a:buNone/>
+            </a:pPr>
+            <a:r>
+              <a:rPr/>
+              <a:t>Bias</a:t>
+            </a:r>
+            <a:r>
+              <a:rPr/>
+              <a:t> </a:t>
+            </a:r>
+            <a:r>
+              <a:rPr/>
+              <a:t>in</a:t>
+            </a:r>
+            <a:r>
+              <a:rPr/>
+              <a:t> </a:t>
+            </a:r>
+            <a:r>
+              <a:rPr/>
+              <a:t>assignment</a:t>
+            </a:r>
+            <a:r>
+              <a:rPr/>
+              <a:t> </a:t>
+            </a:r>
+            <a:r>
+              <a:rPr/>
+              <a:t>occurs</a:t>
+            </a:r>
+            <a:r>
+              <a:rPr/>
+              <a:t> </a:t>
+            </a:r>
+            <a:r>
+              <a:rPr/>
+              <a:t>when</a:t>
+            </a:r>
+            <a:r>
+              <a:rPr/>
+              <a:t> </a:t>
+            </a:r>
+            <a:r>
+              <a:rPr/>
+              <a:t>patients</a:t>
+            </a:r>
+            <a:r>
+              <a:rPr/>
+              <a:t> </a:t>
+            </a:r>
+            <a:r>
+              <a:rPr/>
+              <a:t>or</a:t>
+            </a:r>
+            <a:r>
+              <a:rPr/>
+              <a:t> </a:t>
+            </a:r>
+            <a:r>
+              <a:rPr/>
+              <a:t>their</a:t>
+            </a:r>
+            <a:r>
+              <a:rPr/>
+              <a:t> </a:t>
+            </a:r>
+            <a:r>
+              <a:rPr/>
+              <a:t>physicians</a:t>
+            </a:r>
+            <a:r>
+              <a:rPr/>
+              <a:t> </a:t>
+            </a:r>
+            <a:r>
+              <a:rPr/>
+              <a:t>directly</a:t>
+            </a:r>
+            <a:r>
+              <a:rPr/>
+              <a:t> </a:t>
+            </a:r>
+            <a:r>
+              <a:rPr/>
+              <a:t>or</a:t>
+            </a:r>
+            <a:r>
+              <a:rPr/>
+              <a:t> </a:t>
+            </a:r>
+            <a:r>
+              <a:rPr/>
+              <a:t>indirectly</a:t>
+            </a:r>
+            <a:r>
+              <a:rPr/>
+              <a:t> </a:t>
+            </a:r>
+            <a:r>
+              <a:rPr/>
+              <a:t>influence</a:t>
+            </a:r>
+            <a:r>
+              <a:rPr/>
+              <a:t> </a:t>
+            </a:r>
+            <a:r>
+              <a:rPr/>
+              <a:t>the</a:t>
+            </a:r>
+            <a:r>
+              <a:rPr/>
+              <a:t> </a:t>
+            </a:r>
+            <a:r>
+              <a:rPr/>
+              <a:t>assignment.</a:t>
+            </a:r>
+            <a:r>
+              <a:rPr/>
+              <a:t> </a:t>
+            </a:r>
+            <a:r>
+              <a:rPr/>
+              <a:t>Random</a:t>
+            </a:r>
+            <a:r>
+              <a:rPr/>
+              <a:t> </a:t>
+            </a:r>
+            <a:r>
+              <a:rPr/>
+              <a:t>assignment</a:t>
+            </a:r>
+            <a:r>
+              <a:rPr/>
+              <a:t> </a:t>
+            </a:r>
+            <a:r>
+              <a:rPr/>
+              <a:t>eliminates</a:t>
+            </a:r>
+            <a:r>
+              <a:rPr/>
+              <a:t> </a:t>
+            </a:r>
+            <a:r>
+              <a:rPr/>
+              <a:t>this</a:t>
+            </a:r>
+            <a:r>
+              <a:rPr/>
+              <a:t> </a:t>
+            </a:r>
+            <a:r>
+              <a:rPr/>
+              <a:t>bias.</a:t>
+            </a:r>
+          </a:p>
+          <a:p>
+            <a:pPr lvl="0" marL="0" indent="0">
+              <a:buNone/>
+            </a:pPr>
+          </a:p>
+          <a:p>
+            <a:pPr lvl="0" marL="0" indent="0">
+              <a:buNone/>
+            </a:pPr>
+            <a:r>
+              <a:rPr/>
+              <a:t>Cook</a:t>
+            </a:r>
+            <a:r>
+              <a:rPr/>
+              <a:t> </a:t>
+            </a:r>
+            <a:r>
+              <a:rPr/>
+              <a:t>and</a:t>
+            </a:r>
+            <a:r>
+              <a:rPr/>
+              <a:t> </a:t>
+            </a:r>
+            <a:r>
+              <a:rPr/>
+              <a:t>Campbell.</a:t>
+            </a:r>
+          </a:p>
+        </p:txBody>
+      </p:sp>
+      <p:sp>
+        <p:nvSpPr>
+          <p:cNvPr id="4" name="Slide Number Placeholder 3"/>
+          <p:cNvSpPr>
+            <a:spLocks noGrp="1"/>
+          </p:cNvSpPr>
+          <p:nvPr>
+            <p:ph type="sldNum" sz="quarter" idx="10"/>
+          </p:nvPr>
+        </p:nvSpPr>
+        <p:spPr/>
+        <p:txBody>
+          <a:bodyPr/>
+          <a:lstStyle/>
+          <a:p>
+            <a:fld id="{18BDFEC3-8487-43E8-A154-7C12CBC1FFF2}" type="slidenum">
+              <a:rPr lang="en-US"/>
+              <a:t>18</a:t>
+            </a:fld>
+            <a:endParaRPr lang="en-US"/>
+          </a:p>
+        </p:txBody>
+      </p:sp>
+    </p:spTree>
+  </p:cSld>
+</p:notes>
+</file>
+
+<file path=ppt/notesSlides/notesSlide15.xml><?xml version="1.0" encoding="utf-8"?>
+<p:notes xmlns:a="http://schemas.openxmlformats.org/drawingml/2006/main" xmlns:r="http://schemas.openxmlformats.org/officeDocument/2006/relationships" xmlns:p="http://schemas.openxmlformats.org/presentationml/2006/main">
+  <p:cSld>
+    <p:spTree>
+      <p:nvGrpSpPr>
+        <p:cNvPr id="1" name=""/>
+        <p:cNvGrpSpPr/>
+        <p:nvPr/>
+      </p:nvGrpSpPr>
+      <p:grpSpPr>
+        <a:xfrm>
+          <a:off x="0" y="0"/>
+          <a:ext cx="0" cy="0"/>
+          <a:chOff x="0" y="0"/>
+          <a:chExt cx="0" cy="0"/>
+        </a:xfrm>
+      </p:grpSpPr>
+      <p:sp>
+        <p:nvSpPr>
+          <p:cNvPr id="2" name="Slide Image Placeholder 1"/>
+          <p:cNvSpPr>
+            <a:spLocks noGrp="1" noRot="1" noChangeAspect="1"/>
+          </p:cNvSpPr>
+          <p:nvPr>
+            <p:ph type="sldImg"/>
+          </p:nvPr>
+        </p:nvSpPr>
+        <p:spPr/>
+      </p:sp>
+      <p:sp>
+        <p:nvSpPr>
+          <p:cNvPr id="3" name="Notes Placeholder 2"/>
+          <p:cNvSpPr>
+            <a:spLocks noGrp="1"/>
+          </p:cNvSpPr>
+          <p:nvPr>
+            <p:ph type="body" idx="1"/>
+          </p:nvPr>
+        </p:nvSpPr>
+        <p:spPr/>
+        <p:txBody>
+          <a:bodyPr/>
+          <a:lstStyle/>
+          <a:p>
+            <a:pPr lvl="0" marL="0" indent="0">
+              <a:buNone/>
+            </a:pPr>
+            <a:r>
+              <a:rPr/>
+              <a:t>Here</a:t>
+            </a:r>
+            <a:r>
+              <a:rPr/>
+              <a:t> </a:t>
+            </a:r>
+            <a:r>
+              <a:rPr/>
+              <a:t>are</a:t>
+            </a:r>
+            <a:r>
+              <a:rPr/>
+              <a:t> </a:t>
+            </a:r>
+            <a:r>
+              <a:rPr/>
+              <a:t>some</a:t>
+            </a:r>
+            <a:r>
+              <a:rPr/>
+              <a:t> </a:t>
+            </a:r>
+            <a:r>
+              <a:rPr/>
+              <a:t>of</a:t>
+            </a:r>
+            <a:r>
+              <a:rPr/>
+              <a:t> </a:t>
+            </a:r>
+            <a:r>
+              <a:rPr/>
+              <a:t>the</a:t>
+            </a:r>
+            <a:r>
+              <a:rPr/>
+              <a:t> </a:t>
+            </a:r>
+            <a:r>
+              <a:rPr/>
+              <a:t>sources</a:t>
+            </a:r>
+            <a:r>
+              <a:rPr/>
+              <a:t> </a:t>
+            </a:r>
+            <a:r>
+              <a:rPr/>
+              <a:t>of</a:t>
+            </a:r>
+            <a:r>
+              <a:rPr/>
+              <a:t> </a:t>
+            </a:r>
+            <a:r>
+              <a:rPr/>
+              <a:t>extraneous</a:t>
+            </a:r>
+            <a:r>
+              <a:rPr/>
+              <a:t> </a:t>
+            </a:r>
+            <a:r>
+              <a:rPr/>
+              <a:t>variables.</a:t>
+            </a:r>
+          </a:p>
+          <a:p>
+            <a:pPr lvl="0" marL="0" indent="0">
+              <a:buNone/>
+            </a:pPr>
+          </a:p>
+          <a:p>
+            <a:pPr lvl="0" marL="0" indent="0">
+              <a:buNone/>
+            </a:pPr>
+            <a:r>
+              <a:rPr/>
+              <a:t>Maturation.</a:t>
+            </a:r>
+          </a:p>
+          <a:p>
+            <a:pPr lvl="0" marL="0" indent="0">
+              <a:buNone/>
+            </a:pPr>
+          </a:p>
+          <a:p>
+            <a:pPr lvl="0" marL="0" indent="0">
+              <a:buNone/>
+            </a:pPr>
+            <a:r>
+              <a:rPr/>
+              <a:t>History.</a:t>
+            </a:r>
+            <a:r>
+              <a:rPr/>
+              <a:t> </a:t>
+            </a:r>
+            <a:r>
+              <a:rPr/>
+              <a:t>Something</a:t>
+            </a:r>
+            <a:r>
+              <a:rPr/>
+              <a:t> </a:t>
+            </a:r>
+            <a:r>
+              <a:rPr/>
+              <a:t>that</a:t>
+            </a:r>
+            <a:r>
+              <a:rPr/>
+              <a:t> </a:t>
+            </a:r>
+            <a:r>
+              <a:rPr/>
+              <a:t>occurs</a:t>
+            </a:r>
+            <a:r>
+              <a:rPr/>
+              <a:t> </a:t>
+            </a:r>
+            <a:r>
+              <a:rPr/>
+              <a:t>between</a:t>
+            </a:r>
+            <a:r>
+              <a:rPr/>
+              <a:t> </a:t>
+            </a:r>
+            <a:r>
+              <a:rPr/>
+              <a:t>the</a:t>
+            </a:r>
+            <a:r>
+              <a:rPr/>
+              <a:t> </a:t>
+            </a:r>
+            <a:r>
+              <a:rPr/>
+              <a:t>pre</a:t>
+            </a:r>
+            <a:r>
+              <a:rPr/>
+              <a:t> </a:t>
+            </a:r>
+            <a:r>
+              <a:rPr/>
+              <a:t>and</a:t>
+            </a:r>
+            <a:r>
+              <a:rPr/>
+              <a:t> </a:t>
+            </a:r>
+            <a:r>
+              <a:rPr/>
+              <a:t>post</a:t>
+            </a:r>
+            <a:r>
+              <a:rPr/>
+              <a:t> </a:t>
+            </a:r>
+            <a:r>
+              <a:rPr/>
+              <a:t>measurements</a:t>
+            </a:r>
+            <a:r>
+              <a:rPr/>
+              <a:t> </a:t>
+            </a:r>
+            <a:r>
+              <a:rPr/>
+              <a:t>that</a:t>
+            </a:r>
+            <a:r>
+              <a:rPr/>
+              <a:t> </a:t>
+            </a:r>
+            <a:r>
+              <a:rPr/>
+              <a:t>is</a:t>
+            </a:r>
+            <a:r>
+              <a:rPr/>
+              <a:t> </a:t>
+            </a:r>
+            <a:r>
+              <a:rPr/>
+              <a:t>independent</a:t>
+            </a:r>
+            <a:r>
+              <a:rPr/>
+              <a:t> </a:t>
+            </a:r>
+            <a:r>
+              <a:rPr/>
+              <a:t>of</a:t>
+            </a:r>
+            <a:r>
+              <a:rPr/>
+              <a:t> </a:t>
+            </a:r>
+            <a:r>
+              <a:rPr/>
+              <a:t>the</a:t>
+            </a:r>
+            <a:r>
+              <a:rPr/>
+              <a:t> </a:t>
+            </a:r>
+            <a:r>
+              <a:rPr/>
+              <a:t>intervention</a:t>
+            </a:r>
+            <a:r>
+              <a:rPr/>
+              <a:t> </a:t>
+            </a:r>
+            <a:r>
+              <a:rPr/>
+              <a:t>but</a:t>
+            </a:r>
+            <a:r>
+              <a:rPr/>
+              <a:t> </a:t>
+            </a:r>
+            <a:r>
+              <a:rPr/>
+              <a:t>which</a:t>
+            </a:r>
+            <a:r>
+              <a:rPr/>
+              <a:t> </a:t>
+            </a:r>
+            <a:r>
+              <a:rPr/>
+              <a:t>can</a:t>
+            </a:r>
+            <a:r>
+              <a:rPr/>
+              <a:t> </a:t>
+            </a:r>
+            <a:r>
+              <a:rPr/>
+              <a:t>influence</a:t>
+            </a:r>
+            <a:r>
+              <a:rPr/>
+              <a:t> </a:t>
+            </a:r>
+            <a:r>
+              <a:rPr/>
+              <a:t>the</a:t>
+            </a:r>
+            <a:r>
+              <a:rPr/>
+              <a:t> </a:t>
+            </a:r>
+            <a:r>
+              <a:rPr/>
+              <a:t>outcome.</a:t>
+            </a:r>
+          </a:p>
+          <a:p>
+            <a:pPr lvl="0" marL="0" indent="0">
+              <a:buNone/>
+            </a:pPr>
+          </a:p>
+          <a:p>
+            <a:pPr lvl="0" marL="0" indent="0">
+              <a:buNone/>
+            </a:pPr>
+            <a:r>
+              <a:rPr/>
+              <a:t>Worry</a:t>
+            </a:r>
+            <a:r>
+              <a:rPr/>
+              <a:t> </a:t>
+            </a:r>
+            <a:r>
+              <a:rPr/>
+              <a:t>about</a:t>
+            </a:r>
+            <a:r>
+              <a:rPr/>
+              <a:t> </a:t>
+            </a:r>
+            <a:r>
+              <a:rPr/>
+              <a:t>sensitization</a:t>
+            </a:r>
+            <a:r>
+              <a:rPr/>
+              <a:t> </a:t>
+            </a:r>
+            <a:r>
+              <a:rPr/>
+              <a:t>to</a:t>
+            </a:r>
+            <a:r>
+              <a:rPr/>
+              <a:t> </a:t>
+            </a:r>
+            <a:r>
+              <a:rPr/>
+              <a:t>the</a:t>
+            </a:r>
+            <a:r>
+              <a:rPr/>
+              <a:t> </a:t>
+            </a:r>
+            <a:r>
+              <a:rPr/>
+              <a:t>issue</a:t>
+            </a:r>
+            <a:r>
+              <a:rPr/>
+              <a:t> </a:t>
+            </a:r>
+            <a:r>
+              <a:rPr/>
+              <a:t>in</a:t>
+            </a:r>
+            <a:r>
+              <a:rPr/>
+              <a:t> </a:t>
+            </a:r>
+            <a:r>
+              <a:rPr/>
+              <a:t>the</a:t>
+            </a:r>
+            <a:r>
+              <a:rPr/>
+              <a:t> </a:t>
+            </a:r>
+            <a:r>
+              <a:rPr/>
+              <a:t>baseline</a:t>
+            </a:r>
+            <a:r>
+              <a:rPr/>
+              <a:t> </a:t>
+            </a:r>
+            <a:r>
+              <a:rPr/>
+              <a:t>measurement</a:t>
+            </a:r>
+            <a:r>
+              <a:rPr/>
+              <a:t> </a:t>
+            </a:r>
+            <a:r>
+              <a:rPr/>
+              <a:t>that</a:t>
+            </a:r>
+            <a:r>
+              <a:rPr/>
+              <a:t> </a:t>
+            </a:r>
+            <a:r>
+              <a:rPr/>
+              <a:t>causes</a:t>
+            </a:r>
+            <a:r>
+              <a:rPr/>
+              <a:t> </a:t>
+            </a:r>
+            <a:r>
+              <a:rPr/>
+              <a:t>people</a:t>
+            </a:r>
+            <a:r>
+              <a:rPr/>
+              <a:t> </a:t>
+            </a:r>
+            <a:r>
+              <a:rPr/>
+              <a:t>to</a:t>
+            </a:r>
+            <a:r>
+              <a:rPr/>
+              <a:t> </a:t>
+            </a:r>
+            <a:r>
+              <a:rPr/>
+              <a:t>go</a:t>
+            </a:r>
+            <a:r>
+              <a:rPr/>
+              <a:t> </a:t>
+            </a:r>
+            <a:r>
+              <a:rPr/>
+              <a:t>out</a:t>
+            </a:r>
+            <a:r>
+              <a:rPr/>
+              <a:t> </a:t>
+            </a:r>
+            <a:r>
+              <a:rPr/>
+              <a:t>and</a:t>
+            </a:r>
+            <a:r>
+              <a:rPr/>
+              <a:t> </a:t>
+            </a:r>
+            <a:r>
+              <a:rPr/>
+              <a:t>find</a:t>
+            </a:r>
+            <a:r>
+              <a:rPr/>
+              <a:t> </a:t>
+            </a:r>
+            <a:r>
+              <a:rPr/>
+              <a:t>more.</a:t>
+            </a:r>
+          </a:p>
+          <a:p>
+            <a:pPr lvl="0" marL="0" indent="0">
+              <a:buNone/>
+            </a:pPr>
+          </a:p>
+          <a:p>
+            <a:pPr lvl="0" marL="0" indent="0">
+              <a:buNone/>
+            </a:pPr>
+            <a:r>
+              <a:rPr/>
+              <a:t>Long</a:t>
+            </a:r>
+            <a:r>
+              <a:rPr/>
+              <a:t> </a:t>
+            </a:r>
+            <a:r>
+              <a:rPr/>
+              <a:t>studies</a:t>
+            </a:r>
+            <a:r>
+              <a:rPr/>
+              <a:t> </a:t>
+            </a:r>
+            <a:r>
+              <a:rPr/>
+              <a:t>have</a:t>
+            </a:r>
+            <a:r>
+              <a:rPr/>
+              <a:t> </a:t>
+            </a:r>
+            <a:r>
+              <a:rPr/>
+              <a:t>problems</a:t>
+            </a:r>
+            <a:r>
+              <a:rPr/>
+              <a:t> </a:t>
+            </a:r>
+            <a:r>
+              <a:rPr/>
+              <a:t>with</a:t>
+            </a:r>
+            <a:r>
+              <a:rPr/>
+              <a:t> </a:t>
+            </a:r>
+            <a:r>
+              <a:rPr/>
+              <a:t>instrumentation</a:t>
+            </a:r>
+            <a:r>
+              <a:rPr/>
+              <a:t> </a:t>
+            </a:r>
+            <a:r>
+              <a:rPr/>
+              <a:t>or</a:t>
+            </a:r>
+            <a:r>
+              <a:rPr/>
+              <a:t> </a:t>
+            </a:r>
+            <a:r>
+              <a:rPr/>
+              <a:t>observers</a:t>
+            </a:r>
+            <a:r>
+              <a:rPr/>
+              <a:t> </a:t>
+            </a:r>
+            <a:r>
+              <a:rPr/>
+              <a:t>(e.g.,</a:t>
+            </a:r>
+            <a:r>
+              <a:rPr/>
+              <a:t> </a:t>
+            </a:r>
+            <a:r>
+              <a:rPr/>
+              <a:t>because</a:t>
+            </a:r>
+            <a:r>
+              <a:rPr/>
+              <a:t> </a:t>
+            </a:r>
+            <a:r>
+              <a:rPr/>
+              <a:t>of</a:t>
+            </a:r>
+            <a:r>
+              <a:rPr/>
+              <a:t> </a:t>
+            </a:r>
+            <a:r>
+              <a:rPr/>
+              <a:t>turnover).</a:t>
+            </a:r>
+          </a:p>
+          <a:p>
+            <a:pPr lvl="0" marL="0" indent="0">
+              <a:buNone/>
+            </a:pPr>
+          </a:p>
+          <a:p>
+            <a:pPr lvl="0" marL="0" indent="0">
+              <a:buNone/>
+            </a:pPr>
+            <a:r>
+              <a:rPr/>
+              <a:t>There</a:t>
+            </a:r>
+            <a:r>
+              <a:rPr/>
+              <a:t> </a:t>
+            </a:r>
+            <a:r>
+              <a:rPr/>
+              <a:t>are</a:t>
+            </a:r>
+            <a:r>
+              <a:rPr/>
+              <a:t> </a:t>
+            </a:r>
+            <a:r>
+              <a:rPr/>
+              <a:t>also</a:t>
+            </a:r>
+            <a:r>
+              <a:rPr/>
+              <a:t> </a:t>
+            </a:r>
+            <a:r>
+              <a:rPr/>
+              <a:t>combinations</a:t>
+            </a:r>
+            <a:r>
+              <a:rPr/>
+              <a:t> </a:t>
+            </a:r>
+            <a:r>
+              <a:rPr/>
+              <a:t>of</a:t>
+            </a:r>
+            <a:r>
+              <a:rPr/>
+              <a:t> </a:t>
+            </a:r>
+            <a:r>
+              <a:rPr/>
+              <a:t>these</a:t>
+            </a:r>
+            <a:r>
+              <a:rPr/>
+              <a:t> </a:t>
+            </a:r>
+            <a:r>
+              <a:rPr/>
+              <a:t>events</a:t>
+            </a:r>
+            <a:r>
+              <a:rPr/>
+              <a:t> </a:t>
+            </a:r>
+            <a:r>
+              <a:rPr/>
+              <a:t>where</a:t>
+            </a:r>
+            <a:r>
+              <a:rPr/>
+              <a:t> </a:t>
+            </a:r>
+            <a:r>
+              <a:rPr/>
+              <a:t>one</a:t>
+            </a:r>
+            <a:r>
+              <a:rPr/>
+              <a:t> </a:t>
+            </a:r>
+            <a:r>
+              <a:rPr/>
+              <a:t>magnifies</a:t>
+            </a:r>
+            <a:r>
+              <a:rPr/>
+              <a:t> </a:t>
+            </a:r>
+            <a:r>
+              <a:rPr/>
+              <a:t>the</a:t>
+            </a:r>
+            <a:r>
+              <a:rPr/>
+              <a:t> </a:t>
+            </a:r>
+            <a:r>
+              <a:rPr/>
+              <a:t>other.</a:t>
+            </a:r>
+          </a:p>
+          <a:p>
+            <a:pPr lvl="0" marL="0" indent="0">
+              <a:buNone/>
+            </a:pPr>
+          </a:p>
+          <a:p>
+            <a:pPr lvl="0" marL="0" indent="0">
+              <a:buNone/>
+            </a:pPr>
+            <a:r>
+              <a:rPr/>
+              <a:t>Temporal</a:t>
+            </a:r>
+            <a:r>
+              <a:rPr/>
+              <a:t> </a:t>
+            </a:r>
+            <a:r>
+              <a:rPr/>
+              <a:t>order</a:t>
+            </a:r>
+            <a:r>
+              <a:rPr/>
+              <a:t> </a:t>
+            </a:r>
+            <a:r>
+              <a:rPr/>
+              <a:t>of</a:t>
+            </a:r>
+            <a:r>
+              <a:rPr/>
+              <a:t> </a:t>
+            </a:r>
+            <a:r>
+              <a:rPr/>
+              <a:t>the</a:t>
+            </a:r>
+            <a:r>
+              <a:rPr/>
+              <a:t> </a:t>
+            </a:r>
+            <a:r>
+              <a:rPr/>
+              <a:t>variables.</a:t>
+            </a:r>
+            <a:r>
+              <a:rPr/>
+              <a:t> </a:t>
+            </a:r>
+            <a:r>
+              <a:rPr/>
+              <a:t>If</a:t>
+            </a:r>
+            <a:r>
+              <a:rPr/>
+              <a:t> </a:t>
+            </a:r>
+            <a:r>
+              <a:rPr/>
+              <a:t>you</a:t>
+            </a:r>
+            <a:r>
+              <a:rPr/>
+              <a:t> </a:t>
+            </a:r>
+            <a:r>
+              <a:rPr/>
+              <a:t>can’t</a:t>
+            </a:r>
+            <a:r>
+              <a:rPr/>
+              <a:t> </a:t>
+            </a:r>
+            <a:r>
+              <a:rPr/>
+              <a:t>assure</a:t>
+            </a:r>
+            <a:r>
+              <a:rPr/>
+              <a:t> </a:t>
+            </a:r>
+            <a:r>
+              <a:rPr/>
+              <a:t>that</a:t>
+            </a:r>
+            <a:r>
+              <a:rPr/>
+              <a:t> </a:t>
+            </a:r>
+            <a:r>
+              <a:rPr/>
+              <a:t>the</a:t>
+            </a:r>
+            <a:r>
+              <a:rPr/>
+              <a:t> </a:t>
+            </a:r>
+            <a:r>
+              <a:rPr/>
+              <a:t>independent</a:t>
+            </a:r>
+            <a:r>
+              <a:rPr/>
+              <a:t> </a:t>
+            </a:r>
+            <a:r>
+              <a:rPr/>
+              <a:t>variable</a:t>
+            </a:r>
+            <a:r>
+              <a:rPr/>
+              <a:t> </a:t>
+            </a:r>
+            <a:r>
+              <a:rPr/>
+              <a:t>occurs</a:t>
+            </a:r>
+            <a:r>
+              <a:rPr/>
+              <a:t> </a:t>
+            </a:r>
+            <a:r>
+              <a:rPr/>
+              <a:t>before</a:t>
+            </a:r>
+            <a:r>
+              <a:rPr/>
+              <a:t> </a:t>
+            </a:r>
+            <a:r>
+              <a:rPr/>
+              <a:t>the</a:t>
+            </a:r>
+            <a:r>
+              <a:rPr/>
+              <a:t> </a:t>
+            </a:r>
+            <a:r>
+              <a:rPr/>
+              <a:t>dependent</a:t>
+            </a:r>
+            <a:r>
+              <a:rPr/>
+              <a:t> </a:t>
+            </a:r>
+            <a:r>
+              <a:rPr/>
+              <a:t>variable,</a:t>
+            </a:r>
+            <a:r>
+              <a:rPr/>
+              <a:t> </a:t>
+            </a:r>
+            <a:r>
+              <a:rPr/>
+              <a:t>you</a:t>
+            </a:r>
+            <a:r>
+              <a:rPr/>
+              <a:t> </a:t>
+            </a:r>
+            <a:r>
+              <a:rPr/>
+              <a:t>can’t</a:t>
+            </a:r>
+            <a:r>
+              <a:rPr/>
+              <a:t> </a:t>
+            </a:r>
+            <a:r>
+              <a:rPr/>
+              <a:t>establish</a:t>
+            </a:r>
+            <a:r>
+              <a:rPr/>
+              <a:t> </a:t>
+            </a:r>
+            <a:r>
+              <a:rPr/>
+              <a:t>causation.</a:t>
+            </a:r>
+          </a:p>
+        </p:txBody>
+      </p:sp>
+      <p:sp>
+        <p:nvSpPr>
+          <p:cNvPr id="4" name="Slide Number Placeholder 3"/>
+          <p:cNvSpPr>
+            <a:spLocks noGrp="1"/>
+          </p:cNvSpPr>
+          <p:nvPr>
+            <p:ph type="sldNum" sz="quarter" idx="10"/>
+          </p:nvPr>
+        </p:nvSpPr>
+        <p:spPr/>
+        <p:txBody>
+          <a:bodyPr/>
+          <a:lstStyle/>
+          <a:p>
+            <a:fld id="{18BDFEC3-8487-43E8-A154-7C12CBC1FFF2}" type="slidenum">
+              <a:rPr lang="en-US"/>
+              <a:t>20</a:t>
+            </a:fld>
+            <a:endParaRPr lang="en-US"/>
+          </a:p>
+        </p:txBody>
+      </p:sp>
+    </p:spTree>
+  </p:cSld>
+</p:notes>
+</file>
+
+<file path=ppt/notesSlides/notesSlide16.xml><?xml version="1.0" encoding="utf-8"?>
+<p:notes xmlns:a="http://schemas.openxmlformats.org/drawingml/2006/main" xmlns:r="http://schemas.openxmlformats.org/officeDocument/2006/relationships" xmlns:p="http://schemas.openxmlformats.org/presentationml/2006/main">
+  <p:cSld>
+    <p:spTree>
+      <p:nvGrpSpPr>
+        <p:cNvPr id="1" name=""/>
+        <p:cNvGrpSpPr/>
+        <p:nvPr/>
+      </p:nvGrpSpPr>
+      <p:grpSpPr>
+        <a:xfrm>
+          <a:off x="0" y="0"/>
+          <a:ext cx="0" cy="0"/>
+          <a:chOff x="0" y="0"/>
+          <a:chExt cx="0" cy="0"/>
+        </a:xfrm>
+      </p:grpSpPr>
+      <p:sp>
+        <p:nvSpPr>
+          <p:cNvPr id="2" name="Slide Image Placeholder 1"/>
+          <p:cNvSpPr>
+            <a:spLocks noGrp="1" noRot="1" noChangeAspect="1"/>
+          </p:cNvSpPr>
+          <p:nvPr>
+            <p:ph type="sldImg"/>
+          </p:nvPr>
+        </p:nvSpPr>
+        <p:spPr/>
+      </p:sp>
+      <p:sp>
+        <p:nvSpPr>
+          <p:cNvPr id="3" name="Notes Placeholder 2"/>
+          <p:cNvSpPr>
+            <a:spLocks noGrp="1"/>
+          </p:cNvSpPr>
+          <p:nvPr>
+            <p:ph type="body" idx="1"/>
+          </p:nvPr>
+        </p:nvSpPr>
+        <p:spPr/>
+        <p:txBody>
+          <a:bodyPr/>
+          <a:lstStyle/>
+          <a:p>
+            <a:pPr lvl="0" marL="0" indent="0">
+              <a:buNone/>
+            </a:pPr>
+            <a:r>
+              <a:rPr/>
+              <a:t>Control</a:t>
+            </a:r>
+            <a:r>
+              <a:rPr/>
+              <a:t> </a:t>
+            </a:r>
+            <a:r>
+              <a:rPr/>
+              <a:t>group</a:t>
+            </a:r>
+            <a:r>
+              <a:rPr/>
+              <a:t> </a:t>
+            </a:r>
+            <a:r>
+              <a:rPr/>
+              <a:t>contamination.</a:t>
+            </a:r>
+            <a:r>
+              <a:rPr/>
+              <a:t> </a:t>
+            </a:r>
+            <a:r>
+              <a:rPr/>
+              <a:t>Demoralization.</a:t>
+            </a:r>
+          </a:p>
+          <a:p>
+            <a:pPr lvl="0" marL="0" indent="0">
+              <a:buNone/>
+            </a:pPr>
+          </a:p>
+          <a:p>
+            <a:pPr lvl="0" marL="0" indent="0">
+              <a:buNone/>
+            </a:pPr>
+            <a:r>
+              <a:rPr/>
+              <a:t>Hawthorne</a:t>
+            </a:r>
+            <a:r>
+              <a:rPr/>
+              <a:t> </a:t>
+            </a:r>
+            <a:r>
+              <a:rPr/>
+              <a:t>effect.</a:t>
+            </a:r>
+          </a:p>
+          <a:p>
+            <a:pPr lvl="0" marL="0" indent="0">
+              <a:buNone/>
+            </a:pPr>
+          </a:p>
+          <a:p>
+            <a:pPr lvl="0" marL="0" indent="0">
+              <a:buNone/>
+            </a:pPr>
+            <a:r>
+              <a:rPr/>
+              <a:t>Blinding</a:t>
+            </a:r>
+            <a:r>
+              <a:rPr/>
+              <a:t> </a:t>
+            </a:r>
+            <a:r>
+              <a:rPr/>
+              <a:t>helps</a:t>
+            </a:r>
+            <a:r>
+              <a:rPr/>
+              <a:t> </a:t>
+            </a:r>
+            <a:r>
+              <a:rPr/>
+              <a:t>control</a:t>
+            </a:r>
+            <a:r>
+              <a:rPr/>
+              <a:t> </a:t>
+            </a:r>
+            <a:r>
+              <a:rPr/>
+              <a:t>for</a:t>
+            </a:r>
+            <a:r>
+              <a:rPr/>
+              <a:t> </a:t>
+            </a:r>
+            <a:r>
+              <a:rPr/>
+              <a:t>expectation</a:t>
+            </a:r>
+            <a:r>
+              <a:rPr/>
+              <a:t> </a:t>
+            </a:r>
+            <a:r>
+              <a:rPr/>
+              <a:t>effects</a:t>
+            </a:r>
+            <a:r>
+              <a:rPr/>
+              <a:t> </a:t>
+            </a:r>
+            <a:r>
+              <a:rPr/>
+              <a:t>and</a:t>
+            </a:r>
+            <a:r>
+              <a:rPr/>
+              <a:t> </a:t>
+            </a:r>
+            <a:r>
+              <a:rPr/>
+              <a:t>observer</a:t>
+            </a:r>
+            <a:r>
+              <a:rPr/>
+              <a:t> </a:t>
+            </a:r>
+            <a:r>
+              <a:rPr/>
+              <a:t>bias.</a:t>
+            </a:r>
+          </a:p>
+        </p:txBody>
+      </p:sp>
+      <p:sp>
+        <p:nvSpPr>
+          <p:cNvPr id="4" name="Slide Number Placeholder 3"/>
+          <p:cNvSpPr>
+            <a:spLocks noGrp="1"/>
+          </p:cNvSpPr>
+          <p:nvPr>
+            <p:ph type="sldNum" sz="quarter" idx="10"/>
+          </p:nvPr>
+        </p:nvSpPr>
+        <p:spPr/>
+        <p:txBody>
+          <a:bodyPr/>
+          <a:lstStyle/>
+          <a:p>
+            <a:fld id="{18BDFEC3-8487-43E8-A154-7C12CBC1FFF2}" type="slidenum">
+              <a:rPr lang="en-US"/>
+              <a:t>21</a:t>
+            </a:fld>
+            <a:endParaRPr lang="en-US"/>
+          </a:p>
+        </p:txBody>
+      </p:sp>
+    </p:spTree>
+  </p:cSld>
+</p:notes>
+</file>
+
+<file path=ppt/notesSlides/notesSlide17.xml><?xml version="1.0" encoding="utf-8"?>
+<p:notes xmlns:a="http://schemas.openxmlformats.org/drawingml/2006/main" xmlns:r="http://schemas.openxmlformats.org/officeDocument/2006/relationships" xmlns:p="http://schemas.openxmlformats.org/presentationml/2006/main">
+  <p:cSld>
+    <p:spTree>
+      <p:nvGrpSpPr>
+        <p:cNvPr id="1" name=""/>
+        <p:cNvGrpSpPr/>
+        <p:nvPr/>
+      </p:nvGrpSpPr>
+      <p:grpSpPr>
+        <a:xfrm>
+          <a:off x="0" y="0"/>
+          <a:ext cx="0" cy="0"/>
+          <a:chOff x="0" y="0"/>
+          <a:chExt cx="0" cy="0"/>
+        </a:xfrm>
+      </p:grpSpPr>
+      <p:sp>
+        <p:nvSpPr>
+          <p:cNvPr id="2" name="Slide Image Placeholder 1"/>
+          <p:cNvSpPr>
+            <a:spLocks noGrp="1" noRot="1" noChangeAspect="1"/>
+          </p:cNvSpPr>
+          <p:nvPr>
+            <p:ph type="sldImg"/>
+          </p:nvPr>
+        </p:nvSpPr>
+        <p:spPr/>
+      </p:sp>
+      <p:sp>
+        <p:nvSpPr>
+          <p:cNvPr id="3" name="Notes Placeholder 2"/>
+          <p:cNvSpPr>
+            <a:spLocks noGrp="1"/>
+          </p:cNvSpPr>
+          <p:nvPr>
+            <p:ph type="body" idx="1"/>
+          </p:nvPr>
+        </p:nvSpPr>
+        <p:spPr/>
+        <p:txBody>
+          <a:bodyPr/>
+          <a:lstStyle/>
+          <a:p>
+            <a:pPr lvl="0" marL="0" indent="0">
+              <a:buNone/>
+            </a:pPr>
+            <a:r>
+              <a:rPr/>
+              <a:t>Here</a:t>
+            </a:r>
+            <a:r>
+              <a:rPr/>
+              <a:t> </a:t>
+            </a:r>
+            <a:r>
+              <a:rPr/>
+              <a:t>is</a:t>
+            </a:r>
+            <a:r>
+              <a:rPr/>
+              <a:t> </a:t>
+            </a:r>
+            <a:r>
+              <a:rPr/>
+              <a:t>figure</a:t>
+            </a:r>
+            <a:r>
+              <a:rPr/>
+              <a:t> </a:t>
+            </a:r>
+            <a:r>
+              <a:rPr/>
+              <a:t>8.1</a:t>
+            </a:r>
+            <a:r>
+              <a:rPr/>
+              <a:t> </a:t>
+            </a:r>
+            <a:r>
+              <a:rPr/>
+              <a:t>again.</a:t>
+            </a:r>
+            <a:r>
+              <a:rPr/>
+              <a:t> </a:t>
+            </a:r>
+            <a:r>
+              <a:rPr/>
+              <a:t>The</a:t>
+            </a:r>
+            <a:r>
+              <a:rPr/>
+              <a:t> </a:t>
+            </a:r>
+            <a:r>
+              <a:rPr/>
+              <a:t>next</a:t>
+            </a:r>
+            <a:r>
+              <a:rPr/>
+              <a:t> </a:t>
+            </a:r>
+            <a:r>
+              <a:rPr/>
+              <a:t>part</a:t>
+            </a:r>
+            <a:r>
+              <a:rPr/>
+              <a:t> </a:t>
+            </a:r>
+            <a:r>
+              <a:rPr/>
+              <a:t>of</a:t>
+            </a:r>
+            <a:r>
+              <a:rPr/>
+              <a:t> </a:t>
+            </a:r>
+            <a:r>
+              <a:rPr/>
+              <a:t>this</a:t>
+            </a:r>
+            <a:r>
+              <a:rPr/>
+              <a:t> </a:t>
+            </a:r>
+            <a:r>
+              <a:rPr/>
+              <a:t>lecture</a:t>
+            </a:r>
+            <a:r>
+              <a:rPr/>
+              <a:t> </a:t>
+            </a:r>
+            <a:r>
+              <a:rPr/>
+              <a:t>talks</a:t>
+            </a:r>
+            <a:r>
+              <a:rPr/>
+              <a:t> </a:t>
+            </a:r>
+            <a:r>
+              <a:rPr/>
+              <a:t>about</a:t>
+            </a:r>
+            <a:r>
+              <a:rPr/>
+              <a:t> </a:t>
+            </a:r>
+            <a:r>
+              <a:rPr/>
+              <a:t>sampling</a:t>
+            </a:r>
+            <a:r>
+              <a:rPr/>
+              <a:t> </a:t>
+            </a:r>
+            <a:r>
+              <a:rPr/>
+              <a:t>and</a:t>
+            </a:r>
+            <a:r>
+              <a:rPr/>
+              <a:t> </a:t>
+            </a:r>
+            <a:r>
+              <a:rPr/>
+              <a:t>external</a:t>
+            </a:r>
+            <a:r>
+              <a:rPr/>
+              <a:t> </a:t>
+            </a:r>
+            <a:r>
+              <a:rPr/>
+              <a:t>validity.</a:t>
+            </a:r>
+          </a:p>
+        </p:txBody>
+      </p:sp>
+      <p:sp>
+        <p:nvSpPr>
+          <p:cNvPr id="4" name="Slide Number Placeholder 3"/>
+          <p:cNvSpPr>
+            <a:spLocks noGrp="1"/>
+          </p:cNvSpPr>
+          <p:nvPr>
+            <p:ph type="sldNum" sz="quarter" idx="10"/>
+          </p:nvPr>
+        </p:nvSpPr>
+        <p:spPr/>
+        <p:txBody>
+          <a:bodyPr/>
+          <a:lstStyle/>
+          <a:p>
+            <a:fld id="{18BDFEC3-8487-43E8-A154-7C12CBC1FFF2}" type="slidenum">
+              <a:rPr lang="en-US"/>
+              <a:t>22</a:t>
+            </a:fld>
+            <a:endParaRPr lang="en-US"/>
+          </a:p>
+        </p:txBody>
+      </p:sp>
+    </p:spTree>
+  </p:cSld>
+</p:notes>
+</file>
+
+<file path=ppt/notesSlides/notesSlide18.xml><?xml version="1.0" encoding="utf-8"?>
+<p:notes xmlns:a="http://schemas.openxmlformats.org/drawingml/2006/main" xmlns:r="http://schemas.openxmlformats.org/officeDocument/2006/relationships" xmlns:p="http://schemas.openxmlformats.org/presentationml/2006/main">
+  <p:cSld>
+    <p:spTree>
+      <p:nvGrpSpPr>
+        <p:cNvPr id="1" name=""/>
+        <p:cNvGrpSpPr/>
+        <p:nvPr/>
+      </p:nvGrpSpPr>
+      <p:grpSpPr>
+        <a:xfrm>
+          <a:off x="0" y="0"/>
+          <a:ext cx="0" cy="0"/>
+          <a:chOff x="0" y="0"/>
+          <a:chExt cx="0" cy="0"/>
+        </a:xfrm>
+      </p:grpSpPr>
+      <p:sp>
+        <p:nvSpPr>
+          <p:cNvPr id="2" name="Slide Image Placeholder 1"/>
+          <p:cNvSpPr>
+            <a:spLocks noGrp="1" noRot="1" noChangeAspect="1"/>
+          </p:cNvSpPr>
+          <p:nvPr>
+            <p:ph type="sldImg"/>
+          </p:nvPr>
+        </p:nvSpPr>
+        <p:spPr/>
+      </p:sp>
+      <p:sp>
+        <p:nvSpPr>
+          <p:cNvPr id="3" name="Notes Placeholder 2"/>
+          <p:cNvSpPr>
+            <a:spLocks noGrp="1"/>
+          </p:cNvSpPr>
+          <p:nvPr>
+            <p:ph type="body" idx="1"/>
+          </p:nvPr>
+        </p:nvSpPr>
+        <p:spPr/>
+        <p:txBody>
+          <a:bodyPr/>
+          <a:lstStyle/>
+          <a:p>
+            <a:pPr lvl="0" marL="0" indent="0">
+              <a:buNone/>
+            </a:pPr>
+            <a:r>
+              <a:rPr/>
+              <a:t>Here</a:t>
+            </a:r>
+            <a:r>
+              <a:rPr/>
+              <a:t> </a:t>
+            </a:r>
+            <a:r>
+              <a:rPr/>
+              <a:t>is</a:t>
+            </a:r>
+            <a:r>
+              <a:rPr/>
+              <a:t> </a:t>
+            </a:r>
+            <a:r>
+              <a:rPr/>
+              <a:t>figure</a:t>
+            </a:r>
+            <a:r>
+              <a:rPr/>
+              <a:t> </a:t>
+            </a:r>
+            <a:r>
+              <a:rPr/>
+              <a:t>8.1</a:t>
+            </a:r>
+            <a:r>
+              <a:rPr/>
+              <a:t> </a:t>
+            </a:r>
+            <a:r>
+              <a:rPr/>
+              <a:t>again.</a:t>
+            </a:r>
+            <a:r>
+              <a:rPr/>
+              <a:t> </a:t>
+            </a:r>
+            <a:r>
+              <a:rPr/>
+              <a:t>The</a:t>
+            </a:r>
+            <a:r>
+              <a:rPr/>
+              <a:t> </a:t>
+            </a:r>
+            <a:r>
+              <a:rPr/>
+              <a:t>extent</a:t>
+            </a:r>
+            <a:r>
+              <a:rPr/>
+              <a:t> </a:t>
+            </a:r>
+            <a:r>
+              <a:rPr/>
+              <a:t>to</a:t>
+            </a:r>
+            <a:r>
+              <a:rPr/>
+              <a:t> </a:t>
+            </a:r>
+            <a:r>
+              <a:rPr/>
+              <a:t>which</a:t>
+            </a:r>
+            <a:r>
+              <a:rPr/>
+              <a:t> </a:t>
+            </a:r>
+            <a:r>
+              <a:rPr/>
+              <a:t>results</a:t>
+            </a:r>
+            <a:r>
+              <a:rPr/>
+              <a:t> </a:t>
+            </a:r>
+            <a:r>
+              <a:rPr/>
+              <a:t>will</a:t>
+            </a:r>
+            <a:r>
+              <a:rPr/>
+              <a:t> </a:t>
+            </a:r>
+            <a:r>
+              <a:rPr/>
+              <a:t>generalize.</a:t>
+            </a:r>
+          </a:p>
+        </p:txBody>
+      </p:sp>
+      <p:sp>
+        <p:nvSpPr>
+          <p:cNvPr id="4" name="Slide Number Placeholder 3"/>
+          <p:cNvSpPr>
+            <a:spLocks noGrp="1"/>
+          </p:cNvSpPr>
+          <p:nvPr>
+            <p:ph type="sldNum" sz="quarter" idx="10"/>
+          </p:nvPr>
+        </p:nvSpPr>
+        <p:spPr/>
+        <p:txBody>
+          <a:bodyPr/>
+          <a:lstStyle/>
+          <a:p>
+            <a:fld id="{18BDFEC3-8487-43E8-A154-7C12CBC1FFF2}" type="slidenum">
+              <a:rPr lang="en-US"/>
+              <a:t>23</a:t>
+            </a:fld>
+            <a:endParaRPr lang="en-US"/>
+          </a:p>
+        </p:txBody>
+      </p:sp>
+    </p:spTree>
+  </p:cSld>
+</p:notes>
+</file>
+
+<file path=ppt/notesSlides/notesSlide19.xml><?xml version="1.0" encoding="utf-8"?>
+<p:notes xmlns:a="http://schemas.openxmlformats.org/drawingml/2006/main" xmlns:r="http://schemas.openxmlformats.org/officeDocument/2006/relationships" xmlns:p="http://schemas.openxmlformats.org/presentationml/2006/main">
+  <p:cSld>
+    <p:spTree>
+      <p:nvGrpSpPr>
+        <p:cNvPr id="1" name=""/>
+        <p:cNvGrpSpPr/>
+        <p:nvPr/>
+      </p:nvGrpSpPr>
+      <p:grpSpPr>
+        <a:xfrm>
+          <a:off x="0" y="0"/>
+          <a:ext cx="0" cy="0"/>
+          <a:chOff x="0" y="0"/>
+          <a:chExt cx="0" cy="0"/>
+        </a:xfrm>
+      </p:grpSpPr>
+      <p:sp>
+        <p:nvSpPr>
+          <p:cNvPr id="2" name="Slide Image Placeholder 1"/>
+          <p:cNvSpPr>
+            <a:spLocks noGrp="1" noRot="1" noChangeAspect="1"/>
+          </p:cNvSpPr>
+          <p:nvPr>
+            <p:ph type="sldImg"/>
+          </p:nvPr>
+        </p:nvSpPr>
+        <p:spPr/>
+      </p:sp>
+      <p:sp>
+        <p:nvSpPr>
+          <p:cNvPr id="3" name="Notes Placeholder 2"/>
+          <p:cNvSpPr>
+            <a:spLocks noGrp="1"/>
+          </p:cNvSpPr>
+          <p:nvPr>
+            <p:ph type="body" idx="1"/>
+          </p:nvPr>
+        </p:nvSpPr>
+        <p:spPr/>
+        <p:txBody>
+          <a:bodyPr/>
+          <a:lstStyle/>
+          <a:p>
+            <a:pPr lvl="0" marL="0" indent="0">
+              <a:buNone/>
+            </a:pPr>
+            <a:r>
+              <a:rPr/>
+              <a:t>Critically</a:t>
+            </a:r>
+            <a:r>
+              <a:rPr/>
+              <a:t> </a:t>
+            </a:r>
+            <a:r>
+              <a:rPr/>
+              <a:t>important</a:t>
+            </a:r>
+            <a:r>
+              <a:rPr/>
+              <a:t> </a:t>
+            </a:r>
+            <a:r>
+              <a:rPr/>
+              <a:t>in</a:t>
+            </a:r>
+            <a:r>
+              <a:rPr/>
+              <a:t> </a:t>
+            </a:r>
+            <a:r>
+              <a:rPr/>
+              <a:t>sampling</a:t>
+            </a:r>
+            <a:r>
+              <a:rPr/>
+              <a:t> </a:t>
+            </a:r>
+            <a:r>
+              <a:rPr/>
+              <a:t>is</a:t>
+            </a:r>
+            <a:r>
+              <a:rPr/>
+              <a:t> </a:t>
+            </a:r>
+            <a:r>
+              <a:rPr/>
+              <a:t>for</a:t>
+            </a:r>
+            <a:r>
+              <a:rPr/>
+              <a:t> </a:t>
+            </a:r>
+            <a:r>
+              <a:rPr/>
+              <a:t>the</a:t>
+            </a:r>
+            <a:r>
+              <a:rPr/>
+              <a:t> </a:t>
+            </a:r>
+            <a:r>
+              <a:rPr/>
+              <a:t>sample</a:t>
+            </a:r>
+            <a:r>
+              <a:rPr/>
+              <a:t> </a:t>
+            </a:r>
+            <a:r>
+              <a:rPr/>
+              <a:t>to</a:t>
+            </a:r>
+            <a:r>
+              <a:rPr/>
+              <a:t> </a:t>
+            </a:r>
+            <a:r>
+              <a:rPr/>
+              <a:t>be</a:t>
+            </a:r>
+            <a:r>
+              <a:rPr/>
+              <a:t> </a:t>
+            </a:r>
+            <a:r>
+              <a:rPr/>
+              <a:t>representative.</a:t>
+            </a:r>
+            <a:r>
+              <a:rPr/>
+              <a:t> </a:t>
+            </a:r>
+            <a:r>
+              <a:rPr/>
+              <a:t>That’s</a:t>
+            </a:r>
+            <a:r>
+              <a:rPr/>
+              <a:t> </a:t>
+            </a:r>
+            <a:r>
+              <a:rPr/>
+              <a:t>even</a:t>
+            </a:r>
+            <a:r>
+              <a:rPr/>
+              <a:t> </a:t>
+            </a:r>
+            <a:r>
+              <a:rPr/>
+              <a:t>more</a:t>
+            </a:r>
+            <a:r>
+              <a:rPr/>
+              <a:t> </a:t>
+            </a:r>
+            <a:r>
+              <a:rPr/>
+              <a:t>important</a:t>
+            </a:r>
+            <a:r>
+              <a:rPr/>
+              <a:t> </a:t>
+            </a:r>
+            <a:r>
+              <a:rPr/>
+              <a:t>than</a:t>
+            </a:r>
+            <a:r>
+              <a:rPr/>
+              <a:t> </a:t>
+            </a:r>
+            <a:r>
+              <a:rPr/>
+              <a:t>the</a:t>
+            </a:r>
+            <a:r>
+              <a:rPr/>
+              <a:t> </a:t>
+            </a:r>
+            <a:r>
+              <a:rPr/>
+              <a:t>actual</a:t>
+            </a:r>
+            <a:r>
+              <a:rPr/>
+              <a:t> </a:t>
+            </a:r>
+            <a:r>
+              <a:rPr/>
+              <a:t>size</a:t>
+            </a:r>
+            <a:r>
+              <a:rPr/>
+              <a:t> </a:t>
+            </a:r>
+            <a:r>
+              <a:rPr/>
+              <a:t>of</a:t>
+            </a:r>
+            <a:r>
+              <a:rPr/>
+              <a:t> </a:t>
+            </a:r>
+            <a:r>
+              <a:rPr/>
+              <a:t>the</a:t>
+            </a:r>
+            <a:r>
+              <a:rPr/>
+              <a:t> </a:t>
+            </a:r>
+            <a:r>
+              <a:rPr/>
+              <a:t>sample.</a:t>
+            </a:r>
+          </a:p>
+          <a:p>
+            <a:pPr lvl="0" marL="0" indent="0">
+              <a:buNone/>
+            </a:pPr>
+          </a:p>
+          <a:p>
+            <a:pPr lvl="0" marL="0" indent="0">
+              <a:buNone/>
+            </a:pPr>
+            <a:r>
+              <a:rPr/>
+              <a:t>College</a:t>
+            </a:r>
+            <a:r>
+              <a:rPr/>
+              <a:t> </a:t>
+            </a:r>
+            <a:r>
+              <a:rPr/>
+              <a:t>students</a:t>
+            </a:r>
+            <a:r>
+              <a:rPr/>
+              <a:t> </a:t>
+            </a:r>
+            <a:r>
+              <a:rPr/>
+              <a:t>are</a:t>
+            </a:r>
+            <a:r>
+              <a:rPr/>
+              <a:t> </a:t>
+            </a:r>
+            <a:r>
+              <a:rPr/>
+              <a:t>not</a:t>
+            </a:r>
+            <a:r>
+              <a:rPr/>
+              <a:t> </a:t>
+            </a:r>
+            <a:r>
+              <a:rPr/>
+              <a:t>representative</a:t>
+            </a:r>
+            <a:r>
+              <a:rPr/>
+              <a:t> </a:t>
+            </a:r>
+            <a:r>
+              <a:rPr/>
+              <a:t>of</a:t>
+            </a:r>
+            <a:r>
+              <a:rPr/>
+              <a:t> </a:t>
+            </a:r>
+            <a:r>
+              <a:rPr/>
+              <a:t>young</a:t>
+            </a:r>
+            <a:r>
+              <a:rPr/>
+              <a:t> </a:t>
+            </a:r>
+            <a:r>
+              <a:rPr/>
+              <a:t>adults.</a:t>
+            </a:r>
+          </a:p>
+        </p:txBody>
+      </p:sp>
+      <p:sp>
+        <p:nvSpPr>
+          <p:cNvPr id="4" name="Slide Number Placeholder 3"/>
+          <p:cNvSpPr>
+            <a:spLocks noGrp="1"/>
+          </p:cNvSpPr>
+          <p:nvPr>
+            <p:ph type="sldNum" sz="quarter" idx="10"/>
+          </p:nvPr>
+        </p:nvSpPr>
+        <p:spPr/>
+        <p:txBody>
+          <a:bodyPr/>
+          <a:lstStyle/>
+          <a:p>
+            <a:fld id="{18BDFEC3-8487-43E8-A154-7C12CBC1FFF2}" type="slidenum">
+              <a:rPr lang="en-US"/>
+              <a:t>24</a:t>
+            </a:fld>
+            <a:endParaRPr lang="en-US"/>
+          </a:p>
+        </p:txBody>
+      </p:sp>
+    </p:spTree>
+  </p:cSld>
+</p:notes>
+</file>
+
+<file path=ppt/notesSlides/notesSlide2.xml><?xml version="1.0" encoding="utf-8"?>
+<p:notes xmlns:a="http://schemas.openxmlformats.org/drawingml/2006/main" xmlns:r="http://schemas.openxmlformats.org/officeDocument/2006/relationships" xmlns:p="http://schemas.openxmlformats.org/presentationml/2006/main">
+  <p:cSld>
+    <p:spTree>
+      <p:nvGrpSpPr>
+        <p:cNvPr id="1" name=""/>
+        <p:cNvGrpSpPr/>
+        <p:nvPr/>
+      </p:nvGrpSpPr>
+      <p:grpSpPr>
+        <a:xfrm>
+          <a:off x="0" y="0"/>
+          <a:ext cx="0" cy="0"/>
+          <a:chOff x="0" y="0"/>
+          <a:chExt cx="0" cy="0"/>
+        </a:xfrm>
+      </p:grpSpPr>
+      <p:sp>
+        <p:nvSpPr>
+          <p:cNvPr id="2" name="Slide Image Placeholder 1"/>
+          <p:cNvSpPr>
+            <a:spLocks noGrp="1" noRot="1" noChangeAspect="1"/>
+          </p:cNvSpPr>
+          <p:nvPr>
+            <p:ph type="sldImg"/>
+          </p:nvPr>
+        </p:nvSpPr>
+        <p:spPr/>
+      </p:sp>
+      <p:sp>
+        <p:nvSpPr>
+          <p:cNvPr id="3" name="Notes Placeholder 2"/>
+          <p:cNvSpPr>
+            <a:spLocks noGrp="1"/>
+          </p:cNvSpPr>
+          <p:nvPr>
+            <p:ph type="body" idx="1"/>
+          </p:nvPr>
+        </p:nvSpPr>
+        <p:spPr/>
+        <p:txBody>
+          <a:bodyPr/>
+          <a:lstStyle/>
+          <a:p>
+            <a:pPr lvl="0" marL="0" indent="0">
+              <a:buNone/>
+            </a:pPr>
+            <a:r>
+              <a:rPr/>
+              <a:t>This</a:t>
+            </a:r>
+            <a:r>
+              <a:rPr/>
+              <a:t> </a:t>
+            </a:r>
+            <a:r>
+              <a:rPr/>
+              <a:t>is</a:t>
+            </a:r>
+            <a:r>
+              <a:rPr/>
+              <a:t> </a:t>
+            </a:r>
+            <a:r>
+              <a:rPr/>
+              <a:t>what</a:t>
+            </a:r>
+            <a:r>
+              <a:rPr/>
+              <a:t> </a:t>
+            </a:r>
+            <a:r>
+              <a:rPr/>
+              <a:t>you</a:t>
+            </a:r>
+            <a:r>
+              <a:rPr/>
+              <a:t> </a:t>
+            </a:r>
+            <a:r>
+              <a:rPr/>
+              <a:t>should</a:t>
+            </a:r>
+            <a:r>
+              <a:rPr/>
+              <a:t> </a:t>
+            </a:r>
+            <a:r>
+              <a:rPr/>
+              <a:t>have</a:t>
+            </a:r>
+            <a:r>
+              <a:rPr/>
+              <a:t> </a:t>
+            </a:r>
+            <a:r>
+              <a:rPr/>
+              <a:t>read</a:t>
+            </a:r>
+            <a:r>
+              <a:rPr/>
+              <a:t> </a:t>
+            </a:r>
+            <a:r>
+              <a:rPr/>
+              <a:t>already.</a:t>
+            </a:r>
+            <a:r>
+              <a:rPr/>
+              <a:t> </a:t>
+            </a:r>
+            <a:r>
+              <a:rPr/>
+              <a:t>If</a:t>
+            </a:r>
+            <a:r>
+              <a:rPr/>
+              <a:t> </a:t>
+            </a:r>
+            <a:r>
+              <a:rPr/>
+              <a:t>you</a:t>
+            </a:r>
+            <a:r>
+              <a:rPr/>
+              <a:t> </a:t>
+            </a:r>
+            <a:r>
+              <a:rPr/>
+              <a:t>haven’t</a:t>
+            </a:r>
+            <a:r>
+              <a:rPr/>
+              <a:t> </a:t>
+            </a:r>
+            <a:r>
+              <a:rPr/>
+              <a:t>done</a:t>
+            </a:r>
+            <a:r>
+              <a:rPr/>
+              <a:t> </a:t>
+            </a:r>
+            <a:r>
+              <a:rPr/>
+              <a:t>the</a:t>
+            </a:r>
+            <a:r>
+              <a:rPr/>
+              <a:t> </a:t>
+            </a:r>
+            <a:r>
+              <a:rPr/>
+              <a:t>reading</a:t>
+            </a:r>
+            <a:r>
+              <a:rPr/>
+              <a:t> </a:t>
+            </a:r>
+            <a:r>
+              <a:rPr/>
+              <a:t>yet,</a:t>
+            </a:r>
+            <a:r>
+              <a:rPr/>
+              <a:t> </a:t>
+            </a:r>
+            <a:r>
+              <a:rPr/>
+              <a:t>pause</a:t>
+            </a:r>
+            <a:r>
+              <a:rPr/>
+              <a:t> </a:t>
+            </a:r>
+            <a:r>
+              <a:rPr/>
+              <a:t>this</a:t>
+            </a:r>
+            <a:r>
+              <a:rPr/>
+              <a:t> </a:t>
+            </a:r>
+            <a:r>
+              <a:rPr/>
+              <a:t>video</a:t>
+            </a:r>
+            <a:r>
+              <a:rPr/>
+              <a:t> </a:t>
+            </a:r>
+            <a:r>
+              <a:rPr/>
+              <a:t>and</a:t>
+            </a:r>
+            <a:r>
+              <a:rPr/>
+              <a:t> </a:t>
+            </a:r>
+            <a:r>
+              <a:rPr/>
+              <a:t>read</a:t>
+            </a:r>
+            <a:r>
+              <a:rPr/>
+              <a:t> </a:t>
+            </a:r>
+            <a:r>
+              <a:rPr/>
+              <a:t>this</a:t>
+            </a:r>
+            <a:r>
+              <a:rPr/>
+              <a:t> </a:t>
+            </a:r>
+            <a:r>
+              <a:rPr/>
+              <a:t>material.</a:t>
+            </a:r>
+            <a:r>
+              <a:rPr/>
+              <a:t> </a:t>
+            </a:r>
+            <a:r>
+              <a:rPr/>
+              <a:t>You’ll</a:t>
+            </a:r>
+            <a:r>
+              <a:rPr/>
+              <a:t> </a:t>
+            </a:r>
+            <a:r>
+              <a:rPr/>
+              <a:t>get</a:t>
+            </a:r>
+            <a:r>
+              <a:rPr/>
+              <a:t> </a:t>
+            </a:r>
+            <a:r>
+              <a:rPr/>
+              <a:t>more</a:t>
+            </a:r>
+            <a:r>
+              <a:rPr/>
+              <a:t> </a:t>
+            </a:r>
+            <a:r>
+              <a:rPr/>
+              <a:t>out</a:t>
+            </a:r>
+            <a:r>
+              <a:rPr/>
+              <a:t> </a:t>
+            </a:r>
+            <a:r>
+              <a:rPr/>
+              <a:t>of</a:t>
+            </a:r>
+            <a:r>
+              <a:rPr/>
+              <a:t> </a:t>
+            </a:r>
+            <a:r>
+              <a:rPr/>
+              <a:t>the</a:t>
+            </a:r>
+            <a:r>
+              <a:rPr/>
+              <a:t> </a:t>
+            </a:r>
+            <a:r>
+              <a:rPr/>
+              <a:t>video</a:t>
+            </a:r>
+            <a:r>
+              <a:rPr/>
+              <a:t> </a:t>
+            </a:r>
+            <a:r>
+              <a:rPr/>
+              <a:t>if</a:t>
+            </a:r>
+            <a:r>
+              <a:rPr/>
+              <a:t> </a:t>
+            </a:r>
+            <a:r>
+              <a:rPr/>
+              <a:t>you</a:t>
+            </a:r>
+            <a:r>
+              <a:rPr/>
+              <a:t> </a:t>
+            </a:r>
+            <a:r>
+              <a:rPr/>
+              <a:t>do</a:t>
+            </a:r>
+            <a:r>
+              <a:rPr/>
+              <a:t> </a:t>
+            </a:r>
+            <a:r>
+              <a:rPr/>
+              <a:t>so.</a:t>
+            </a:r>
+          </a:p>
+        </p:txBody>
+      </p:sp>
+      <p:sp>
+        <p:nvSpPr>
+          <p:cNvPr id="4" name="Slide Number Placeholder 3"/>
+          <p:cNvSpPr>
+            <a:spLocks noGrp="1"/>
+          </p:cNvSpPr>
+          <p:nvPr>
+            <p:ph type="sldNum" sz="quarter" idx="10"/>
+          </p:nvPr>
+        </p:nvSpPr>
+        <p:spPr/>
+        <p:txBody>
+          <a:bodyPr/>
+          <a:lstStyle/>
+          <a:p>
+            <a:fld id="{18BDFEC3-8487-43E8-A154-7C12CBC1FFF2}" type="slidenum">
+              <a:rPr lang="en-US"/>
+              <a:t>3</a:t>
+            </a:fld>
+            <a:endParaRPr lang="en-US"/>
+          </a:p>
+        </p:txBody>
+      </p:sp>
+    </p:spTree>
+  </p:cSld>
+</p:notes>
+</file>
+
+<file path=ppt/notesSlides/notesSlide20.xml><?xml version="1.0" encoding="utf-8"?>
+<p:notes xmlns:a="http://schemas.openxmlformats.org/drawingml/2006/main" xmlns:r="http://schemas.openxmlformats.org/officeDocument/2006/relationships" xmlns:p="http://schemas.openxmlformats.org/presentationml/2006/main">
+  <p:cSld>
+    <p:spTree>
+      <p:nvGrpSpPr>
+        <p:cNvPr id="1" name=""/>
+        <p:cNvGrpSpPr/>
+        <p:nvPr/>
+      </p:nvGrpSpPr>
+      <p:grpSpPr>
+        <a:xfrm>
+          <a:off x="0" y="0"/>
+          <a:ext cx="0" cy="0"/>
+          <a:chOff x="0" y="0"/>
+          <a:chExt cx="0" cy="0"/>
+        </a:xfrm>
+      </p:grpSpPr>
+      <p:sp>
+        <p:nvSpPr>
+          <p:cNvPr id="2" name="Slide Image Placeholder 1"/>
+          <p:cNvSpPr>
+            <a:spLocks noGrp="1" noRot="1" noChangeAspect="1"/>
+          </p:cNvSpPr>
+          <p:nvPr>
+            <p:ph type="sldImg"/>
+          </p:nvPr>
+        </p:nvSpPr>
+        <p:spPr/>
+      </p:sp>
+      <p:sp>
+        <p:nvSpPr>
+          <p:cNvPr id="3" name="Notes Placeholder 2"/>
+          <p:cNvSpPr>
+            <a:spLocks noGrp="1"/>
+          </p:cNvSpPr>
+          <p:nvPr>
+            <p:ph type="body" idx="1"/>
+          </p:nvPr>
+        </p:nvSpPr>
+        <p:spPr/>
+        <p:txBody>
+          <a:bodyPr/>
+          <a:lstStyle/>
+          <a:p>
+            <a:pPr lvl="0" marL="0" indent="0">
+              <a:buNone/>
+            </a:pPr>
+            <a:r>
+              <a:rPr/>
+              <a:t>A</a:t>
+            </a:r>
+            <a:r>
+              <a:rPr/>
+              <a:t> </a:t>
+            </a:r>
+            <a:r>
+              <a:rPr/>
+              <a:t>small</a:t>
+            </a:r>
+            <a:r>
+              <a:rPr/>
+              <a:t> </a:t>
+            </a:r>
+            <a:r>
+              <a:rPr/>
+              <a:t>sample</a:t>
+            </a:r>
+            <a:r>
+              <a:rPr/>
+              <a:t> </a:t>
+            </a:r>
+            <a:r>
+              <a:rPr/>
+              <a:t>allows</a:t>
+            </a:r>
+            <a:r>
+              <a:rPr/>
+              <a:t> </a:t>
+            </a:r>
+            <a:r>
+              <a:rPr/>
+              <a:t>you</a:t>
+            </a:r>
+            <a:r>
+              <a:rPr/>
+              <a:t> </a:t>
+            </a:r>
+            <a:r>
+              <a:rPr/>
+              <a:t>to</a:t>
+            </a:r>
+            <a:r>
+              <a:rPr/>
+              <a:t> </a:t>
+            </a:r>
+            <a:r>
+              <a:rPr/>
+              <a:t>spend</a:t>
+            </a:r>
+            <a:r>
+              <a:rPr/>
+              <a:t> </a:t>
+            </a:r>
+            <a:r>
+              <a:rPr/>
+              <a:t>more</a:t>
+            </a:r>
+            <a:r>
+              <a:rPr/>
+              <a:t> </a:t>
+            </a:r>
+            <a:r>
+              <a:rPr/>
+              <a:t>time</a:t>
+            </a:r>
+            <a:r>
+              <a:rPr/>
+              <a:t> </a:t>
+            </a:r>
+            <a:r>
+              <a:rPr/>
+              <a:t>on</a:t>
+            </a:r>
+            <a:r>
+              <a:rPr/>
+              <a:t> </a:t>
+            </a:r>
+            <a:r>
+              <a:rPr/>
+              <a:t>quality</a:t>
+            </a:r>
+            <a:r>
+              <a:rPr/>
+              <a:t> </a:t>
+            </a:r>
+            <a:r>
+              <a:rPr/>
+              <a:t>control.</a:t>
+            </a:r>
+          </a:p>
+        </p:txBody>
+      </p:sp>
+      <p:sp>
+        <p:nvSpPr>
+          <p:cNvPr id="4" name="Slide Number Placeholder 3"/>
+          <p:cNvSpPr>
+            <a:spLocks noGrp="1"/>
+          </p:cNvSpPr>
+          <p:nvPr>
+            <p:ph type="sldNum" sz="quarter" idx="10"/>
+          </p:nvPr>
+        </p:nvSpPr>
+        <p:spPr/>
+        <p:txBody>
+          <a:bodyPr/>
+          <a:lstStyle/>
+          <a:p>
+            <a:fld id="{18BDFEC3-8487-43E8-A154-7C12CBC1FFF2}" type="slidenum">
+              <a:rPr lang="en-US"/>
+              <a:t>25</a:t>
+            </a:fld>
+            <a:endParaRPr lang="en-US"/>
+          </a:p>
+        </p:txBody>
+      </p:sp>
+    </p:spTree>
+  </p:cSld>
+</p:notes>
+</file>
+
+<file path=ppt/notesSlides/notesSlide21.xml><?xml version="1.0" encoding="utf-8"?>
+<p:notes xmlns:a="http://schemas.openxmlformats.org/drawingml/2006/main" xmlns:r="http://schemas.openxmlformats.org/officeDocument/2006/relationships" xmlns:p="http://schemas.openxmlformats.org/presentationml/2006/main">
+  <p:cSld>
+    <p:spTree>
+      <p:nvGrpSpPr>
+        <p:cNvPr id="1" name=""/>
+        <p:cNvGrpSpPr/>
+        <p:nvPr/>
+      </p:nvGrpSpPr>
+      <p:grpSpPr>
+        <a:xfrm>
+          <a:off x="0" y="0"/>
+          <a:ext cx="0" cy="0"/>
+          <a:chOff x="0" y="0"/>
+          <a:chExt cx="0" cy="0"/>
+        </a:xfrm>
+      </p:grpSpPr>
+      <p:sp>
+        <p:nvSpPr>
+          <p:cNvPr id="2" name="Slide Image Placeholder 1"/>
+          <p:cNvSpPr>
+            <a:spLocks noGrp="1" noRot="1" noChangeAspect="1"/>
+          </p:cNvSpPr>
+          <p:nvPr>
+            <p:ph type="sldImg"/>
+          </p:nvPr>
+        </p:nvSpPr>
+        <p:spPr/>
+      </p:sp>
+      <p:sp>
+        <p:nvSpPr>
+          <p:cNvPr id="3" name="Notes Placeholder 2"/>
+          <p:cNvSpPr>
+            <a:spLocks noGrp="1"/>
+          </p:cNvSpPr>
+          <p:nvPr>
+            <p:ph type="body" idx="1"/>
+          </p:nvPr>
+        </p:nvSpPr>
+        <p:spPr/>
+        <p:txBody>
+          <a:bodyPr/>
+          <a:lstStyle/>
+          <a:p>
+            <a:pPr lvl="0" marL="0" indent="0">
+              <a:buNone/>
+            </a:pPr>
+            <a:r>
+              <a:rPr/>
+              <a:t>Figure</a:t>
+            </a:r>
+            <a:r>
+              <a:rPr/>
+              <a:t> </a:t>
+            </a:r>
+            <a:r>
+              <a:rPr/>
+              <a:t>9.1.</a:t>
+            </a:r>
+          </a:p>
+          <a:p>
+            <a:pPr lvl="0" marL="0" indent="0">
+              <a:buNone/>
+            </a:pPr>
+          </a:p>
+          <a:p>
+            <a:pPr lvl="0" marL="0" indent="0">
+              <a:buNone/>
+            </a:pPr>
+            <a:r>
+              <a:rPr/>
+              <a:t>Target</a:t>
+            </a:r>
+            <a:r>
+              <a:rPr/>
+              <a:t> </a:t>
+            </a:r>
+            <a:r>
+              <a:rPr/>
+              <a:t>or</a:t>
+            </a:r>
+            <a:r>
+              <a:rPr/>
+              <a:t> </a:t>
+            </a:r>
+            <a:r>
+              <a:rPr/>
+              <a:t>theoretical</a:t>
+            </a:r>
+            <a:r>
+              <a:rPr/>
+              <a:t> </a:t>
+            </a:r>
+            <a:r>
+              <a:rPr/>
+              <a:t>population.</a:t>
+            </a:r>
+            <a:r>
+              <a:rPr/>
+              <a:t> </a:t>
+            </a:r>
+            <a:r>
+              <a:rPr/>
+              <a:t>From</a:t>
+            </a:r>
+            <a:r>
+              <a:rPr/>
+              <a:t> </a:t>
+            </a:r>
+            <a:r>
+              <a:rPr/>
+              <a:t>this,</a:t>
+            </a:r>
+            <a:r>
+              <a:rPr/>
+              <a:t> </a:t>
+            </a:r>
+            <a:r>
+              <a:rPr/>
+              <a:t>develop</a:t>
+            </a:r>
+            <a:r>
+              <a:rPr/>
+              <a:t> </a:t>
+            </a:r>
+            <a:r>
+              <a:rPr/>
+              <a:t>a</a:t>
+            </a:r>
+            <a:r>
+              <a:rPr/>
+              <a:t> </a:t>
+            </a:r>
+            <a:r>
+              <a:rPr/>
+              <a:t>sampling</a:t>
+            </a:r>
+            <a:r>
+              <a:rPr/>
+              <a:t> </a:t>
+            </a:r>
+            <a:r>
+              <a:rPr/>
+              <a:t>frame.</a:t>
+            </a:r>
+            <a:r>
+              <a:rPr/>
+              <a:t> </a:t>
+            </a:r>
+            <a:r>
+              <a:rPr/>
+              <a:t>Next</a:t>
+            </a:r>
+            <a:r>
+              <a:rPr/>
+              <a:t> </a:t>
+            </a:r>
+            <a:r>
+              <a:rPr/>
+              <a:t>select</a:t>
+            </a:r>
+            <a:r>
+              <a:rPr/>
+              <a:t> </a:t>
+            </a:r>
+            <a:r>
+              <a:rPr/>
+              <a:t>a</a:t>
+            </a:r>
+            <a:r>
+              <a:rPr/>
+              <a:t> </a:t>
+            </a:r>
+            <a:r>
+              <a:rPr/>
+              <a:t>sample.</a:t>
+            </a:r>
+            <a:r>
+              <a:rPr/>
+              <a:t> </a:t>
+            </a:r>
+            <a:r>
+              <a:rPr/>
+              <a:t>What</a:t>
+            </a:r>
+            <a:r>
+              <a:rPr/>
+              <a:t> </a:t>
+            </a:r>
+            <a:r>
+              <a:rPr/>
+              <a:t>you</a:t>
+            </a:r>
+            <a:r>
+              <a:rPr/>
+              <a:t> </a:t>
+            </a:r>
+            <a:r>
+              <a:rPr/>
+              <a:t>end</a:t>
+            </a:r>
+            <a:r>
+              <a:rPr/>
+              <a:t> </a:t>
+            </a:r>
+            <a:r>
+              <a:rPr/>
+              <a:t>up</a:t>
+            </a:r>
+            <a:r>
+              <a:rPr/>
+              <a:t> </a:t>
+            </a:r>
+            <a:r>
+              <a:rPr/>
+              <a:t>with</a:t>
+            </a:r>
+            <a:r>
+              <a:rPr/>
+              <a:t> </a:t>
+            </a:r>
+            <a:r>
+              <a:rPr/>
+              <a:t>are</a:t>
+            </a:r>
+            <a:r>
+              <a:rPr/>
+              <a:t> </a:t>
+            </a:r>
+            <a:r>
+              <a:rPr/>
+              <a:t>those</a:t>
+            </a:r>
+            <a:r>
+              <a:rPr/>
+              <a:t> </a:t>
+            </a:r>
+            <a:r>
+              <a:rPr/>
+              <a:t>who</a:t>
+            </a:r>
+            <a:r>
+              <a:rPr/>
+              <a:t> </a:t>
+            </a:r>
+            <a:r>
+              <a:rPr/>
+              <a:t>are</a:t>
+            </a:r>
+            <a:r>
+              <a:rPr/>
+              <a:t> </a:t>
+            </a:r>
+            <a:r>
+              <a:rPr/>
+              <a:t>selected,</a:t>
+            </a:r>
+            <a:r>
+              <a:rPr/>
+              <a:t> </a:t>
+            </a:r>
+            <a:r>
+              <a:rPr/>
+              <a:t>who</a:t>
+            </a:r>
+            <a:r>
+              <a:rPr/>
+              <a:t> </a:t>
+            </a:r>
+            <a:r>
+              <a:rPr/>
+              <a:t>agree</a:t>
+            </a:r>
+            <a:r>
+              <a:rPr/>
+              <a:t> </a:t>
+            </a:r>
+            <a:r>
+              <a:rPr/>
+              <a:t>to</a:t>
+            </a:r>
+            <a:r>
+              <a:rPr/>
+              <a:t> </a:t>
+            </a:r>
+            <a:r>
+              <a:rPr/>
+              <a:t>participate</a:t>
+            </a:r>
+            <a:r>
+              <a:rPr/>
+              <a:t> </a:t>
+            </a:r>
+            <a:r>
+              <a:rPr/>
+              <a:t>and</a:t>
+            </a:r>
+            <a:r>
+              <a:rPr/>
+              <a:t> </a:t>
+            </a:r>
+            <a:r>
+              <a:rPr/>
+              <a:t>who</a:t>
+            </a:r>
+            <a:r>
+              <a:rPr/>
+              <a:t> </a:t>
+            </a:r>
+            <a:r>
+              <a:rPr/>
+              <a:t>provide</a:t>
+            </a:r>
+            <a:r>
+              <a:rPr/>
+              <a:t> </a:t>
+            </a:r>
+            <a:r>
+              <a:rPr/>
+              <a:t>sufficient</a:t>
+            </a:r>
+            <a:r>
+              <a:rPr/>
+              <a:t> </a:t>
+            </a:r>
+            <a:r>
+              <a:rPr/>
+              <a:t>information</a:t>
+            </a:r>
+            <a:r>
+              <a:rPr/>
+              <a:t> </a:t>
+            </a:r>
+            <a:r>
+              <a:rPr/>
+              <a:t>to</a:t>
+            </a:r>
+            <a:r>
+              <a:rPr/>
+              <a:t> </a:t>
+            </a:r>
+            <a:r>
+              <a:rPr/>
+              <a:t>allow</a:t>
+            </a:r>
+            <a:r>
+              <a:rPr/>
+              <a:t> </a:t>
+            </a:r>
+            <a:r>
+              <a:rPr/>
+              <a:t>evaluation.</a:t>
+            </a:r>
+          </a:p>
+          <a:p>
+            <a:pPr lvl="0" marL="0" indent="0">
+              <a:buNone/>
+            </a:pPr>
+          </a:p>
+          <a:p>
+            <a:pPr lvl="0" marL="0" indent="0">
+              <a:buNone/>
+            </a:pPr>
+            <a:r>
+              <a:rPr/>
+              <a:t>Response</a:t>
+            </a:r>
+            <a:r>
+              <a:rPr/>
+              <a:t> </a:t>
+            </a:r>
+            <a:r>
+              <a:rPr/>
+              <a:t>rate.</a:t>
+            </a:r>
+            <a:r>
+              <a:rPr/>
+              <a:t> </a:t>
+            </a:r>
+            <a:r>
+              <a:rPr/>
+              <a:t>A</a:t>
+            </a:r>
+            <a:r>
+              <a:rPr/>
+              <a:t> </a:t>
+            </a:r>
+            <a:r>
+              <a:rPr/>
+              <a:t>good</a:t>
+            </a:r>
+            <a:r>
+              <a:rPr/>
+              <a:t> </a:t>
+            </a:r>
+            <a:r>
+              <a:rPr/>
+              <a:t>value</a:t>
+            </a:r>
+            <a:r>
+              <a:rPr/>
+              <a:t> </a:t>
+            </a:r>
+            <a:r>
+              <a:rPr/>
+              <a:t>is</a:t>
+            </a:r>
+            <a:r>
+              <a:rPr/>
+              <a:t> </a:t>
+            </a:r>
+            <a:r>
+              <a:rPr/>
+              <a:t>context</a:t>
+            </a:r>
+            <a:r>
+              <a:rPr/>
+              <a:t> </a:t>
+            </a:r>
+            <a:r>
+              <a:rPr/>
+              <a:t>specific.</a:t>
+            </a:r>
+          </a:p>
+          <a:p>
+            <a:pPr lvl="0" marL="0" indent="0">
+              <a:buNone/>
+            </a:pPr>
+          </a:p>
+          <a:p>
+            <a:pPr lvl="0" marL="0" indent="0">
+              <a:buNone/>
+            </a:pPr>
+            <a:r>
+              <a:rPr/>
+              <a:t>How</a:t>
+            </a:r>
+            <a:r>
+              <a:rPr/>
+              <a:t> </a:t>
+            </a:r>
+            <a:r>
+              <a:rPr/>
+              <a:t>much</a:t>
+            </a:r>
+            <a:r>
+              <a:rPr/>
+              <a:t> </a:t>
+            </a:r>
+            <a:r>
+              <a:rPr/>
+              <a:t>attrition</a:t>
+            </a:r>
+            <a:r>
+              <a:rPr/>
+              <a:t> </a:t>
+            </a:r>
+            <a:r>
+              <a:rPr/>
+              <a:t>occured</a:t>
+            </a:r>
+            <a:r>
+              <a:rPr/>
+              <a:t> </a:t>
+            </a:r>
+            <a:r>
+              <a:rPr/>
+              <a:t>and</a:t>
+            </a:r>
+            <a:r>
+              <a:rPr/>
+              <a:t> </a:t>
+            </a:r>
+            <a:r>
+              <a:rPr/>
+              <a:t>very</a:t>
+            </a:r>
+            <a:r>
+              <a:rPr/>
+              <a:t> </a:t>
+            </a:r>
+            <a:r>
+              <a:rPr/>
+              <a:t>importantly</a:t>
+            </a:r>
+            <a:r>
+              <a:rPr/>
+              <a:t> </a:t>
+            </a:r>
+            <a:r>
+              <a:rPr/>
+              <a:t>whether</a:t>
+            </a:r>
+            <a:r>
+              <a:rPr/>
+              <a:t> </a:t>
+            </a:r>
+            <a:r>
+              <a:rPr/>
+              <a:t>attrition</a:t>
+            </a:r>
+            <a:r>
+              <a:rPr/>
+              <a:t> </a:t>
+            </a:r>
+            <a:r>
+              <a:rPr/>
+              <a:t>differs</a:t>
+            </a:r>
+            <a:r>
+              <a:rPr/>
+              <a:t> </a:t>
+            </a:r>
+            <a:r>
+              <a:rPr/>
+              <a:t>between</a:t>
+            </a:r>
+            <a:r>
+              <a:rPr/>
+              <a:t> </a:t>
+            </a:r>
+            <a:r>
+              <a:rPr/>
+              <a:t>the</a:t>
+            </a:r>
+            <a:r>
+              <a:rPr/>
+              <a:t> </a:t>
+            </a:r>
+            <a:r>
+              <a:rPr/>
+              <a:t>two</a:t>
+            </a:r>
+            <a:r>
+              <a:rPr/>
+              <a:t> </a:t>
+            </a:r>
+            <a:r>
+              <a:rPr/>
+              <a:t>groups.</a:t>
+            </a:r>
+          </a:p>
+        </p:txBody>
+      </p:sp>
+      <p:sp>
+        <p:nvSpPr>
+          <p:cNvPr id="4" name="Slide Number Placeholder 3"/>
+          <p:cNvSpPr>
+            <a:spLocks noGrp="1"/>
+          </p:cNvSpPr>
+          <p:nvPr>
+            <p:ph type="sldNum" sz="quarter" idx="10"/>
+          </p:nvPr>
+        </p:nvSpPr>
+        <p:spPr/>
+        <p:txBody>
+          <a:bodyPr/>
+          <a:lstStyle/>
+          <a:p>
+            <a:fld id="{18BDFEC3-8487-43E8-A154-7C12CBC1FFF2}" type="slidenum">
+              <a:rPr lang="en-US"/>
+              <a:t>26</a:t>
+            </a:fld>
+            <a:endParaRPr lang="en-US"/>
+          </a:p>
+        </p:txBody>
+      </p:sp>
+    </p:spTree>
+  </p:cSld>
+</p:notes>
+</file>
+
+<file path=ppt/notesSlides/notesSlide3.xml><?xml version="1.0" encoding="utf-8"?>
+<p:notes xmlns:a="http://schemas.openxmlformats.org/drawingml/2006/main" xmlns:r="http://schemas.openxmlformats.org/officeDocument/2006/relationships" xmlns:p="http://schemas.openxmlformats.org/presentationml/2006/main">
+  <p:cSld>
+    <p:spTree>
+      <p:nvGrpSpPr>
+        <p:cNvPr id="1" name=""/>
+        <p:cNvGrpSpPr/>
+        <p:nvPr/>
+      </p:nvGrpSpPr>
+      <p:grpSpPr>
+        <a:xfrm>
+          <a:off x="0" y="0"/>
+          <a:ext cx="0" cy="0"/>
+          <a:chOff x="0" y="0"/>
+          <a:chExt cx="0" cy="0"/>
+        </a:xfrm>
+      </p:grpSpPr>
+      <p:sp>
+        <p:nvSpPr>
+          <p:cNvPr id="2" name="Slide Image Placeholder 1"/>
+          <p:cNvSpPr>
+            <a:spLocks noGrp="1" noRot="1" noChangeAspect="1"/>
+          </p:cNvSpPr>
+          <p:nvPr>
+            <p:ph type="sldImg"/>
+          </p:nvPr>
+        </p:nvSpPr>
+        <p:spPr/>
+      </p:sp>
+      <p:sp>
+        <p:nvSpPr>
+          <p:cNvPr id="3" name="Notes Placeholder 2"/>
+          <p:cNvSpPr>
+            <a:spLocks noGrp="1"/>
+          </p:cNvSpPr>
+          <p:nvPr>
+            <p:ph type="body" idx="1"/>
+          </p:nvPr>
+        </p:nvSpPr>
+        <p:spPr/>
+        <p:txBody>
+          <a:bodyPr/>
+          <a:lstStyle/>
+          <a:p>
+            <a:pPr lvl="0" marL="0" indent="0">
+              <a:buNone/>
+            </a:pPr>
+            <a:r>
+              <a:rPr/>
+              <a:t>Figure</a:t>
+            </a:r>
+            <a:r>
+              <a:rPr/>
+              <a:t> </a:t>
+            </a:r>
+            <a:r>
+              <a:rPr/>
+              <a:t>8.1</a:t>
+            </a:r>
+            <a:r>
+              <a:rPr/>
+              <a:t> </a:t>
+            </a:r>
+            <a:r>
+              <a:rPr/>
+              <a:t>has</a:t>
+            </a:r>
+            <a:r>
+              <a:rPr/>
+              <a:t> </a:t>
+            </a:r>
+            <a:r>
+              <a:rPr/>
+              <a:t>a</a:t>
+            </a:r>
+            <a:r>
+              <a:rPr/>
+              <a:t> </a:t>
+            </a:r>
+            <a:r>
+              <a:rPr/>
+              <a:t>very</a:t>
+            </a:r>
+            <a:r>
+              <a:rPr/>
+              <a:t> </a:t>
+            </a:r>
+            <a:r>
+              <a:rPr/>
+              <a:t>concise</a:t>
+            </a:r>
+            <a:r>
+              <a:rPr/>
+              <a:t> </a:t>
+            </a:r>
+            <a:r>
+              <a:rPr/>
+              <a:t>presentation.</a:t>
+            </a:r>
+            <a:r>
+              <a:rPr/>
+              <a:t> </a:t>
+            </a:r>
+            <a:r>
+              <a:rPr/>
+              <a:t>Three</a:t>
+            </a:r>
+            <a:r>
+              <a:rPr/>
+              <a:t> </a:t>
+            </a:r>
+            <a:r>
+              <a:rPr/>
+              <a:t>different</a:t>
+            </a:r>
+            <a:r>
+              <a:rPr/>
+              <a:t> </a:t>
+            </a:r>
+            <a:r>
+              <a:rPr/>
+              <a:t>types</a:t>
+            </a:r>
+            <a:r>
+              <a:rPr/>
+              <a:t> </a:t>
+            </a:r>
+            <a:r>
+              <a:rPr/>
+              <a:t>of</a:t>
+            </a:r>
+            <a:r>
+              <a:rPr/>
+              <a:t> </a:t>
+            </a:r>
+            <a:r>
+              <a:rPr/>
+              <a:t>validity</a:t>
+            </a:r>
+            <a:r>
+              <a:rPr/>
+              <a:t> </a:t>
+            </a:r>
+            <a:r>
+              <a:rPr/>
+              <a:t>that</a:t>
+            </a:r>
+            <a:r>
+              <a:rPr/>
+              <a:t> </a:t>
+            </a:r>
+            <a:r>
+              <a:rPr/>
+              <a:t>feed</a:t>
+            </a:r>
+            <a:r>
+              <a:rPr/>
+              <a:t> </a:t>
+            </a:r>
+            <a:r>
+              <a:rPr/>
+              <a:t>into</a:t>
+            </a:r>
+            <a:r>
+              <a:rPr/>
+              <a:t> </a:t>
+            </a:r>
+            <a:r>
+              <a:rPr/>
+              <a:t>what</a:t>
+            </a:r>
+            <a:r>
+              <a:rPr/>
+              <a:t> </a:t>
+            </a:r>
+            <a:r>
+              <a:rPr/>
+              <a:t>a</a:t>
+            </a:r>
+            <a:r>
+              <a:rPr/>
+              <a:t> </a:t>
+            </a:r>
+            <a:r>
+              <a:rPr/>
+              <a:t>study</a:t>
+            </a:r>
+            <a:r>
+              <a:rPr/>
+              <a:t> </a:t>
+            </a:r>
+            <a:r>
+              <a:rPr/>
+              <a:t>does.</a:t>
+            </a:r>
+            <a:r>
+              <a:rPr/>
+              <a:t> </a:t>
+            </a:r>
+            <a:r>
+              <a:rPr/>
+              <a:t>This</a:t>
+            </a:r>
+            <a:r>
+              <a:rPr/>
+              <a:t> </a:t>
+            </a:r>
+            <a:r>
+              <a:rPr/>
+              <a:t>lecture</a:t>
+            </a:r>
+            <a:r>
+              <a:rPr/>
+              <a:t> </a:t>
+            </a:r>
+            <a:r>
+              <a:rPr/>
+              <a:t>is</a:t>
+            </a:r>
+            <a:r>
+              <a:rPr/>
+              <a:t> </a:t>
+            </a:r>
+            <a:r>
+              <a:rPr/>
+              <a:t>just</a:t>
+            </a:r>
+            <a:r>
+              <a:rPr/>
+              <a:t> </a:t>
+            </a:r>
+            <a:r>
+              <a:rPr/>
+              <a:t>about</a:t>
+            </a:r>
+            <a:r>
+              <a:rPr/>
+              <a:t> </a:t>
+            </a:r>
+            <a:r>
+              <a:rPr/>
+              <a:t>internal</a:t>
+            </a:r>
+            <a:r>
+              <a:rPr/>
+              <a:t> </a:t>
+            </a:r>
+            <a:r>
+              <a:rPr/>
+              <a:t>validity.</a:t>
+            </a:r>
+            <a:r>
+              <a:rPr/>
+              <a:t> </a:t>
+            </a:r>
+            <a:r>
+              <a:rPr/>
+              <a:t>The</a:t>
+            </a:r>
+            <a:r>
+              <a:rPr/>
+              <a:t> </a:t>
+            </a:r>
+            <a:r>
+              <a:rPr/>
+              <a:t>extent</a:t>
+            </a:r>
+            <a:r>
+              <a:rPr/>
+              <a:t> </a:t>
+            </a:r>
+            <a:r>
+              <a:rPr/>
+              <a:t>to</a:t>
+            </a:r>
+            <a:r>
+              <a:rPr/>
+              <a:t> </a:t>
+            </a:r>
+            <a:r>
+              <a:rPr/>
+              <a:t>which</a:t>
+            </a:r>
+            <a:r>
+              <a:rPr/>
+              <a:t> </a:t>
+            </a:r>
+            <a:r>
+              <a:rPr/>
+              <a:t>you</a:t>
+            </a:r>
+            <a:r>
+              <a:rPr/>
+              <a:t> </a:t>
+            </a:r>
+            <a:r>
+              <a:rPr/>
+              <a:t>can</a:t>
+            </a:r>
+            <a:r>
+              <a:rPr/>
+              <a:t> </a:t>
+            </a:r>
+            <a:r>
+              <a:rPr/>
+              <a:t>infer</a:t>
+            </a:r>
+            <a:r>
+              <a:rPr/>
+              <a:t> </a:t>
+            </a:r>
+            <a:r>
+              <a:rPr/>
+              <a:t>that</a:t>
+            </a:r>
+            <a:r>
+              <a:rPr/>
+              <a:t> </a:t>
+            </a:r>
+            <a:r>
+              <a:rPr/>
+              <a:t>the</a:t>
+            </a:r>
+            <a:r>
+              <a:rPr/>
+              <a:t> </a:t>
+            </a:r>
+            <a:r>
+              <a:rPr/>
+              <a:t>independent</a:t>
+            </a:r>
+            <a:r>
+              <a:rPr/>
+              <a:t> </a:t>
+            </a:r>
+            <a:r>
+              <a:rPr/>
+              <a:t>variable</a:t>
+            </a:r>
+            <a:r>
+              <a:rPr/>
+              <a:t> </a:t>
+            </a:r>
+            <a:r>
+              <a:rPr/>
+              <a:t>caused</a:t>
+            </a:r>
+            <a:r>
+              <a:rPr/>
+              <a:t> </a:t>
+            </a:r>
+            <a:r>
+              <a:rPr/>
+              <a:t>the</a:t>
+            </a:r>
+            <a:r>
+              <a:rPr/>
+              <a:t> </a:t>
+            </a:r>
+            <a:r>
+              <a:rPr/>
+              <a:t>dependent</a:t>
+            </a:r>
+            <a:r>
+              <a:rPr/>
+              <a:t> </a:t>
+            </a:r>
+            <a:r>
+              <a:rPr/>
+              <a:t>variable.</a:t>
+            </a:r>
+          </a:p>
+        </p:txBody>
+      </p:sp>
+      <p:sp>
+        <p:nvSpPr>
+          <p:cNvPr id="4" name="Slide Number Placeholder 3"/>
+          <p:cNvSpPr>
+            <a:spLocks noGrp="1"/>
+          </p:cNvSpPr>
+          <p:nvPr>
+            <p:ph type="sldNum" sz="quarter" idx="10"/>
+          </p:nvPr>
+        </p:nvSpPr>
+        <p:spPr/>
+        <p:txBody>
+          <a:bodyPr/>
+          <a:lstStyle/>
+          <a:p>
+            <a:fld id="{18BDFEC3-8487-43E8-A154-7C12CBC1FFF2}" type="slidenum">
+              <a:rPr lang="en-US"/>
+              <a:t>4</a:t>
+            </a:fld>
+            <a:endParaRPr lang="en-US"/>
+          </a:p>
+        </p:txBody>
+      </p:sp>
+    </p:spTree>
+  </p:cSld>
+</p:notes>
+</file>
+
+<file path=ppt/notesSlides/notesSlide4.xml><?xml version="1.0" encoding="utf-8"?>
+<p:notes xmlns:a="http://schemas.openxmlformats.org/drawingml/2006/main" xmlns:r="http://schemas.openxmlformats.org/officeDocument/2006/relationships" xmlns:p="http://schemas.openxmlformats.org/presentationml/2006/main">
+  <p:cSld>
+    <p:spTree>
+      <p:nvGrpSpPr>
+        <p:cNvPr id="1" name=""/>
+        <p:cNvGrpSpPr/>
+        <p:nvPr/>
+      </p:nvGrpSpPr>
+      <p:grpSpPr>
+        <a:xfrm>
+          <a:off x="0" y="0"/>
+          <a:ext cx="0" cy="0"/>
+          <a:chOff x="0" y="0"/>
+          <a:chExt cx="0" cy="0"/>
+        </a:xfrm>
+      </p:grpSpPr>
+      <p:sp>
+        <p:nvSpPr>
+          <p:cNvPr id="2" name="Slide Image Placeholder 1"/>
+          <p:cNvSpPr>
+            <a:spLocks noGrp="1" noRot="1" noChangeAspect="1"/>
+          </p:cNvSpPr>
+          <p:nvPr>
+            <p:ph type="sldImg"/>
+          </p:nvPr>
+        </p:nvSpPr>
+        <p:spPr/>
+      </p:sp>
+      <p:sp>
+        <p:nvSpPr>
+          <p:cNvPr id="3" name="Notes Placeholder 2"/>
+          <p:cNvSpPr>
+            <a:spLocks noGrp="1"/>
+          </p:cNvSpPr>
+          <p:nvPr>
+            <p:ph type="body" idx="1"/>
+          </p:nvPr>
+        </p:nvSpPr>
+        <p:spPr/>
+        <p:txBody>
+          <a:bodyPr/>
+          <a:lstStyle/>
+          <a:p>
+            <a:pPr lvl="0" marL="0" indent="0">
+              <a:buNone/>
+            </a:pPr>
+            <a:r>
+              <a:rPr/>
+              <a:t>It’s</a:t>
+            </a:r>
+            <a:r>
+              <a:rPr/>
+              <a:t> </a:t>
+            </a:r>
+            <a:r>
+              <a:rPr/>
+              <a:t>really</a:t>
+            </a:r>
+            <a:r>
+              <a:rPr/>
+              <a:t> </a:t>
+            </a:r>
+            <a:r>
+              <a:rPr/>
+              <a:t>only</a:t>
+            </a:r>
+            <a:r>
+              <a:rPr/>
+              <a:t> </a:t>
+            </a:r>
+            <a:r>
+              <a:rPr/>
+              <a:t>randomized</a:t>
+            </a:r>
+            <a:r>
+              <a:rPr/>
+              <a:t> </a:t>
+            </a:r>
+            <a:r>
+              <a:rPr/>
+              <a:t>trials</a:t>
+            </a:r>
+            <a:r>
+              <a:rPr/>
+              <a:t> </a:t>
+            </a:r>
+            <a:r>
+              <a:rPr/>
+              <a:t>that</a:t>
+            </a:r>
+            <a:r>
+              <a:rPr/>
+              <a:t> </a:t>
+            </a:r>
+            <a:r>
+              <a:rPr/>
+              <a:t>can</a:t>
+            </a:r>
+            <a:r>
+              <a:rPr/>
+              <a:t> </a:t>
+            </a:r>
+            <a:r>
+              <a:rPr/>
+              <a:t>establish</a:t>
+            </a:r>
+            <a:r>
+              <a:rPr/>
+              <a:t> </a:t>
+            </a:r>
+            <a:r>
+              <a:rPr/>
+              <a:t>causality.</a:t>
+            </a:r>
+            <a:r>
+              <a:rPr/>
+              <a:t> </a:t>
+            </a:r>
+            <a:r>
+              <a:rPr/>
+              <a:t>But</a:t>
+            </a:r>
+            <a:r>
+              <a:rPr/>
+              <a:t> </a:t>
+            </a:r>
+            <a:r>
+              <a:rPr/>
+              <a:t>even</a:t>
+            </a:r>
+            <a:r>
+              <a:rPr/>
+              <a:t> </a:t>
+            </a:r>
+            <a:r>
+              <a:rPr/>
+              <a:t>in</a:t>
+            </a:r>
+            <a:r>
+              <a:rPr/>
+              <a:t> </a:t>
+            </a:r>
+            <a:r>
+              <a:rPr/>
+              <a:t>quasi-experimental</a:t>
+            </a:r>
+            <a:r>
+              <a:rPr/>
+              <a:t> </a:t>
+            </a:r>
+            <a:r>
+              <a:rPr/>
+              <a:t>and</a:t>
+            </a:r>
+            <a:r>
+              <a:rPr/>
+              <a:t> </a:t>
+            </a:r>
+            <a:r>
+              <a:rPr/>
+              <a:t>non-experimental</a:t>
+            </a:r>
+            <a:r>
+              <a:rPr/>
+              <a:t> </a:t>
+            </a:r>
+            <a:r>
+              <a:rPr/>
+              <a:t>studies,</a:t>
+            </a:r>
+            <a:r>
+              <a:rPr/>
+              <a:t> </a:t>
+            </a:r>
+            <a:r>
+              <a:rPr/>
+              <a:t>you</a:t>
+            </a:r>
+            <a:r>
+              <a:rPr/>
+              <a:t> </a:t>
+            </a:r>
+            <a:r>
+              <a:rPr/>
+              <a:t>can</a:t>
+            </a:r>
+            <a:r>
+              <a:rPr/>
+              <a:t> </a:t>
+            </a:r>
+            <a:r>
+              <a:rPr/>
+              <a:t>still</a:t>
+            </a:r>
+            <a:r>
+              <a:rPr/>
+              <a:t> </a:t>
+            </a:r>
+            <a:r>
+              <a:rPr/>
+              <a:t>talk</a:t>
+            </a:r>
+            <a:r>
+              <a:rPr/>
+              <a:t> </a:t>
+            </a:r>
+            <a:r>
+              <a:rPr/>
+              <a:t>about</a:t>
+            </a:r>
+            <a:r>
+              <a:rPr/>
+              <a:t> </a:t>
+            </a:r>
+            <a:r>
+              <a:rPr/>
+              <a:t>internal</a:t>
+            </a:r>
+            <a:r>
+              <a:rPr/>
+              <a:t> </a:t>
+            </a:r>
+            <a:r>
+              <a:rPr/>
+              <a:t>validity.</a:t>
+            </a:r>
+          </a:p>
+          <a:p>
+            <a:pPr lvl="0" marL="0" indent="0">
+              <a:buNone/>
+            </a:pPr>
+          </a:p>
+          <a:p>
+            <a:pPr lvl="0" marL="0" indent="0">
+              <a:buNone/>
+            </a:pPr>
+            <a:r>
+              <a:rPr/>
+              <a:t>The</a:t>
+            </a:r>
+            <a:r>
+              <a:rPr/>
+              <a:t> </a:t>
+            </a:r>
+            <a:r>
+              <a:rPr/>
+              <a:t>cause</a:t>
+            </a:r>
+            <a:r>
+              <a:rPr/>
+              <a:t> </a:t>
+            </a:r>
+            <a:r>
+              <a:rPr/>
+              <a:t>has</a:t>
+            </a:r>
+            <a:r>
+              <a:rPr/>
+              <a:t> </a:t>
+            </a:r>
+            <a:r>
+              <a:rPr/>
+              <a:t>to</a:t>
+            </a:r>
+            <a:r>
+              <a:rPr/>
+              <a:t> </a:t>
+            </a:r>
+            <a:r>
+              <a:rPr/>
+              <a:t>precede</a:t>
+            </a:r>
+            <a:r>
+              <a:rPr/>
+              <a:t> </a:t>
+            </a:r>
+            <a:r>
+              <a:rPr/>
+              <a:t>the</a:t>
+            </a:r>
+            <a:r>
+              <a:rPr/>
+              <a:t> </a:t>
+            </a:r>
+            <a:r>
+              <a:rPr/>
+              <a:t>effect,</a:t>
+            </a:r>
+            <a:r>
+              <a:rPr/>
+              <a:t> </a:t>
+            </a:r>
+            <a:r>
+              <a:rPr/>
+              <a:t>it</a:t>
+            </a:r>
+            <a:r>
+              <a:rPr/>
+              <a:t> </a:t>
+            </a:r>
+            <a:r>
+              <a:rPr/>
+              <a:t>must</a:t>
+            </a:r>
+            <a:r>
+              <a:rPr/>
+              <a:t> </a:t>
+            </a:r>
+            <a:r>
+              <a:rPr/>
+              <a:t>be</a:t>
+            </a:r>
+            <a:r>
+              <a:rPr/>
+              <a:t> </a:t>
+            </a:r>
+            <a:r>
+              <a:rPr/>
+              <a:t>connected</a:t>
+            </a:r>
+            <a:r>
+              <a:rPr/>
+              <a:t> </a:t>
+            </a:r>
+            <a:r>
+              <a:rPr/>
+              <a:t>to</a:t>
+            </a:r>
+            <a:r>
+              <a:rPr/>
+              <a:t> </a:t>
+            </a:r>
+            <a:r>
+              <a:rPr/>
+              <a:t>the</a:t>
+            </a:r>
+            <a:r>
+              <a:rPr/>
+              <a:t> </a:t>
+            </a:r>
+            <a:r>
+              <a:rPr/>
+              <a:t>effect,</a:t>
+            </a:r>
+            <a:r>
+              <a:rPr/>
+              <a:t> </a:t>
+            </a:r>
+            <a:r>
+              <a:rPr/>
+              <a:t>and</a:t>
+            </a:r>
+            <a:r>
+              <a:rPr/>
+              <a:t> </a:t>
+            </a:r>
+            <a:r>
+              <a:rPr/>
+              <a:t>there</a:t>
+            </a:r>
+            <a:r>
+              <a:rPr/>
+              <a:t> </a:t>
+            </a:r>
+            <a:r>
+              <a:rPr/>
+              <a:t>must</a:t>
+            </a:r>
+            <a:r>
+              <a:rPr/>
+              <a:t> </a:t>
+            </a:r>
+            <a:r>
+              <a:rPr/>
+              <a:t>be</a:t>
+            </a:r>
+            <a:r>
+              <a:rPr/>
+              <a:t> </a:t>
+            </a:r>
+            <a:r>
+              <a:rPr/>
+              <a:t>no</a:t>
+            </a:r>
+            <a:r>
+              <a:rPr/>
+              <a:t> </a:t>
+            </a:r>
+            <a:r>
+              <a:rPr/>
+              <a:t>other</a:t>
+            </a:r>
+            <a:r>
+              <a:rPr/>
+              <a:t> </a:t>
+            </a:r>
+            <a:r>
+              <a:rPr/>
+              <a:t>variables</a:t>
+            </a:r>
+            <a:r>
+              <a:rPr/>
+              <a:t> </a:t>
+            </a:r>
+            <a:r>
+              <a:rPr/>
+              <a:t>that</a:t>
+            </a:r>
+            <a:r>
+              <a:rPr/>
+              <a:t> </a:t>
+            </a:r>
+            <a:r>
+              <a:rPr/>
+              <a:t>could</a:t>
+            </a:r>
+            <a:r>
+              <a:rPr/>
+              <a:t> </a:t>
+            </a:r>
+            <a:r>
+              <a:rPr/>
+              <a:t>explain</a:t>
+            </a:r>
+            <a:r>
+              <a:rPr/>
+              <a:t> </a:t>
+            </a:r>
+            <a:r>
+              <a:rPr/>
+              <a:t>why</a:t>
+            </a:r>
+            <a:r>
+              <a:rPr/>
+              <a:t> </a:t>
+            </a:r>
+            <a:r>
+              <a:rPr/>
+              <a:t>the</a:t>
+            </a:r>
+            <a:r>
+              <a:rPr/>
+              <a:t> </a:t>
+            </a:r>
+            <a:r>
+              <a:rPr/>
+              <a:t>cause</a:t>
+            </a:r>
+            <a:r>
+              <a:rPr/>
+              <a:t> </a:t>
+            </a:r>
+            <a:r>
+              <a:rPr/>
+              <a:t>is</a:t>
+            </a:r>
+            <a:r>
+              <a:rPr/>
+              <a:t> </a:t>
+            </a:r>
+            <a:r>
+              <a:rPr/>
+              <a:t>related</a:t>
+            </a:r>
+            <a:r>
+              <a:rPr/>
+              <a:t> </a:t>
+            </a:r>
+            <a:r>
+              <a:rPr/>
+              <a:t>to</a:t>
+            </a:r>
+            <a:r>
+              <a:rPr/>
+              <a:t> </a:t>
+            </a:r>
+            <a:r>
+              <a:rPr/>
+              <a:t>the</a:t>
+            </a:r>
+            <a:r>
+              <a:rPr/>
+              <a:t> </a:t>
+            </a:r>
+            <a:r>
+              <a:rPr/>
+              <a:t>effect.</a:t>
+            </a:r>
+          </a:p>
+        </p:txBody>
+      </p:sp>
+      <p:sp>
+        <p:nvSpPr>
+          <p:cNvPr id="4" name="Slide Number Placeholder 3"/>
+          <p:cNvSpPr>
+            <a:spLocks noGrp="1"/>
+          </p:cNvSpPr>
+          <p:nvPr>
+            <p:ph type="sldNum" sz="quarter" idx="10"/>
+          </p:nvPr>
+        </p:nvSpPr>
+        <p:spPr/>
+        <p:txBody>
+          <a:bodyPr/>
+          <a:lstStyle/>
+          <a:p>
+            <a:fld id="{18BDFEC3-8487-43E8-A154-7C12CBC1FFF2}" type="slidenum">
+              <a:rPr lang="en-US"/>
+              <a:t>5</a:t>
+            </a:fld>
+            <a:endParaRPr lang="en-US"/>
+          </a:p>
+        </p:txBody>
+      </p:sp>
+    </p:spTree>
+  </p:cSld>
+</p:notes>
+</file>
+
+<file path=ppt/notesSlides/notesSlide5.xml><?xml version="1.0" encoding="utf-8"?>
+<p:notes xmlns:a="http://schemas.openxmlformats.org/drawingml/2006/main" xmlns:r="http://schemas.openxmlformats.org/officeDocument/2006/relationships" xmlns:p="http://schemas.openxmlformats.org/presentationml/2006/main">
+  <p:cSld>
+    <p:spTree>
+      <p:nvGrpSpPr>
+        <p:cNvPr id="1" name=""/>
+        <p:cNvGrpSpPr/>
+        <p:nvPr/>
+      </p:nvGrpSpPr>
+      <p:grpSpPr>
+        <a:xfrm>
+          <a:off x="0" y="0"/>
+          <a:ext cx="0" cy="0"/>
+          <a:chOff x="0" y="0"/>
+          <a:chExt cx="0" cy="0"/>
+        </a:xfrm>
+      </p:grpSpPr>
+      <p:sp>
+        <p:nvSpPr>
+          <p:cNvPr id="2" name="Slide Image Placeholder 1"/>
+          <p:cNvSpPr>
+            <a:spLocks noGrp="1" noRot="1" noChangeAspect="1"/>
+          </p:cNvSpPr>
+          <p:nvPr>
+            <p:ph type="sldImg"/>
+          </p:nvPr>
+        </p:nvSpPr>
+        <p:spPr/>
+      </p:sp>
+      <p:sp>
+        <p:nvSpPr>
+          <p:cNvPr id="3" name="Notes Placeholder 2"/>
+          <p:cNvSpPr>
+            <a:spLocks noGrp="1"/>
+          </p:cNvSpPr>
+          <p:nvPr>
+            <p:ph type="body" idx="1"/>
+          </p:nvPr>
+        </p:nvSpPr>
+        <p:spPr/>
+        <p:txBody>
+          <a:bodyPr/>
+          <a:lstStyle/>
+          <a:p>
+            <a:pPr lvl="0" marL="0" indent="0">
+              <a:buNone/>
+            </a:pPr>
+            <a:r>
+              <a:rPr/>
+              <a:t>For</a:t>
+            </a:r>
+            <a:r>
+              <a:rPr/>
+              <a:t> </a:t>
+            </a:r>
+            <a:r>
+              <a:rPr/>
+              <a:t>randomized</a:t>
+            </a:r>
+            <a:r>
+              <a:rPr/>
+              <a:t> </a:t>
+            </a:r>
+            <a:r>
+              <a:rPr/>
+              <a:t>designs,</a:t>
+            </a:r>
+            <a:r>
+              <a:rPr/>
+              <a:t> </a:t>
+            </a:r>
+            <a:r>
+              <a:rPr/>
+              <a:t>the</a:t>
+            </a:r>
+            <a:r>
+              <a:rPr/>
+              <a:t> </a:t>
+            </a:r>
+            <a:r>
+              <a:rPr/>
+              <a:t>cause</a:t>
+            </a:r>
+            <a:r>
+              <a:rPr/>
+              <a:t> </a:t>
+            </a:r>
+            <a:r>
+              <a:rPr/>
+              <a:t>precedes</a:t>
+            </a:r>
+            <a:r>
+              <a:rPr/>
+              <a:t> </a:t>
+            </a:r>
+            <a:r>
+              <a:rPr/>
+              <a:t>the</a:t>
+            </a:r>
+            <a:r>
+              <a:rPr/>
+              <a:t> </a:t>
+            </a:r>
+            <a:r>
+              <a:rPr/>
+              <a:t>effect,</a:t>
+            </a:r>
+            <a:r>
+              <a:rPr/>
+              <a:t> </a:t>
+            </a:r>
+            <a:r>
+              <a:rPr/>
+              <a:t>the</a:t>
+            </a:r>
+            <a:r>
+              <a:rPr/>
+              <a:t> </a:t>
+            </a:r>
+            <a:r>
+              <a:rPr/>
+              <a:t>cause</a:t>
+            </a:r>
+            <a:r>
+              <a:rPr/>
+              <a:t> </a:t>
+            </a:r>
+            <a:r>
+              <a:rPr/>
+              <a:t>is</a:t>
+            </a:r>
+            <a:r>
+              <a:rPr/>
+              <a:t> </a:t>
+            </a:r>
+            <a:r>
+              <a:rPr/>
+              <a:t>related</a:t>
+            </a:r>
+            <a:r>
+              <a:rPr/>
+              <a:t> </a:t>
+            </a:r>
+            <a:r>
+              <a:rPr/>
+              <a:t>to</a:t>
+            </a:r>
+            <a:r>
+              <a:rPr/>
+              <a:t> </a:t>
+            </a:r>
+            <a:r>
+              <a:rPr/>
+              <a:t>the</a:t>
+            </a:r>
+            <a:r>
+              <a:rPr/>
+              <a:t> </a:t>
+            </a:r>
+            <a:r>
+              <a:rPr/>
+              <a:t>outcome</a:t>
+            </a:r>
+            <a:r>
+              <a:rPr/>
+              <a:t> </a:t>
+            </a:r>
+            <a:r>
+              <a:rPr/>
+              <a:t>and</a:t>
+            </a:r>
+            <a:r>
+              <a:rPr/>
+              <a:t> </a:t>
+            </a:r>
+            <a:r>
+              <a:rPr/>
+              <a:t>there</a:t>
+            </a:r>
+            <a:r>
+              <a:rPr/>
+              <a:t> </a:t>
+            </a:r>
+            <a:r>
+              <a:rPr/>
+              <a:t>are</a:t>
+            </a:r>
+            <a:r>
+              <a:rPr/>
+              <a:t> </a:t>
+            </a:r>
+            <a:r>
+              <a:rPr/>
+              <a:t>no</a:t>
+            </a:r>
+            <a:r>
+              <a:rPr/>
+              <a:t> </a:t>
+            </a:r>
+            <a:r>
+              <a:rPr/>
+              <a:t>other</a:t>
+            </a:r>
+            <a:r>
+              <a:rPr/>
+              <a:t> </a:t>
+            </a:r>
+            <a:r>
+              <a:rPr/>
+              <a:t>variables</a:t>
+            </a:r>
+            <a:r>
+              <a:rPr/>
+              <a:t> </a:t>
+            </a:r>
+            <a:r>
+              <a:rPr/>
+              <a:t>that</a:t>
+            </a:r>
+            <a:r>
+              <a:rPr/>
+              <a:t> </a:t>
+            </a:r>
+            <a:r>
+              <a:rPr/>
+              <a:t>could</a:t>
+            </a:r>
+            <a:r>
+              <a:rPr/>
+              <a:t> </a:t>
+            </a:r>
+            <a:r>
+              <a:rPr/>
+              <a:t>explain</a:t>
+            </a:r>
+            <a:r>
+              <a:rPr/>
+              <a:t> </a:t>
+            </a:r>
+            <a:r>
+              <a:rPr/>
+              <a:t>the</a:t>
+            </a:r>
+            <a:r>
+              <a:rPr/>
+              <a:t> </a:t>
+            </a:r>
+            <a:r>
+              <a:rPr/>
+              <a:t>relationship.</a:t>
+            </a:r>
+          </a:p>
+        </p:txBody>
+      </p:sp>
+      <p:sp>
+        <p:nvSpPr>
+          <p:cNvPr id="4" name="Slide Number Placeholder 3"/>
+          <p:cNvSpPr>
+            <a:spLocks noGrp="1"/>
+          </p:cNvSpPr>
+          <p:nvPr>
+            <p:ph type="sldNum" sz="quarter" idx="10"/>
+          </p:nvPr>
+        </p:nvSpPr>
+        <p:spPr/>
+        <p:txBody>
+          <a:bodyPr/>
+          <a:lstStyle/>
+          <a:p>
+            <a:fld id="{18BDFEC3-8487-43E8-A154-7C12CBC1FFF2}" type="slidenum">
+              <a:rPr lang="en-US"/>
+              <a:t>8</a:t>
+            </a:fld>
+            <a:endParaRPr lang="en-US"/>
+          </a:p>
+        </p:txBody>
+      </p:sp>
+    </p:spTree>
+  </p:cSld>
+</p:notes>
+</file>
+
+<file path=ppt/notesSlides/notesSlide6.xml><?xml version="1.0" encoding="utf-8"?>
+<p:notes xmlns:a="http://schemas.openxmlformats.org/drawingml/2006/main" xmlns:r="http://schemas.openxmlformats.org/officeDocument/2006/relationships" xmlns:p="http://schemas.openxmlformats.org/presentationml/2006/main">
+  <p:cSld>
+    <p:spTree>
+      <p:nvGrpSpPr>
+        <p:cNvPr id="1" name=""/>
+        <p:cNvGrpSpPr/>
+        <p:nvPr/>
+      </p:nvGrpSpPr>
+      <p:grpSpPr>
+        <a:xfrm>
+          <a:off x="0" y="0"/>
+          <a:ext cx="0" cy="0"/>
+          <a:chOff x="0" y="0"/>
+          <a:chExt cx="0" cy="0"/>
+        </a:xfrm>
+      </p:grpSpPr>
+      <p:sp>
+        <p:nvSpPr>
+          <p:cNvPr id="2" name="Slide Image Placeholder 1"/>
+          <p:cNvSpPr>
+            <a:spLocks noGrp="1" noRot="1" noChangeAspect="1"/>
+          </p:cNvSpPr>
+          <p:nvPr>
+            <p:ph type="sldImg"/>
+          </p:nvPr>
+        </p:nvSpPr>
+        <p:spPr/>
+      </p:sp>
+      <p:sp>
+        <p:nvSpPr>
+          <p:cNvPr id="3" name="Notes Placeholder 2"/>
+          <p:cNvSpPr>
+            <a:spLocks noGrp="1"/>
+          </p:cNvSpPr>
+          <p:nvPr>
+            <p:ph type="body" idx="1"/>
+          </p:nvPr>
+        </p:nvSpPr>
+        <p:spPr/>
+        <p:txBody>
+          <a:bodyPr/>
+          <a:lstStyle/>
+          <a:p>
+            <a:pPr lvl="0" marL="0" indent="0">
+              <a:buNone/>
+            </a:pPr>
+            <a:r>
+              <a:rPr/>
+              <a:t>The</a:t>
+            </a:r>
+            <a:r>
+              <a:rPr/>
+              <a:t> </a:t>
+            </a:r>
+            <a:r>
+              <a:rPr/>
+              <a:t>strength</a:t>
+            </a:r>
+            <a:r>
+              <a:rPr/>
+              <a:t> </a:t>
+            </a:r>
+            <a:r>
+              <a:rPr/>
+              <a:t>of</a:t>
+            </a:r>
+            <a:r>
+              <a:rPr/>
+              <a:t> </a:t>
+            </a:r>
+            <a:r>
+              <a:rPr/>
+              <a:t>the</a:t>
+            </a:r>
+            <a:r>
+              <a:rPr/>
+              <a:t> </a:t>
+            </a:r>
+            <a:r>
+              <a:rPr/>
+              <a:t>research</a:t>
+            </a:r>
+            <a:r>
+              <a:rPr/>
+              <a:t> </a:t>
+            </a:r>
+            <a:r>
+              <a:rPr/>
+              <a:t>design</a:t>
+            </a:r>
+            <a:r>
+              <a:rPr/>
+              <a:t> </a:t>
+            </a:r>
+            <a:r>
+              <a:rPr/>
+              <a:t>and</a:t>
+            </a:r>
+            <a:r>
+              <a:rPr/>
+              <a:t> </a:t>
+            </a:r>
+            <a:r>
+              <a:rPr/>
+              <a:t>the</a:t>
+            </a:r>
+            <a:r>
+              <a:rPr/>
+              <a:t> </a:t>
+            </a:r>
+            <a:r>
+              <a:rPr/>
+              <a:t>internal</a:t>
+            </a:r>
+            <a:r>
+              <a:rPr/>
+              <a:t> </a:t>
+            </a:r>
+            <a:r>
+              <a:rPr/>
+              <a:t>validity</a:t>
+            </a:r>
+            <a:r>
+              <a:rPr/>
+              <a:t> </a:t>
+            </a:r>
+            <a:r>
+              <a:rPr/>
+              <a:t>determine</a:t>
+            </a:r>
+            <a:r>
+              <a:rPr/>
+              <a:t> </a:t>
+            </a:r>
+            <a:r>
+              <a:rPr/>
+              <a:t>whether</a:t>
+            </a:r>
+            <a:r>
+              <a:rPr/>
+              <a:t> </a:t>
+            </a:r>
+            <a:r>
+              <a:rPr/>
+              <a:t>you</a:t>
+            </a:r>
+            <a:r>
+              <a:rPr/>
+              <a:t> </a:t>
+            </a:r>
+            <a:r>
+              <a:rPr/>
+              <a:t>can</a:t>
+            </a:r>
+            <a:r>
+              <a:rPr/>
+              <a:t> </a:t>
+            </a:r>
+            <a:r>
+              <a:rPr/>
+              <a:t>claim</a:t>
+            </a:r>
+            <a:r>
+              <a:rPr/>
+              <a:t> </a:t>
+            </a:r>
+            <a:r>
+              <a:rPr/>
+              <a:t>causality.</a:t>
+            </a:r>
+            <a:r>
+              <a:rPr/>
+              <a:t> </a:t>
+            </a:r>
+            <a:r>
+              <a:rPr/>
+              <a:t>Try</a:t>
+            </a:r>
+            <a:r>
+              <a:rPr/>
+              <a:t> </a:t>
+            </a:r>
+            <a:r>
+              <a:rPr/>
+              <a:t>to</a:t>
+            </a:r>
+            <a:r>
+              <a:rPr/>
+              <a:t> </a:t>
+            </a:r>
+            <a:r>
+              <a:rPr/>
+              <a:t>design</a:t>
+            </a:r>
+            <a:r>
+              <a:rPr/>
+              <a:t> </a:t>
+            </a:r>
+            <a:r>
+              <a:rPr/>
+              <a:t>the</a:t>
+            </a:r>
+            <a:r>
+              <a:rPr/>
+              <a:t> </a:t>
+            </a:r>
+            <a:r>
+              <a:rPr/>
+              <a:t>study</a:t>
+            </a:r>
+            <a:r>
+              <a:rPr/>
+              <a:t> </a:t>
+            </a:r>
+            <a:r>
+              <a:rPr/>
+              <a:t>to</a:t>
+            </a:r>
+            <a:r>
+              <a:rPr/>
+              <a:t> </a:t>
+            </a:r>
+            <a:r>
+              <a:rPr/>
+              <a:t>maximize</a:t>
+            </a:r>
+            <a:r>
+              <a:rPr/>
+              <a:t> </a:t>
+            </a:r>
+            <a:r>
+              <a:rPr/>
+              <a:t>internal</a:t>
+            </a:r>
+            <a:r>
+              <a:rPr/>
+              <a:t> </a:t>
+            </a:r>
+            <a:r>
+              <a:rPr/>
+              <a:t>validity.</a:t>
+            </a:r>
+          </a:p>
+        </p:txBody>
+      </p:sp>
+      <p:sp>
+        <p:nvSpPr>
+          <p:cNvPr id="4" name="Slide Number Placeholder 3"/>
+          <p:cNvSpPr>
+            <a:spLocks noGrp="1"/>
+          </p:cNvSpPr>
+          <p:nvPr>
+            <p:ph type="sldNum" sz="quarter" idx="10"/>
+          </p:nvPr>
+        </p:nvSpPr>
+        <p:spPr/>
+        <p:txBody>
+          <a:bodyPr/>
+          <a:lstStyle/>
+          <a:p>
+            <a:fld id="{18BDFEC3-8487-43E8-A154-7C12CBC1FFF2}" type="slidenum">
+              <a:rPr lang="en-US"/>
+              <a:t>9</a:t>
+            </a:fld>
+            <a:endParaRPr lang="en-US"/>
+          </a:p>
+        </p:txBody>
+      </p:sp>
+    </p:spTree>
+  </p:cSld>
+</p:notes>
+</file>
+
+<file path=ppt/notesSlides/notesSlide7.xml><?xml version="1.0" encoding="utf-8"?>
+<p:notes xmlns:a="http://schemas.openxmlformats.org/drawingml/2006/main" xmlns:r="http://schemas.openxmlformats.org/officeDocument/2006/relationships" xmlns:p="http://schemas.openxmlformats.org/presentationml/2006/main">
+  <p:cSld>
+    <p:spTree>
+      <p:nvGrpSpPr>
+        <p:cNvPr id="1" name=""/>
+        <p:cNvGrpSpPr/>
+        <p:nvPr/>
+      </p:nvGrpSpPr>
+      <p:grpSpPr>
+        <a:xfrm>
+          <a:off x="0" y="0"/>
+          <a:ext cx="0" cy="0"/>
+          <a:chOff x="0" y="0"/>
+          <a:chExt cx="0" cy="0"/>
+        </a:xfrm>
+      </p:grpSpPr>
+      <p:sp>
+        <p:nvSpPr>
+          <p:cNvPr id="2" name="Slide Image Placeholder 1"/>
+          <p:cNvSpPr>
+            <a:spLocks noGrp="1" noRot="1" noChangeAspect="1"/>
+          </p:cNvSpPr>
+          <p:nvPr>
+            <p:ph type="sldImg"/>
+          </p:nvPr>
+        </p:nvSpPr>
+        <p:spPr/>
+      </p:sp>
+      <p:sp>
+        <p:nvSpPr>
+          <p:cNvPr id="3" name="Notes Placeholder 2"/>
+          <p:cNvSpPr>
+            <a:spLocks noGrp="1"/>
+          </p:cNvSpPr>
+          <p:nvPr>
+            <p:ph type="body" idx="1"/>
+          </p:nvPr>
+        </p:nvSpPr>
+        <p:spPr/>
+        <p:txBody>
+          <a:bodyPr/>
+          <a:lstStyle/>
+          <a:p>
+            <a:pPr lvl="0" marL="0" indent="0">
+              <a:buNone/>
+            </a:pPr>
+            <a:r>
+              <a:rPr/>
+              <a:t>There</a:t>
+            </a:r>
+            <a:r>
+              <a:rPr/>
+              <a:t> </a:t>
+            </a:r>
+            <a:r>
+              <a:rPr/>
+              <a:t>are</a:t>
+            </a:r>
+            <a:r>
+              <a:rPr/>
+              <a:t> </a:t>
+            </a:r>
+            <a:r>
+              <a:rPr/>
+              <a:t>two</a:t>
+            </a:r>
+            <a:r>
+              <a:rPr/>
+              <a:t> </a:t>
+            </a:r>
+            <a:r>
+              <a:rPr/>
+              <a:t>aspects</a:t>
+            </a:r>
+            <a:r>
+              <a:rPr/>
+              <a:t> </a:t>
+            </a:r>
+            <a:r>
+              <a:rPr/>
+              <a:t>of</a:t>
+            </a:r>
+            <a:r>
+              <a:rPr/>
+              <a:t> </a:t>
+            </a:r>
+            <a:r>
+              <a:rPr/>
+              <a:t>internal</a:t>
+            </a:r>
+            <a:r>
+              <a:rPr/>
+              <a:t> </a:t>
+            </a:r>
+            <a:r>
+              <a:rPr/>
+              <a:t>validity,</a:t>
+            </a:r>
+            <a:r>
+              <a:rPr/>
+              <a:t> </a:t>
+            </a:r>
+            <a:r>
+              <a:rPr/>
+              <a:t>equivalence</a:t>
+            </a:r>
+            <a:r>
+              <a:rPr/>
+              <a:t> </a:t>
+            </a:r>
+            <a:r>
+              <a:rPr/>
+              <a:t>and</a:t>
+            </a:r>
+            <a:r>
+              <a:rPr/>
+              <a:t> </a:t>
+            </a:r>
+            <a:r>
+              <a:rPr/>
+              <a:t>control.</a:t>
+            </a:r>
+          </a:p>
+        </p:txBody>
+      </p:sp>
+      <p:sp>
+        <p:nvSpPr>
+          <p:cNvPr id="4" name="Slide Number Placeholder 3"/>
+          <p:cNvSpPr>
+            <a:spLocks noGrp="1"/>
+          </p:cNvSpPr>
+          <p:nvPr>
+            <p:ph type="sldNum" sz="quarter" idx="10"/>
+          </p:nvPr>
+        </p:nvSpPr>
+        <p:spPr/>
+        <p:txBody>
+          <a:bodyPr/>
+          <a:lstStyle/>
+          <a:p>
+            <a:fld id="{18BDFEC3-8487-43E8-A154-7C12CBC1FFF2}" type="slidenum">
+              <a:rPr lang="en-US"/>
+              <a:t>11</a:t>
+            </a:fld>
+            <a:endParaRPr lang="en-US"/>
+          </a:p>
+        </p:txBody>
+      </p:sp>
+    </p:spTree>
+  </p:cSld>
+</p:notes>
+</file>
+
+<file path=ppt/notesSlides/notesSlide8.xml><?xml version="1.0" encoding="utf-8"?>
+<p:notes xmlns:a="http://schemas.openxmlformats.org/drawingml/2006/main" xmlns:r="http://schemas.openxmlformats.org/officeDocument/2006/relationships" xmlns:p="http://schemas.openxmlformats.org/presentationml/2006/main">
+  <p:cSld>
+    <p:spTree>
+      <p:nvGrpSpPr>
+        <p:cNvPr id="1" name=""/>
+        <p:cNvGrpSpPr/>
+        <p:nvPr/>
+      </p:nvGrpSpPr>
+      <p:grpSpPr>
+        <a:xfrm>
+          <a:off x="0" y="0"/>
+          <a:ext cx="0" cy="0"/>
+          <a:chOff x="0" y="0"/>
+          <a:chExt cx="0" cy="0"/>
+        </a:xfrm>
+      </p:grpSpPr>
+      <p:sp>
+        <p:nvSpPr>
+          <p:cNvPr id="2" name="Slide Image Placeholder 1"/>
+          <p:cNvSpPr>
+            <a:spLocks noGrp="1" noRot="1" noChangeAspect="1"/>
+          </p:cNvSpPr>
+          <p:nvPr>
+            <p:ph type="sldImg"/>
+          </p:nvPr>
+        </p:nvSpPr>
+        <p:spPr/>
+      </p:sp>
+      <p:sp>
+        <p:nvSpPr>
+          <p:cNvPr id="3" name="Notes Placeholder 2"/>
+          <p:cNvSpPr>
+            <a:spLocks noGrp="1"/>
+          </p:cNvSpPr>
+          <p:nvPr>
+            <p:ph type="body" idx="1"/>
+          </p:nvPr>
+        </p:nvSpPr>
+        <p:spPr/>
+        <p:txBody>
+          <a:bodyPr/>
+          <a:lstStyle/>
+          <a:p>
+            <a:pPr lvl="0" marL="0" indent="0">
+              <a:buNone/>
+            </a:pPr>
+            <a:r>
+              <a:rPr/>
+              <a:t>Random</a:t>
+            </a:r>
+            <a:r>
+              <a:rPr/>
+              <a:t> </a:t>
+            </a:r>
+            <a:r>
+              <a:rPr/>
+              <a:t>assignment</a:t>
+            </a:r>
+            <a:r>
+              <a:rPr/>
+              <a:t> </a:t>
+            </a:r>
+            <a:r>
+              <a:rPr/>
+              <a:t>assures</a:t>
+            </a:r>
+            <a:r>
+              <a:rPr/>
+              <a:t> </a:t>
+            </a:r>
+            <a:r>
+              <a:rPr/>
+              <a:t>equivalence</a:t>
+            </a:r>
+            <a:r>
+              <a:rPr/>
+              <a:t> </a:t>
+            </a:r>
+            <a:r>
+              <a:rPr/>
+              <a:t>of</a:t>
+            </a:r>
+            <a:r>
+              <a:rPr/>
+              <a:t> </a:t>
+            </a:r>
+            <a:r>
+              <a:rPr/>
+              <a:t>the</a:t>
+            </a:r>
+            <a:r>
+              <a:rPr/>
+              <a:t> </a:t>
+            </a:r>
+            <a:r>
+              <a:rPr/>
+              <a:t>two</a:t>
+            </a:r>
+            <a:r>
+              <a:rPr/>
+              <a:t> </a:t>
+            </a:r>
+            <a:r>
+              <a:rPr/>
+              <a:t>groups</a:t>
+            </a:r>
+            <a:r>
+              <a:rPr/>
+              <a:t> </a:t>
+            </a:r>
+            <a:r>
+              <a:rPr/>
+              <a:t>on</a:t>
+            </a:r>
+            <a:r>
+              <a:rPr/>
+              <a:t> </a:t>
+            </a:r>
+            <a:r>
+              <a:rPr/>
+              <a:t>average.</a:t>
+            </a:r>
+            <a:r>
+              <a:rPr/>
+              <a:t> </a:t>
+            </a:r>
+            <a:r>
+              <a:rPr/>
+              <a:t>A</a:t>
+            </a:r>
+            <a:r>
+              <a:rPr/>
+              <a:t> </a:t>
+            </a:r>
+            <a:r>
+              <a:rPr/>
+              <a:t>rule</a:t>
+            </a:r>
+            <a:r>
+              <a:rPr/>
+              <a:t> </a:t>
+            </a:r>
+            <a:r>
+              <a:rPr/>
+              <a:t>of</a:t>
+            </a:r>
+            <a:r>
+              <a:rPr/>
+              <a:t> </a:t>
+            </a:r>
+            <a:r>
+              <a:rPr/>
+              <a:t>thumb</a:t>
+            </a:r>
+            <a:r>
+              <a:rPr/>
+              <a:t> </a:t>
+            </a:r>
+            <a:r>
+              <a:rPr/>
+              <a:t>is</a:t>
+            </a:r>
+            <a:r>
+              <a:rPr/>
+              <a:t> </a:t>
+            </a:r>
+            <a:r>
+              <a:rPr/>
+              <a:t>30</a:t>
+            </a:r>
+            <a:r>
+              <a:rPr/>
+              <a:t> </a:t>
+            </a:r>
+            <a:r>
+              <a:rPr/>
+              <a:t>people</a:t>
+            </a:r>
+            <a:r>
+              <a:rPr/>
+              <a:t> </a:t>
+            </a:r>
+            <a:r>
+              <a:rPr/>
+              <a:t>assigned</a:t>
+            </a:r>
+            <a:r>
+              <a:rPr/>
+              <a:t> </a:t>
+            </a:r>
+            <a:r>
+              <a:rPr/>
+              <a:t>to</a:t>
+            </a:r>
+            <a:r>
+              <a:rPr/>
+              <a:t> </a:t>
+            </a:r>
+            <a:r>
+              <a:rPr/>
+              <a:t>each</a:t>
+            </a:r>
+            <a:r>
+              <a:rPr/>
+              <a:t> </a:t>
+            </a:r>
+            <a:r>
+              <a:rPr/>
+              <a:t>group</a:t>
+            </a:r>
+            <a:r>
+              <a:rPr/>
+              <a:t> </a:t>
+            </a:r>
+            <a:r>
+              <a:rPr/>
+              <a:t>should</a:t>
+            </a:r>
+            <a:r>
+              <a:rPr/>
+              <a:t> </a:t>
+            </a:r>
+            <a:r>
+              <a:rPr/>
+              <a:t>give</a:t>
+            </a:r>
+            <a:r>
+              <a:rPr/>
+              <a:t> </a:t>
+            </a:r>
+            <a:r>
+              <a:rPr/>
+              <a:t>you</a:t>
+            </a:r>
+            <a:r>
+              <a:rPr/>
+              <a:t> </a:t>
+            </a:r>
+            <a:r>
+              <a:rPr/>
+              <a:t>confidence</a:t>
+            </a:r>
+            <a:r>
+              <a:rPr/>
+              <a:t> </a:t>
+            </a:r>
+            <a:r>
+              <a:rPr/>
+              <a:t>that</a:t>
+            </a:r>
+            <a:r>
+              <a:rPr/>
+              <a:t> </a:t>
+            </a:r>
+            <a:r>
+              <a:rPr/>
+              <a:t>random</a:t>
+            </a:r>
+            <a:r>
+              <a:rPr/>
+              <a:t> </a:t>
+            </a:r>
+            <a:r>
+              <a:rPr/>
+              <a:t>assignment</a:t>
+            </a:r>
+            <a:r>
+              <a:rPr/>
+              <a:t> </a:t>
+            </a:r>
+            <a:r>
+              <a:rPr/>
+              <a:t>will</a:t>
+            </a:r>
+            <a:r>
+              <a:rPr/>
+              <a:t> </a:t>
+            </a:r>
+            <a:r>
+              <a:rPr/>
+              <a:t>assure</a:t>
+            </a:r>
+            <a:r>
+              <a:rPr/>
+              <a:t> </a:t>
+            </a:r>
+            <a:r>
+              <a:rPr/>
+              <a:t>equivalence.</a:t>
+            </a:r>
+            <a:r>
+              <a:rPr/>
+              <a:t> </a:t>
+            </a:r>
+            <a:r>
+              <a:rPr/>
+              <a:t>If</a:t>
+            </a:r>
+            <a:r>
+              <a:rPr/>
+              <a:t> </a:t>
+            </a:r>
+            <a:r>
+              <a:rPr/>
+              <a:t>you</a:t>
+            </a:r>
+            <a:r>
+              <a:rPr/>
+              <a:t> </a:t>
+            </a:r>
+            <a:r>
+              <a:rPr/>
+              <a:t>are</a:t>
+            </a:r>
+            <a:r>
+              <a:rPr/>
+              <a:t> </a:t>
+            </a:r>
+            <a:r>
+              <a:rPr/>
+              <a:t>using</a:t>
+            </a:r>
+            <a:r>
+              <a:rPr/>
+              <a:t> </a:t>
+            </a:r>
+            <a:r>
+              <a:rPr/>
+              <a:t>random</a:t>
+            </a:r>
+            <a:r>
+              <a:rPr/>
+              <a:t> </a:t>
+            </a:r>
+            <a:r>
+              <a:rPr/>
+              <a:t>assignment,</a:t>
+            </a:r>
+            <a:r>
+              <a:rPr/>
+              <a:t> </a:t>
+            </a:r>
+            <a:r>
+              <a:rPr/>
+              <a:t>you</a:t>
+            </a:r>
+            <a:r>
+              <a:rPr/>
+              <a:t> </a:t>
+            </a:r>
+            <a:r>
+              <a:rPr/>
+              <a:t>should</a:t>
+            </a:r>
+            <a:r>
+              <a:rPr/>
+              <a:t> </a:t>
+            </a:r>
+            <a:r>
+              <a:rPr/>
+              <a:t>not</a:t>
+            </a:r>
+            <a:r>
+              <a:rPr/>
+              <a:t> </a:t>
+            </a:r>
+            <a:r>
+              <a:rPr/>
+              <a:t>need</a:t>
+            </a:r>
+            <a:r>
+              <a:rPr/>
+              <a:t> </a:t>
+            </a:r>
+            <a:r>
+              <a:rPr/>
+              <a:t>to</a:t>
+            </a:r>
+            <a:r>
+              <a:rPr/>
+              <a:t> </a:t>
+            </a:r>
+            <a:r>
+              <a:rPr/>
+              <a:t>test</a:t>
+            </a:r>
+            <a:r>
+              <a:rPr/>
+              <a:t> </a:t>
+            </a:r>
+            <a:r>
+              <a:rPr/>
+              <a:t>for</a:t>
+            </a:r>
+            <a:r>
+              <a:rPr/>
+              <a:t> </a:t>
+            </a:r>
+            <a:r>
+              <a:rPr/>
+              <a:t>baseline</a:t>
+            </a:r>
+            <a:r>
+              <a:rPr/>
+              <a:t> </a:t>
+            </a:r>
+            <a:r>
+              <a:rPr/>
+              <a:t>equivalence.</a:t>
+            </a:r>
+            <a:r>
+              <a:rPr/>
+              <a:t> </a:t>
+            </a:r>
+            <a:r>
+              <a:rPr/>
+              <a:t>We</a:t>
+            </a:r>
+            <a:r>
+              <a:rPr/>
+              <a:t> </a:t>
+            </a:r>
+            <a:r>
+              <a:rPr/>
+              <a:t>feel</a:t>
+            </a:r>
+            <a:r>
+              <a:rPr/>
+              <a:t> </a:t>
+            </a:r>
+            <a:r>
+              <a:rPr/>
+              <a:t>that</a:t>
+            </a:r>
+            <a:r>
+              <a:rPr/>
+              <a:t> </a:t>
+            </a:r>
+            <a:r>
+              <a:rPr/>
+              <a:t>random</a:t>
+            </a:r>
+            <a:r>
+              <a:rPr/>
+              <a:t> </a:t>
+            </a:r>
+            <a:r>
+              <a:rPr/>
+              <a:t>assignment</a:t>
+            </a:r>
+            <a:r>
+              <a:rPr/>
+              <a:t> </a:t>
+            </a:r>
+            <a:r>
+              <a:rPr/>
+              <a:t>is</a:t>
+            </a:r>
+            <a:r>
+              <a:rPr/>
+              <a:t> </a:t>
+            </a:r>
+            <a:r>
+              <a:rPr/>
+              <a:t>the</a:t>
+            </a:r>
+            <a:r>
+              <a:rPr/>
+              <a:t> </a:t>
+            </a:r>
+            <a:r>
+              <a:rPr/>
+              <a:t>best</a:t>
+            </a:r>
+            <a:r>
+              <a:rPr/>
+              <a:t> </a:t>
+            </a:r>
+            <a:r>
+              <a:rPr/>
+              <a:t>way</a:t>
+            </a:r>
+            <a:r>
+              <a:rPr/>
+              <a:t> </a:t>
+            </a:r>
+            <a:r>
+              <a:rPr/>
+              <a:t>to</a:t>
+            </a:r>
+            <a:r>
+              <a:rPr/>
+              <a:t> </a:t>
+            </a:r>
+            <a:r>
+              <a:rPr/>
+              <a:t>achieve</a:t>
+            </a:r>
+            <a:r>
+              <a:rPr/>
+              <a:t> </a:t>
+            </a:r>
+            <a:r>
+              <a:rPr/>
+              <a:t>equivalence.</a:t>
+            </a:r>
+          </a:p>
+          <a:p>
+            <a:pPr lvl="0" marL="0" indent="0">
+              <a:buNone/>
+            </a:pPr>
+          </a:p>
+          <a:p>
+            <a:pPr lvl="0" marL="0" indent="0">
+              <a:buNone/>
+            </a:pPr>
+            <a:r>
+              <a:rPr/>
+              <a:t>In</a:t>
+            </a:r>
+            <a:r>
+              <a:rPr/>
+              <a:t> </a:t>
+            </a:r>
+            <a:r>
+              <a:rPr/>
+              <a:t>quasi-experimental</a:t>
+            </a:r>
+            <a:r>
+              <a:rPr/>
+              <a:t> </a:t>
+            </a:r>
+            <a:r>
+              <a:rPr/>
+              <a:t>design,</a:t>
+            </a:r>
+            <a:r>
+              <a:rPr/>
+              <a:t> </a:t>
+            </a:r>
+            <a:r>
+              <a:rPr/>
+              <a:t>you</a:t>
+            </a:r>
+            <a:r>
+              <a:rPr/>
+              <a:t> </a:t>
+            </a:r>
+            <a:r>
+              <a:rPr/>
+              <a:t>don’t</a:t>
+            </a:r>
+            <a:r>
+              <a:rPr/>
+              <a:t> </a:t>
+            </a:r>
+            <a:r>
+              <a:rPr/>
+              <a:t>have</a:t>
+            </a:r>
+            <a:r>
+              <a:rPr/>
+              <a:t> </a:t>
+            </a:r>
+            <a:r>
+              <a:rPr/>
+              <a:t>random</a:t>
+            </a:r>
+            <a:r>
+              <a:rPr/>
+              <a:t> </a:t>
+            </a:r>
+            <a:r>
+              <a:rPr/>
+              <a:t>assignment,</a:t>
+            </a:r>
+            <a:r>
+              <a:rPr/>
+              <a:t> </a:t>
+            </a:r>
+            <a:r>
+              <a:rPr/>
+              <a:t>but</a:t>
+            </a:r>
+            <a:r>
+              <a:rPr/>
+              <a:t> </a:t>
+            </a:r>
+            <a:r>
+              <a:rPr/>
+              <a:t>you</a:t>
+            </a:r>
+            <a:r>
+              <a:rPr/>
+              <a:t> </a:t>
+            </a:r>
+            <a:r>
+              <a:rPr/>
+              <a:t>can</a:t>
+            </a:r>
+            <a:r>
+              <a:rPr/>
+              <a:t> </a:t>
+            </a:r>
+            <a:r>
+              <a:rPr/>
+              <a:t>randomly</a:t>
+            </a:r>
+            <a:r>
+              <a:rPr/>
+              <a:t> </a:t>
+            </a:r>
+            <a:r>
+              <a:rPr/>
+              <a:t>assign</a:t>
+            </a:r>
+            <a:r>
+              <a:rPr/>
+              <a:t> </a:t>
+            </a:r>
+            <a:r>
+              <a:rPr/>
+              <a:t>between</a:t>
+            </a:r>
+            <a:r>
+              <a:rPr/>
+              <a:t> </a:t>
+            </a:r>
+            <a:r>
+              <a:rPr/>
+              <a:t>the</a:t>
+            </a:r>
+            <a:r>
+              <a:rPr/>
+              <a:t> </a:t>
+            </a:r>
+            <a:r>
+              <a:rPr/>
+              <a:t>two</a:t>
+            </a:r>
+            <a:r>
+              <a:rPr/>
+              <a:t> </a:t>
+            </a:r>
+            <a:r>
+              <a:rPr/>
+              <a:t>groups.</a:t>
+            </a:r>
+            <a:r>
+              <a:rPr/>
+              <a:t> </a:t>
+            </a:r>
+            <a:r>
+              <a:rPr/>
+              <a:t>You</a:t>
+            </a:r>
+            <a:r>
+              <a:rPr/>
+              <a:t> </a:t>
+            </a:r>
+            <a:r>
+              <a:rPr/>
+              <a:t>can</a:t>
+            </a:r>
+            <a:r>
+              <a:rPr/>
+              <a:t> </a:t>
+            </a:r>
+            <a:r>
+              <a:rPr/>
+              <a:t>also</a:t>
+            </a:r>
+            <a:r>
+              <a:rPr/>
+              <a:t> </a:t>
+            </a:r>
+            <a:r>
+              <a:rPr/>
+              <a:t>use</a:t>
+            </a:r>
+            <a:r>
+              <a:rPr/>
+              <a:t> </a:t>
+            </a:r>
+            <a:r>
+              <a:rPr/>
+              <a:t>matching</a:t>
+            </a:r>
+            <a:r>
+              <a:rPr/>
+              <a:t> </a:t>
+            </a:r>
+            <a:r>
+              <a:rPr/>
+              <a:t>to</a:t>
+            </a:r>
+            <a:r>
+              <a:rPr/>
+              <a:t> </a:t>
+            </a:r>
+            <a:r>
+              <a:rPr/>
+              <a:t>achieve</a:t>
+            </a:r>
+            <a:r>
+              <a:rPr/>
+              <a:t> </a:t>
+            </a:r>
+            <a:r>
+              <a:rPr/>
+              <a:t>equivalence.</a:t>
+            </a:r>
+            <a:r>
+              <a:rPr/>
+              <a:t> </a:t>
+            </a:r>
+            <a:r>
+              <a:rPr/>
+              <a:t>Finally,</a:t>
+            </a:r>
+            <a:r>
+              <a:rPr/>
+              <a:t> </a:t>
+            </a:r>
+            <a:r>
+              <a:rPr/>
+              <a:t>you</a:t>
+            </a:r>
+            <a:r>
+              <a:rPr/>
+              <a:t> </a:t>
+            </a:r>
+            <a:r>
+              <a:rPr/>
+              <a:t>can</a:t>
+            </a:r>
+            <a:r>
+              <a:rPr/>
+              <a:t> </a:t>
+            </a:r>
+            <a:r>
+              <a:rPr/>
+              <a:t>check</a:t>
+            </a:r>
+            <a:r>
+              <a:rPr/>
+              <a:t> </a:t>
+            </a:r>
+            <a:r>
+              <a:rPr/>
+              <a:t>baseline</a:t>
+            </a:r>
+            <a:r>
+              <a:rPr/>
+              <a:t> </a:t>
+            </a:r>
+            <a:r>
+              <a:rPr/>
+              <a:t>scores</a:t>
+            </a:r>
+            <a:r>
+              <a:rPr/>
+              <a:t> </a:t>
+            </a:r>
+            <a:r>
+              <a:rPr/>
+              <a:t>for</a:t>
+            </a:r>
+            <a:r>
+              <a:rPr/>
+              <a:t> </a:t>
+            </a:r>
+            <a:r>
+              <a:rPr/>
+              <a:t>equivalence.</a:t>
+            </a:r>
+          </a:p>
+        </p:txBody>
+      </p:sp>
+      <p:sp>
+        <p:nvSpPr>
+          <p:cNvPr id="4" name="Slide Number Placeholder 3"/>
+          <p:cNvSpPr>
+            <a:spLocks noGrp="1"/>
+          </p:cNvSpPr>
+          <p:nvPr>
+            <p:ph type="sldNum" sz="quarter" idx="10"/>
+          </p:nvPr>
+        </p:nvSpPr>
+        <p:spPr/>
+        <p:txBody>
+          <a:bodyPr/>
+          <a:lstStyle/>
+          <a:p>
+            <a:fld id="{18BDFEC3-8487-43E8-A154-7C12CBC1FFF2}" type="slidenum">
+              <a:rPr lang="en-US"/>
+              <a:t>12</a:t>
+            </a:fld>
+            <a:endParaRPr lang="en-US"/>
+          </a:p>
+        </p:txBody>
+      </p:sp>
+    </p:spTree>
+  </p:cSld>
+</p:notes>
+</file>
+
+<file path=ppt/notesSlides/notesSlide9.xml><?xml version="1.0" encoding="utf-8"?>
+<p:notes xmlns:a="http://schemas.openxmlformats.org/drawingml/2006/main" xmlns:r="http://schemas.openxmlformats.org/officeDocument/2006/relationships" xmlns:p="http://schemas.openxmlformats.org/presentationml/2006/main">
+  <p:cSld>
+    <p:spTree>
+      <p:nvGrpSpPr>
+        <p:cNvPr id="1" name=""/>
+        <p:cNvGrpSpPr/>
+        <p:nvPr/>
+      </p:nvGrpSpPr>
+      <p:grpSpPr>
+        <a:xfrm>
+          <a:off x="0" y="0"/>
+          <a:ext cx="0" cy="0"/>
+          <a:chOff x="0" y="0"/>
+          <a:chExt cx="0" cy="0"/>
+        </a:xfrm>
+      </p:grpSpPr>
+      <p:sp>
+        <p:nvSpPr>
+          <p:cNvPr id="2" name="Slide Image Placeholder 1"/>
+          <p:cNvSpPr>
+            <a:spLocks noGrp="1" noRot="1" noChangeAspect="1"/>
+          </p:cNvSpPr>
+          <p:nvPr>
+            <p:ph type="sldImg"/>
+          </p:nvPr>
+        </p:nvSpPr>
+        <p:spPr/>
+      </p:sp>
+      <p:sp>
+        <p:nvSpPr>
+          <p:cNvPr id="3" name="Notes Placeholder 2"/>
+          <p:cNvSpPr>
+            <a:spLocks noGrp="1"/>
+          </p:cNvSpPr>
+          <p:nvPr>
+            <p:ph type="body" idx="1"/>
+          </p:nvPr>
+        </p:nvSpPr>
+        <p:spPr/>
+        <p:txBody>
+          <a:bodyPr/>
+          <a:lstStyle/>
+          <a:p>
+            <a:pPr lvl="0" marL="0" indent="0">
+              <a:buNone/>
+            </a:pPr>
+            <a:r>
+              <a:rPr/>
+              <a:t>Since</a:t>
+            </a:r>
+            <a:r>
+              <a:rPr/>
+              <a:t> </a:t>
+            </a:r>
+            <a:r>
+              <a:rPr/>
+              <a:t>non-randomized</a:t>
+            </a:r>
+            <a:r>
+              <a:rPr/>
+              <a:t> </a:t>
+            </a:r>
+            <a:r>
+              <a:rPr/>
+              <a:t>trials</a:t>
+            </a:r>
+            <a:r>
+              <a:rPr/>
+              <a:t> </a:t>
+            </a:r>
+            <a:r>
+              <a:rPr/>
+              <a:t>have</a:t>
+            </a:r>
+            <a:r>
+              <a:rPr/>
+              <a:t> </a:t>
+            </a:r>
+            <a:r>
+              <a:rPr/>
+              <a:t>an</a:t>
+            </a:r>
+            <a:r>
+              <a:rPr/>
+              <a:t> </a:t>
+            </a:r>
+            <a:r>
+              <a:rPr/>
+              <a:t>attribute</a:t>
+            </a:r>
+            <a:r>
+              <a:rPr/>
+              <a:t> </a:t>
+            </a:r>
+            <a:r>
+              <a:rPr/>
+              <a:t>variable,</a:t>
+            </a:r>
+            <a:r>
+              <a:rPr/>
+              <a:t> </a:t>
+            </a:r>
+            <a:r>
+              <a:rPr/>
+              <a:t>you</a:t>
+            </a:r>
+            <a:r>
+              <a:rPr/>
+              <a:t> </a:t>
+            </a:r>
+            <a:r>
+              <a:rPr/>
+              <a:t>need</a:t>
+            </a:r>
+            <a:r>
+              <a:rPr/>
+              <a:t> </a:t>
+            </a:r>
+            <a:r>
+              <a:rPr/>
+              <a:t>to</a:t>
+            </a:r>
+            <a:r>
+              <a:rPr/>
+              <a:t> </a:t>
+            </a:r>
+            <a:r>
+              <a:rPr/>
+              <a:t>rely</a:t>
+            </a:r>
+            <a:r>
+              <a:rPr/>
+              <a:t> </a:t>
+            </a:r>
+            <a:r>
+              <a:rPr/>
+              <a:t>on</a:t>
+            </a:r>
+            <a:r>
+              <a:rPr/>
+              <a:t> </a:t>
+            </a:r>
+            <a:r>
+              <a:rPr/>
+              <a:t>statistical</a:t>
+            </a:r>
+            <a:r>
+              <a:rPr/>
+              <a:t> </a:t>
+            </a:r>
+            <a:r>
+              <a:rPr/>
+              <a:t>adjustment</a:t>
+            </a:r>
+            <a:r>
+              <a:rPr/>
+              <a:t> </a:t>
+            </a:r>
+            <a:r>
+              <a:rPr/>
+              <a:t>or</a:t>
+            </a:r>
+            <a:r>
+              <a:rPr/>
+              <a:t> </a:t>
+            </a:r>
+            <a:r>
+              <a:rPr/>
+              <a:t>matching.</a:t>
+            </a:r>
+            <a:r>
+              <a:rPr/>
+              <a:t> </a:t>
+            </a:r>
+            <a:r>
+              <a:rPr/>
+              <a:t>You</a:t>
+            </a:r>
+            <a:r>
+              <a:rPr/>
+              <a:t> </a:t>
+            </a:r>
+            <a:r>
+              <a:rPr/>
+              <a:t>can</a:t>
+            </a:r>
+            <a:r>
+              <a:rPr/>
+              <a:t> </a:t>
+            </a:r>
+            <a:r>
+              <a:rPr/>
+              <a:t>also</a:t>
+            </a:r>
+            <a:r>
+              <a:rPr/>
+              <a:t> </a:t>
+            </a:r>
+            <a:r>
+              <a:rPr/>
+              <a:t>check</a:t>
+            </a:r>
+            <a:r>
+              <a:rPr/>
+              <a:t> </a:t>
+            </a:r>
+            <a:r>
+              <a:rPr/>
+              <a:t>after</a:t>
+            </a:r>
+            <a:r>
+              <a:rPr/>
+              <a:t> </a:t>
+            </a:r>
+            <a:r>
+              <a:rPr/>
+              <a:t>the</a:t>
+            </a:r>
+            <a:r>
+              <a:rPr/>
+              <a:t> </a:t>
+            </a:r>
+            <a:r>
+              <a:rPr/>
+              <a:t>study</a:t>
+            </a:r>
+            <a:r>
+              <a:rPr/>
+              <a:t> </a:t>
+            </a:r>
+            <a:r>
+              <a:rPr/>
+              <a:t>for</a:t>
+            </a:r>
+            <a:r>
+              <a:rPr/>
+              <a:t> </a:t>
+            </a:r>
+            <a:r>
+              <a:rPr/>
+              <a:t>comparability.</a:t>
+            </a:r>
+          </a:p>
+        </p:txBody>
+      </p:sp>
+      <p:sp>
+        <p:nvSpPr>
+          <p:cNvPr id="4" name="Slide Number Placeholder 3"/>
+          <p:cNvSpPr>
+            <a:spLocks noGrp="1"/>
+          </p:cNvSpPr>
+          <p:nvPr>
+            <p:ph type="sldNum" sz="quarter" idx="10"/>
+          </p:nvPr>
+        </p:nvSpPr>
+        <p:spPr/>
+        <p:txBody>
+          <a:bodyPr/>
+          <a:lstStyle/>
+          <a:p>
+            <a:fld id="{18BDFEC3-8487-43E8-A154-7C12CBC1FFF2}" type="slidenum">
+              <a:rPr lang="en-US"/>
+              <a:t>13</a:t>
+            </a:fld>
+            <a:endParaRPr lang="en-US"/>
+          </a:p>
+        </p:txBody>
+      </p:sp>
+    </p:spTree>
+  </p:cSld>
+</p:notes>
 </file>
 
 <file path=ppt/slideLayouts/slideLayout1.xml><?xml version="1.0" encoding="utf-8"?>
@@ -4073,7 +12089,7 @@
           <p:nvPr/>
         </p:nvPicPr>
         <p:blipFill>
-          <a:blip r:embed="rId2"/>
+          <a:blip r:embed="rId3"/>
           <a:stretch>
             <a:fillRect/>
           </a:stretch>
@@ -4244,7 +12260,7 @@
           <p:nvPr/>
         </p:nvPicPr>
         <p:blipFill>
-          <a:blip r:embed="rId2"/>
+          <a:blip r:embed="rId3"/>
           <a:stretch>
             <a:fillRect/>
           </a:stretch>
@@ -4792,7 +12808,7 @@
           <p:nvPr/>
         </p:nvPicPr>
         <p:blipFill>
-          <a:blip r:embed="rId2"/>
+          <a:blip r:embed="rId3"/>
           <a:stretch>
             <a:fillRect/>
           </a:stretch>
@@ -4869,7 +12885,7 @@
           <p:nvPr/>
         </p:nvPicPr>
         <p:blipFill>
-          <a:blip r:embed="rId2"/>
+          <a:blip r:embed="rId3"/>
           <a:stretch>
             <a:fillRect/>
           </a:stretch>
@@ -5122,7 +13138,7 @@
           <p:nvPr/>
         </p:nvPicPr>
         <p:blipFill>
-          <a:blip r:embed="rId2"/>
+          <a:blip r:embed="rId3"/>
           <a:stretch>
             <a:fillRect/>
           </a:stretch>
@@ -6458,7 +14474,7 @@
           <p:nvPr/>
         </p:nvPicPr>
         <p:blipFill>
-          <a:blip r:embed="rId2"/>
+          <a:blip r:embed="rId3"/>
           <a:stretch>
             <a:fillRect/>
           </a:stretch>
@@ -7343,4 +15359,265 @@
   </a:objectDefaults>
   <a:extraClrSchemeLst/>
 </a:theme>
+</file>
+
+<file path=ppt/theme/theme2.xml><?xml version="1.0" encoding="utf-8"?>
+<a:theme xmlns:a="http://schemas.openxmlformats.org/drawingml/2006/main" name="Office Theme">
+  <a:themeElements>
+    <a:clrScheme name="Office">
+      <a:dk1>
+        <a:sysClr val="windowText" lastClr="000000"/>
+      </a:dk1>
+      <a:lt1>
+        <a:sysClr val="window" lastClr="FFFFFF"/>
+      </a:lt1>
+      <a:dk2>
+        <a:srgbClr val="44546A"/>
+      </a:dk2>
+      <a:lt2>
+        <a:srgbClr val="E7E6E6"/>
+      </a:lt2>
+      <a:accent1>
+        <a:srgbClr val="5B9BD5"/>
+      </a:accent1>
+      <a:accent2>
+        <a:srgbClr val="ED7D31"/>
+      </a:accent2>
+      <a:accent3>
+        <a:srgbClr val="A5A5A5"/>
+      </a:accent3>
+      <a:accent4>
+        <a:srgbClr val="FFC000"/>
+      </a:accent4>
+      <a:accent5>
+        <a:srgbClr val="4472C4"/>
+      </a:accent5>
+      <a:accent6>
+        <a:srgbClr val="70AD47"/>
+      </a:accent6>
+      <a:hlink>
+        <a:srgbClr val="0563C1"/>
+      </a:hlink>
+      <a:folHlink>
+        <a:srgbClr val="954F72"/>
+      </a:folHlink>
+    </a:clrScheme>
+    <a:fontScheme name="Office">
+      <a:majorFont>
+        <a:latin typeface="Calibri Light" panose="020F0302020204030204"/>
+        <a:ea typeface=""/>
+        <a:cs typeface=""/>
+        <a:font script="Jpan" typeface="ＭＳ Ｐゴシック"/>
+        <a:font script="Hang" typeface="맑은 고딕"/>
+        <a:font script="Hans" typeface="宋体"/>
+        <a:font script="Hant" typeface="新細明體"/>
+        <a:font script="Arab" typeface="Times New Roman"/>
+        <a:font script="Hebr" typeface="Times New Roman"/>
+        <a:font script="Thai" typeface="Angsana New"/>
+        <a:font script="Ethi" typeface="Nyala"/>
+        <a:font script="Beng" typeface="Vrinda"/>
+        <a:font script="Gujr" typeface="Shruti"/>
+        <a:font script="Khmr" typeface="MoolBoran"/>
+        <a:font script="Knda" typeface="Tunga"/>
+        <a:font script="Guru" typeface="Raavi"/>
+        <a:font script="Cans" typeface="Euphemia"/>
+        <a:font script="Cher" typeface="Plantagenet Cherokee"/>
+        <a:font script="Yiii" typeface="Microsoft Yi Baiti"/>
+        <a:font script="Tibt" typeface="Microsoft Himalaya"/>
+        <a:font script="Thaa" typeface="MV Boli"/>
+        <a:font script="Deva" typeface="Mangal"/>
+        <a:font script="Telu" typeface="Gautami"/>
+        <a:font script="Taml" typeface="Latha"/>
+        <a:font script="Syrc" typeface="Estrangelo Edessa"/>
+        <a:font script="Orya" typeface="Kalinga"/>
+        <a:font script="Mlym" typeface="Kartika"/>
+        <a:font script="Laoo" typeface="DokChampa"/>
+        <a:font script="Sinh" typeface="Iskoola Pota"/>
+        <a:font script="Mong" typeface="Mongolian Baiti"/>
+        <a:font script="Viet" typeface="Times New Roman"/>
+        <a:font script="Uigh" typeface="Microsoft Uighur"/>
+        <a:font script="Geor" typeface="Sylfaen"/>
+      </a:majorFont>
+      <a:minorFont>
+        <a:latin typeface="Calibri" panose="020F0502020204030204"/>
+        <a:ea typeface=""/>
+        <a:cs typeface=""/>
+        <a:font script="Jpan" typeface="ＭＳ Ｐゴシック"/>
+        <a:font script="Hang" typeface="맑은 고딕"/>
+        <a:font script="Hans" typeface="宋体"/>
+        <a:font script="Hant" typeface="新細明體"/>
+        <a:font script="Arab" typeface="Arial"/>
+        <a:font script="Hebr" typeface="Arial"/>
+        <a:font script="Thai" typeface="Cordia New"/>
+        <a:font script="Ethi" typeface="Nyala"/>
+        <a:font script="Beng" typeface="Vrinda"/>
+        <a:font script="Gujr" typeface="Shruti"/>
+        <a:font script="Khmr" typeface="DaunPenh"/>
+        <a:font script="Knda" typeface="Tunga"/>
+        <a:font script="Guru" typeface="Raavi"/>
+        <a:font script="Cans" typeface="Euphemia"/>
+        <a:font script="Cher" typeface="Plantagenet Cherokee"/>
+        <a:font script="Yiii" typeface="Microsoft Yi Baiti"/>
+        <a:font script="Tibt" typeface="Microsoft Himalaya"/>
+        <a:font script="Thaa" typeface="MV Boli"/>
+        <a:font script="Deva" typeface="Mangal"/>
+        <a:font script="Telu" typeface="Gautami"/>
+        <a:font script="Taml" typeface="Latha"/>
+        <a:font script="Syrc" typeface="Estrangelo Edessa"/>
+        <a:font script="Orya" typeface="Kalinga"/>
+        <a:font script="Mlym" typeface="Kartika"/>
+        <a:font script="Laoo" typeface="DokChampa"/>
+        <a:font script="Sinh" typeface="Iskoola Pota"/>
+        <a:font script="Mong" typeface="Mongolian Baiti"/>
+        <a:font script="Viet" typeface="Arial"/>
+        <a:font script="Uigh" typeface="Microsoft Uighur"/>
+        <a:font script="Geor" typeface="Sylfaen"/>
+      </a:minorFont>
+    </a:fontScheme>
+    <a:fmtScheme name="Office">
+      <a:fillStyleLst>
+        <a:solidFill>
+          <a:schemeClr val="phClr"/>
+        </a:solidFill>
+        <a:gradFill rotWithShape="1">
+          <a:gsLst>
+            <a:gs pos="0">
+              <a:schemeClr val="phClr">
+                <a:lumMod val="110000"/>
+                <a:satMod val="105000"/>
+                <a:tint val="67000"/>
+              </a:schemeClr>
+            </a:gs>
+            <a:gs pos="50000">
+              <a:schemeClr val="phClr">
+                <a:lumMod val="105000"/>
+                <a:satMod val="103000"/>
+                <a:tint val="73000"/>
+              </a:schemeClr>
+            </a:gs>
+            <a:gs pos="100000">
+              <a:schemeClr val="phClr">
+                <a:lumMod val="105000"/>
+                <a:satMod val="109000"/>
+                <a:tint val="81000"/>
+              </a:schemeClr>
+            </a:gs>
+          </a:gsLst>
+          <a:lin ang="5400000" scaled="0"/>
+        </a:gradFill>
+        <a:gradFill rotWithShape="1">
+          <a:gsLst>
+            <a:gs pos="0">
+              <a:schemeClr val="phClr">
+                <a:satMod val="103000"/>
+                <a:lumMod val="102000"/>
+                <a:tint val="94000"/>
+              </a:schemeClr>
+            </a:gs>
+            <a:gs pos="50000">
+              <a:schemeClr val="phClr">
+                <a:satMod val="110000"/>
+                <a:lumMod val="100000"/>
+                <a:shade val="100000"/>
+              </a:schemeClr>
+            </a:gs>
+            <a:gs pos="100000">
+              <a:schemeClr val="phClr">
+                <a:lumMod val="99000"/>
+                <a:satMod val="120000"/>
+                <a:shade val="78000"/>
+              </a:schemeClr>
+            </a:gs>
+          </a:gsLst>
+          <a:lin ang="5400000" scaled="0"/>
+        </a:gradFill>
+      </a:fillStyleLst>
+      <a:lnStyleLst>
+        <a:ln w="6350" cap="flat" cmpd="sng" algn="ctr">
+          <a:solidFill>
+            <a:schemeClr val="phClr"/>
+          </a:solidFill>
+          <a:prstDash val="solid"/>
+          <a:miter lim="800000"/>
+        </a:ln>
+        <a:ln w="12700" cap="flat" cmpd="sng" algn="ctr">
+          <a:solidFill>
+            <a:schemeClr val="phClr"/>
+          </a:solidFill>
+          <a:prstDash val="solid"/>
+          <a:miter lim="800000"/>
+        </a:ln>
+        <a:ln w="19050" cap="flat" cmpd="sng" algn="ctr">
+          <a:solidFill>
+            <a:schemeClr val="phClr"/>
+          </a:solidFill>
+          <a:prstDash val="solid"/>
+          <a:miter lim="800000"/>
+        </a:ln>
+      </a:lnStyleLst>
+      <a:effectStyleLst>
+        <a:effectStyle>
+          <a:effectLst/>
+        </a:effectStyle>
+        <a:effectStyle>
+          <a:effectLst/>
+        </a:effectStyle>
+        <a:effectStyle>
+          <a:effectLst>
+            <a:outerShdw blurRad="57150" dist="19050" dir="5400000" algn="ctr" rotWithShape="0">
+              <a:srgbClr val="000000">
+                <a:alpha val="63000"/>
+              </a:srgbClr>
+            </a:outerShdw>
+          </a:effectLst>
+        </a:effectStyle>
+      </a:effectStyleLst>
+      <a:bgFillStyleLst>
+        <a:solidFill>
+          <a:schemeClr val="phClr"/>
+        </a:solidFill>
+        <a:solidFill>
+          <a:schemeClr val="phClr">
+            <a:tint val="95000"/>
+            <a:satMod val="170000"/>
+          </a:schemeClr>
+        </a:solidFill>
+        <a:gradFill rotWithShape="1">
+          <a:gsLst>
+            <a:gs pos="0">
+              <a:schemeClr val="phClr">
+                <a:tint val="93000"/>
+                <a:satMod val="150000"/>
+                <a:shade val="98000"/>
+                <a:lumMod val="102000"/>
+              </a:schemeClr>
+            </a:gs>
+            <a:gs pos="50000">
+              <a:schemeClr val="phClr">
+                <a:tint val="98000"/>
+                <a:satMod val="130000"/>
+                <a:shade val="90000"/>
+                <a:lumMod val="103000"/>
+              </a:schemeClr>
+            </a:gs>
+            <a:gs pos="100000">
+              <a:schemeClr val="phClr">
+                <a:shade val="63000"/>
+                <a:satMod val="120000"/>
+              </a:schemeClr>
+            </a:gs>
+          </a:gsLst>
+          <a:lin ang="5400000" scaled="0"/>
+        </a:gradFill>
+      </a:bgFillStyleLst>
+    </a:fmtScheme>
+  </a:themeElements>
+  <a:objectDefaults/>
+  <a:extraClrSchemeLst/>
+  <a:extLst>
+    <a:ext uri="{05A4C25C-085E-4340-85A3-A5531E510DB2}">
+      <thm15:themeFamily xmlns:thm15="http://schemas.microsoft.com/office/thememl/2012/main" name="Office Theme" id="{62F939B6-93AF-4DB8-9C6B-D6C7DFDC589F}" vid="{4A3C46E8-61CC-4603-A589-7422A47A8E4A}"/>
+    </a:ext>
+  </a:extLst>
+</a:theme>
 </file>